--- a/Presentations/AIAASciTech.Luppen.pptx
+++ b/Presentations/AIAASciTech.Luppen.pptx
@@ -17,19 +17,19 @@
     <p:sldId id="268" r:id="rId8"/>
     <p:sldId id="269" r:id="rId9"/>
     <p:sldId id="270" r:id="rId10"/>
-    <p:sldId id="266" r:id="rId11"/>
-    <p:sldId id="272" r:id="rId12"/>
-    <p:sldId id="261" r:id="rId13"/>
-    <p:sldId id="260" r:id="rId14"/>
-    <p:sldId id="273" r:id="rId15"/>
-    <p:sldId id="265" r:id="rId16"/>
-    <p:sldId id="264" r:id="rId17"/>
-    <p:sldId id="259" r:id="rId18"/>
-    <p:sldId id="262" r:id="rId19"/>
-    <p:sldId id="271" r:id="rId20"/>
-    <p:sldId id="267" r:id="rId21"/>
-    <p:sldId id="258" r:id="rId22"/>
-    <p:sldId id="263" r:id="rId23"/>
+    <p:sldId id="272" r:id="rId11"/>
+    <p:sldId id="261" r:id="rId12"/>
+    <p:sldId id="260" r:id="rId13"/>
+    <p:sldId id="273" r:id="rId14"/>
+    <p:sldId id="265" r:id="rId15"/>
+    <p:sldId id="264" r:id="rId16"/>
+    <p:sldId id="259" r:id="rId17"/>
+    <p:sldId id="262" r:id="rId18"/>
+    <p:sldId id="271" r:id="rId19"/>
+    <p:sldId id="267" r:id="rId20"/>
+    <p:sldId id="258" r:id="rId21"/>
+    <p:sldId id="263" r:id="rId22"/>
+    <p:sldId id="266" r:id="rId23"/>
     <p:sldId id="406" r:id="rId24"/>
     <p:sldId id="405" r:id="rId25"/>
   </p:sldIdLst>
@@ -4402,7 +4402,7 @@
                   <a:schemeClr val="bg1"/>
                 </a:solidFill>
               </a:rPr>
-              <a:t>Copyright © by </a:t>
+              <a:t>Copyright © 2020 by </a:t>
             </a:r>
             <a:r>
               <a:rPr lang="en-US" sz="1600" dirty="0">
@@ -4708,278 +4708,64 @@
           <a:chExt cx="0" cy="0"/>
         </a:xfrm>
       </p:grpSpPr>
-      <p:grpSp>
-        <p:nvGrpSpPr>
-          <p:cNvPr id="8" name="Group 7">
+      <p:sp>
+        <p:nvSpPr>
+          <p:cNvPr id="4" name="Rectangle 3">
             <a:extLst>
               <a:ext uri="{FF2B5EF4-FFF2-40B4-BE49-F238E27FC236}">
-                <a16:creationId xmlns:a16="http://schemas.microsoft.com/office/drawing/2014/main" id="{24C0EB40-AD1E-452B-8698-8834E35E4D56}"/>
+                <a16:creationId xmlns:a16="http://schemas.microsoft.com/office/drawing/2014/main" id="{4E0B42D7-C09D-4436-BB51-CE6BF13BDCD1}"/>
               </a:ext>
             </a:extLst>
           </p:cNvPr>
-          <p:cNvGrpSpPr/>
+          <p:cNvSpPr/>
           <p:nvPr/>
-        </p:nvGrpSpPr>
-        <p:grpSpPr>
-          <a:xfrm>
-            <a:off x="807720" y="971312"/>
-            <a:ext cx="7528560" cy="3570208"/>
-            <a:chOff x="81312" y="282507"/>
-            <a:chExt cx="12029376" cy="5651568"/>
-          </a:xfrm>
-        </p:grpSpPr>
-        <p:pic>
-          <p:nvPicPr>
-            <p:cNvPr id="4" name="Picture 3" descr="A screenshot of a cell phone&#10;&#10;Description automatically generated">
-              <a:extLst>
-                <a:ext uri="{FF2B5EF4-FFF2-40B4-BE49-F238E27FC236}">
-                  <a16:creationId xmlns:a16="http://schemas.microsoft.com/office/drawing/2014/main" id="{EDE19997-9531-4532-A824-C4D8237B397A}"/>
-                </a:ext>
-              </a:extLst>
-            </p:cNvPr>
-            <p:cNvPicPr>
-              <a:picLocks noChangeAspect="1"/>
-            </p:cNvPicPr>
-            <p:nvPr/>
-          </p:nvPicPr>
-          <p:blipFill>
-            <a:blip r:embed="rId2" cstate="print">
-              <a:extLst>
-                <a:ext uri="{28A0092B-C50C-407E-A947-70E740481C1C}">
-                  <a14:useLocalDpi xmlns:a14="http://schemas.microsoft.com/office/drawing/2010/main" val="0"/>
-                </a:ext>
-              </a:extLst>
-            </a:blip>
-            <a:stretch>
-              <a:fillRect/>
-            </a:stretch>
-          </p:blipFill>
-          <p:spPr>
-            <a:xfrm>
-              <a:off x="81312" y="282507"/>
-              <a:ext cx="12029376" cy="5651568"/>
-            </a:xfrm>
-            <a:prstGeom prst="rect">
-              <a:avLst/>
-            </a:prstGeom>
-          </p:spPr>
-        </p:pic>
-        <p:pic>
-          <p:nvPicPr>
-            <p:cNvPr id="5" name="Picture 4" descr="A screenshot of a cell phone&#10;&#10;Description automatically generated">
-              <a:extLst>
-                <a:ext uri="{FF2B5EF4-FFF2-40B4-BE49-F238E27FC236}">
-                  <a16:creationId xmlns:a16="http://schemas.microsoft.com/office/drawing/2014/main" id="{B2772652-93F5-4FA4-88E3-6FAFCC730CB7}"/>
-                </a:ext>
-              </a:extLst>
-            </p:cNvPr>
-            <p:cNvPicPr>
-              <a:picLocks noChangeAspect="1"/>
-            </p:cNvPicPr>
-            <p:nvPr/>
-          </p:nvPicPr>
-          <p:blipFill rotWithShape="1">
-            <a:blip r:embed="rId2" cstate="print">
-              <a:extLst>
-                <a:ext uri="{28A0092B-C50C-407E-A947-70E740481C1C}">
-                  <a14:useLocalDpi xmlns:a14="http://schemas.microsoft.com/office/drawing/2010/main" val="0"/>
-                </a:ext>
-              </a:extLst>
-            </a:blip>
-            <a:srcRect l="24662" t="5673" r="60294" b="76124"/>
-            <a:stretch/>
-          </p:blipFill>
-          <p:spPr>
-            <a:xfrm>
-              <a:off x="7305675" y="571501"/>
-              <a:ext cx="1809750" cy="1028699"/>
-            </a:xfrm>
-            <a:prstGeom prst="rect">
-              <a:avLst/>
-            </a:prstGeom>
-          </p:spPr>
-        </p:pic>
-        <p:sp>
-          <p:nvSpPr>
-            <p:cNvPr id="6" name="TextBox 5">
-              <a:extLst>
-                <a:ext uri="{FF2B5EF4-FFF2-40B4-BE49-F238E27FC236}">
-                  <a16:creationId xmlns:a16="http://schemas.microsoft.com/office/drawing/2014/main" id="{23DD1FCA-D06F-4EEC-A075-37DF2C8C578E}"/>
-                </a:ext>
-              </a:extLst>
-            </p:cNvPr>
-            <p:cNvSpPr txBox="1"/>
-            <p:nvPr/>
-          </p:nvSpPr>
-          <p:spPr>
-            <a:xfrm>
-              <a:off x="7234237" y="1575554"/>
-              <a:ext cx="1933575" cy="954108"/>
-            </a:xfrm>
-            <a:prstGeom prst="rect">
-              <a:avLst/>
-            </a:prstGeom>
-            <a:solidFill>
-              <a:schemeClr val="bg1"/>
-            </a:solidFill>
-          </p:spPr>
-          <p:txBody>
-            <a:bodyPr wrap="square" rtlCol="0">
-              <a:spAutoFit/>
-            </a:bodyPr>
-            <a:lstStyle/>
-            <a:p>
-              <a:r>
-                <a:rPr lang="en-US" sz="1350" dirty="0"/>
-                <a:t>Receiving</a:t>
-              </a:r>
-            </a:p>
-            <a:p>
-              <a:r>
-                <a:rPr lang="en-US" sz="1350" dirty="0"/>
-                <a:t>Radio (USRP B210)</a:t>
-              </a:r>
-            </a:p>
-          </p:txBody>
-        </p:sp>
-        <p:sp>
-          <p:nvSpPr>
-            <p:cNvPr id="7" name="Rectangle: Rounded Corners 6">
-              <a:extLst>
-                <a:ext uri="{FF2B5EF4-FFF2-40B4-BE49-F238E27FC236}">
-                  <a16:creationId xmlns:a16="http://schemas.microsoft.com/office/drawing/2014/main" id="{4A92C125-6FFC-4600-AC81-3F9D727E3CD4}"/>
-                </a:ext>
-              </a:extLst>
-            </p:cNvPr>
-            <p:cNvSpPr/>
-            <p:nvPr/>
-          </p:nvSpPr>
-          <p:spPr>
-            <a:xfrm>
-              <a:off x="7200901" y="523875"/>
-              <a:ext cx="1985964" cy="1678959"/>
-            </a:xfrm>
-            <a:prstGeom prst="roundRect">
-              <a:avLst>
-                <a:gd name="adj" fmla="val 9495"/>
-              </a:avLst>
-            </a:prstGeom>
-            <a:noFill/>
-            <a:ln w="28575">
-              <a:solidFill>
-                <a:schemeClr val="bg1">
-                  <a:lumMod val="50000"/>
-                </a:schemeClr>
-              </a:solidFill>
-            </a:ln>
-          </p:spPr>
-          <p:style>
-            <a:lnRef idx="2">
-              <a:schemeClr val="accent1">
-                <a:shade val="50000"/>
-              </a:schemeClr>
-            </a:lnRef>
-            <a:fillRef idx="1">
-              <a:schemeClr val="accent1"/>
-            </a:fillRef>
-            <a:effectRef idx="0">
-              <a:schemeClr val="accent1"/>
-            </a:effectRef>
-            <a:fontRef idx="minor">
-              <a:schemeClr val="lt1"/>
-            </a:fontRef>
-          </p:style>
-          <p:txBody>
-            <a:bodyPr rot="0" spcFirstLastPara="0" vertOverflow="overflow" horzOverflow="overflow" vert="horz" wrap="square" lIns="68580" tIns="34290" rIns="68580" bIns="34290" numCol="1" spcCol="0" rtlCol="0" fromWordArt="0" anchor="ctr" anchorCtr="0" forceAA="0" compatLnSpc="1">
-              <a:prstTxWarp prst="textNoShape">
-                <a:avLst/>
-              </a:prstTxWarp>
-              <a:noAutofit/>
-            </a:bodyPr>
-            <a:lstStyle/>
-            <a:p>
-              <a:pPr algn="ctr"/>
-              <a:endParaRPr lang="en-US" sz="1350"/>
-            </a:p>
-          </p:txBody>
-        </p:sp>
-      </p:grpSp>
-      <p:pic>
-        <p:nvPicPr>
-          <p:cNvPr id="11" name="Picture 10">
-            <a:extLst>
-              <a:ext uri="{FF2B5EF4-FFF2-40B4-BE49-F238E27FC236}">
-                <a16:creationId xmlns:a16="http://schemas.microsoft.com/office/drawing/2014/main" id="{0C6F3B4F-7F7D-4A12-885D-751C5FC5A63E}"/>
-              </a:ext>
-            </a:extLst>
-          </p:cNvPr>
-          <p:cNvPicPr>
-            <a:picLocks noChangeAspect="1"/>
-          </p:cNvPicPr>
-          <p:nvPr/>
-        </p:nvPicPr>
-        <p:blipFill rotWithShape="1">
-          <a:blip r:embed="rId3" cstate="screen">
-            <a:extLst>
-              <a:ext uri="{28A0092B-C50C-407E-A947-70E740481C1C}">
-                <a14:useLocalDpi xmlns:a14="http://schemas.microsoft.com/office/drawing/2010/main"/>
-              </a:ext>
-            </a:extLst>
-          </a:blip>
-          <a:srcRect/>
-          <a:stretch/>
-        </p:blipFill>
+        </p:nvSpPr>
         <p:spPr>
           <a:xfrm>
-            <a:off x="0" y="0"/>
-            <a:ext cx="1738725" cy="320040"/>
+            <a:off x="647224" y="1028700"/>
+            <a:ext cx="7975283" cy="464344"/>
           </a:xfrm>
           <a:prstGeom prst="rect">
             <a:avLst/>
           </a:prstGeom>
-        </p:spPr>
-      </p:pic>
-      <p:pic>
-        <p:nvPicPr>
-          <p:cNvPr id="12" name="Picture 11">
-            <a:extLst>
-              <a:ext uri="{FF2B5EF4-FFF2-40B4-BE49-F238E27FC236}">
-                <a16:creationId xmlns:a16="http://schemas.microsoft.com/office/drawing/2014/main" id="{F31B8004-FEF5-480F-A38E-16588C0CF492}"/>
-              </a:ext>
-            </a:extLst>
-          </p:cNvPr>
-          <p:cNvPicPr>
-            <a:picLocks noChangeAspect="1"/>
-          </p:cNvPicPr>
-          <p:nvPr/>
-        </p:nvPicPr>
-        <p:blipFill rotWithShape="1">
-          <a:blip r:embed="rId4" cstate="screen">
-            <a:extLst>
-              <a:ext uri="{28A0092B-C50C-407E-A947-70E740481C1C}">
-                <a14:useLocalDpi xmlns:a14="http://schemas.microsoft.com/office/drawing/2010/main"/>
-              </a:ext>
-            </a:extLst>
-          </a:blip>
-          <a:srcRect/>
-          <a:stretch/>
-        </p:blipFill>
-        <p:spPr>
-          <a:xfrm>
-            <a:off x="0" y="331015"/>
-            <a:ext cx="1737360" cy="413296"/>
-          </a:xfrm>
-          <a:prstGeom prst="rect">
-            <a:avLst/>
-          </a:prstGeom>
-        </p:spPr>
-      </p:pic>
+          <a:solidFill>
+            <a:schemeClr val="bg1"/>
+          </a:solidFill>
+          <a:ln>
+            <a:noFill/>
+          </a:ln>
+        </p:spPr>
+        <p:style>
+          <a:lnRef idx="2">
+            <a:schemeClr val="accent1">
+              <a:shade val="50000"/>
+            </a:schemeClr>
+          </a:lnRef>
+          <a:fillRef idx="1">
+            <a:schemeClr val="accent1"/>
+          </a:fillRef>
+          <a:effectRef idx="0">
+            <a:schemeClr val="accent1"/>
+          </a:effectRef>
+          <a:fontRef idx="minor">
+            <a:schemeClr val="lt1"/>
+          </a:fontRef>
+        </p:style>
+        <p:txBody>
+          <a:bodyPr rtlCol="0" anchor="ctr"/>
+          <a:lstStyle/>
+          <a:p>
+            <a:pPr algn="ctr"/>
+            <a:endParaRPr lang="en-US" sz="1350"/>
+          </a:p>
+        </p:txBody>
+      </p:sp>
       <p:sp>
         <p:nvSpPr>
-          <p:cNvPr id="13" name="Title 1">
+          <p:cNvPr id="2" name="Title 1">
             <a:extLst>
               <a:ext uri="{FF2B5EF4-FFF2-40B4-BE49-F238E27FC236}">
-                <a16:creationId xmlns:a16="http://schemas.microsoft.com/office/drawing/2014/main" id="{523A2CB2-13A8-41EA-96FE-093FAA759DB2}"/>
+                <a16:creationId xmlns:a16="http://schemas.microsoft.com/office/drawing/2014/main" id="{C561A7BA-23D9-4F1E-A4A8-57962C20BA01}"/>
               </a:ext>
             </a:extLst>
           </p:cNvPr>
@@ -5004,15 +4790,155 @@
           <a:p>
             <a:r>
               <a:rPr lang="en-US" dirty="0"/>
-              <a:t>Complete Setup</a:t>
+              <a:t>Results (Slide 1)</a:t>
             </a:r>
           </a:p>
         </p:txBody>
       </p:sp>
+      <p:pic>
+        <p:nvPicPr>
+          <p:cNvPr id="7" name="Picture 6">
+            <a:extLst>
+              <a:ext uri="{FF2B5EF4-FFF2-40B4-BE49-F238E27FC236}">
+                <a16:creationId xmlns:a16="http://schemas.microsoft.com/office/drawing/2014/main" id="{A0BD5B62-6157-4D5C-ABF9-220DDAE937B3}"/>
+              </a:ext>
+            </a:extLst>
+          </p:cNvPr>
+          <p:cNvPicPr>
+            <a:picLocks noChangeAspect="1"/>
+          </p:cNvPicPr>
+          <p:nvPr/>
+        </p:nvPicPr>
+        <p:blipFill rotWithShape="1">
+          <a:blip r:embed="rId2" cstate="screen">
+            <a:extLst>
+              <a:ext uri="{28A0092B-C50C-407E-A947-70E740481C1C}">
+                <a14:useLocalDpi xmlns:a14="http://schemas.microsoft.com/office/drawing/2010/main"/>
+              </a:ext>
+            </a:extLst>
+          </a:blip>
+          <a:srcRect/>
+          <a:stretch/>
+        </p:blipFill>
+        <p:spPr>
+          <a:xfrm>
+            <a:off x="1031856" y="800740"/>
+            <a:ext cx="7080287" cy="1627347"/>
+          </a:xfrm>
+          <a:prstGeom prst="rect">
+            <a:avLst/>
+          </a:prstGeom>
+        </p:spPr>
+      </p:pic>
+      <p:pic>
+        <p:nvPicPr>
+          <p:cNvPr id="8" name="Picture 7">
+            <a:extLst>
+              <a:ext uri="{FF2B5EF4-FFF2-40B4-BE49-F238E27FC236}">
+                <a16:creationId xmlns:a16="http://schemas.microsoft.com/office/drawing/2014/main" id="{A4C804B6-9379-4C0B-9FAA-86C7DD5E1EE3}"/>
+              </a:ext>
+            </a:extLst>
+          </p:cNvPr>
+          <p:cNvPicPr>
+            <a:picLocks noChangeAspect="1"/>
+          </p:cNvPicPr>
+          <p:nvPr/>
+        </p:nvPicPr>
+        <p:blipFill rotWithShape="1">
+          <a:blip r:embed="rId3" cstate="screen">
+            <a:extLst>
+              <a:ext uri="{28A0092B-C50C-407E-A947-70E740481C1C}">
+                <a14:useLocalDpi xmlns:a14="http://schemas.microsoft.com/office/drawing/2010/main"/>
+              </a:ext>
+            </a:extLst>
+          </a:blip>
+          <a:srcRect b="1765"/>
+          <a:stretch/>
+        </p:blipFill>
+        <p:spPr>
+          <a:xfrm>
+            <a:off x="2383556" y="2484516"/>
+            <a:ext cx="4376888" cy="2285189"/>
+          </a:xfrm>
+          <a:prstGeom prst="rect">
+            <a:avLst/>
+          </a:prstGeom>
+        </p:spPr>
+      </p:pic>
+      <p:pic>
+        <p:nvPicPr>
+          <p:cNvPr id="11" name="Picture 10">
+            <a:extLst>
+              <a:ext uri="{FF2B5EF4-FFF2-40B4-BE49-F238E27FC236}">
+                <a16:creationId xmlns:a16="http://schemas.microsoft.com/office/drawing/2014/main" id="{32C48320-5AE9-4C0A-9A9C-B316CFAC0CAA}"/>
+              </a:ext>
+            </a:extLst>
+          </p:cNvPr>
+          <p:cNvPicPr>
+            <a:picLocks noChangeAspect="1"/>
+          </p:cNvPicPr>
+          <p:nvPr/>
+        </p:nvPicPr>
+        <p:blipFill rotWithShape="1">
+          <a:blip r:embed="rId4" cstate="screen">
+            <a:extLst>
+              <a:ext uri="{28A0092B-C50C-407E-A947-70E740481C1C}">
+                <a14:useLocalDpi xmlns:a14="http://schemas.microsoft.com/office/drawing/2010/main"/>
+              </a:ext>
+            </a:extLst>
+          </a:blip>
+          <a:srcRect/>
+          <a:stretch/>
+        </p:blipFill>
+        <p:spPr>
+          <a:xfrm>
+            <a:off x="0" y="0"/>
+            <a:ext cx="1738725" cy="320040"/>
+          </a:xfrm>
+          <a:prstGeom prst="rect">
+            <a:avLst/>
+          </a:prstGeom>
+        </p:spPr>
+      </p:pic>
+      <p:pic>
+        <p:nvPicPr>
+          <p:cNvPr id="12" name="Picture 11">
+            <a:extLst>
+              <a:ext uri="{FF2B5EF4-FFF2-40B4-BE49-F238E27FC236}">
+                <a16:creationId xmlns:a16="http://schemas.microsoft.com/office/drawing/2014/main" id="{E0CF5008-1A0C-4DAD-811B-B6AC076C00BF}"/>
+              </a:ext>
+            </a:extLst>
+          </p:cNvPr>
+          <p:cNvPicPr>
+            <a:picLocks noChangeAspect="1"/>
+          </p:cNvPicPr>
+          <p:nvPr/>
+        </p:nvPicPr>
+        <p:blipFill rotWithShape="1">
+          <a:blip r:embed="rId5" cstate="screen">
+            <a:extLst>
+              <a:ext uri="{28A0092B-C50C-407E-A947-70E740481C1C}">
+                <a14:useLocalDpi xmlns:a14="http://schemas.microsoft.com/office/drawing/2010/main"/>
+              </a:ext>
+            </a:extLst>
+          </a:blip>
+          <a:srcRect/>
+          <a:stretch/>
+        </p:blipFill>
+        <p:spPr>
+          <a:xfrm>
+            <a:off x="0" y="331015"/>
+            <a:ext cx="1737360" cy="413296"/>
+          </a:xfrm>
+          <a:prstGeom prst="rect">
+            <a:avLst/>
+          </a:prstGeom>
+        </p:spPr>
+      </p:pic>
     </p:spTree>
     <p:extLst>
       <p:ext uri="{BB962C8B-B14F-4D97-AF65-F5344CB8AC3E}">
-        <p14:creationId xmlns:p14="http://schemas.microsoft.com/office/powerpoint/2010/main" val="435680828"/>
+        <p14:creationId xmlns:p14="http://schemas.microsoft.com/office/powerpoint/2010/main" val="1798688396"/>
       </p:ext>
     </p:extLst>
   </p:cSld>
@@ -5121,8 +5047,53 @@
           <a:p>
             <a:r>
               <a:rPr lang="en-US" dirty="0"/>
-              <a:t>Results (Slide 1)</a:t>
-            </a:r>
+              <a:t>Results (Slide 2)</a:t>
+            </a:r>
+          </a:p>
+        </p:txBody>
+      </p:sp>
+      <p:sp>
+        <p:nvSpPr>
+          <p:cNvPr id="3" name="Content Placeholder 2">
+            <a:extLst>
+              <a:ext uri="{FF2B5EF4-FFF2-40B4-BE49-F238E27FC236}">
+                <a16:creationId xmlns:a16="http://schemas.microsoft.com/office/drawing/2014/main" id="{6E03FFBB-11B0-49C5-B432-B70CE967126B}"/>
+              </a:ext>
+            </a:extLst>
+          </p:cNvPr>
+          <p:cNvSpPr>
+            <a:spLocks noGrp="1"/>
+          </p:cNvSpPr>
+          <p:nvPr>
+            <p:ph idx="1"/>
+          </p:nvPr>
+        </p:nvSpPr>
+        <p:spPr>
+          <a:xfrm>
+            <a:off x="748717" y="821531"/>
+            <a:ext cx="8280983" cy="3929063"/>
+          </a:xfrm>
+        </p:spPr>
+        <p:txBody>
+          <a:bodyPr>
+            <a:normAutofit/>
+          </a:bodyPr>
+          <a:lstStyle/>
+          <a:p>
+            <a:pPr marL="0" indent="0">
+              <a:spcBef>
+                <a:spcPts val="0"/>
+              </a:spcBef>
+              <a:spcAft>
+                <a:spcPts val="0"/>
+              </a:spcAft>
+              <a:buNone/>
+            </a:pPr>
+            <a:r>
+              <a:rPr lang="en-US" sz="2100" dirty="0"/>
+              <a:t>  </a:t>
+            </a:r>
+            <a:endParaRPr lang="en-US" sz="1800" dirty="0"/>
           </a:p>
         </p:txBody>
       </p:sp>
@@ -5131,7 +5102,7 @@
           <p:cNvPr id="7" name="Picture 6">
             <a:extLst>
               <a:ext uri="{FF2B5EF4-FFF2-40B4-BE49-F238E27FC236}">
-                <a16:creationId xmlns:a16="http://schemas.microsoft.com/office/drawing/2014/main" id="{A0BD5B62-6157-4D5C-ABF9-220DDAE937B3}"/>
+                <a16:creationId xmlns:a16="http://schemas.microsoft.com/office/drawing/2014/main" id="{4D077A8E-324C-4799-A546-DB7751E4181C}"/>
               </a:ext>
             </a:extLst>
           </p:cNvPr>
@@ -5153,8 +5124,8 @@
         </p:blipFill>
         <p:spPr>
           <a:xfrm>
-            <a:off x="1031856" y="800740"/>
-            <a:ext cx="7080287" cy="1627347"/>
+            <a:off x="1956367" y="2675123"/>
+            <a:ext cx="5231266" cy="2019423"/>
           </a:xfrm>
           <a:prstGeom prst="rect">
             <a:avLst/>
@@ -5166,7 +5137,7 @@
           <p:cNvPr id="8" name="Picture 7">
             <a:extLst>
               <a:ext uri="{FF2B5EF4-FFF2-40B4-BE49-F238E27FC236}">
-                <a16:creationId xmlns:a16="http://schemas.microsoft.com/office/drawing/2014/main" id="{A4C804B6-9379-4C0B-9FAA-86C7DD5E1EE3}"/>
+                <a16:creationId xmlns:a16="http://schemas.microsoft.com/office/drawing/2014/main" id="{D5701B10-27CD-4EC5-ABEF-D5F515CD5CA9}"/>
               </a:ext>
             </a:extLst>
           </p:cNvPr>
@@ -5183,13 +5154,13 @@
               </a:ext>
             </a:extLst>
           </a:blip>
-          <a:srcRect b="1765"/>
+          <a:srcRect/>
           <a:stretch/>
         </p:blipFill>
         <p:spPr>
           <a:xfrm>
-            <a:off x="2383556" y="2484516"/>
-            <a:ext cx="4376888" cy="2285189"/>
+            <a:off x="865162" y="821531"/>
+            <a:ext cx="7413676" cy="1797545"/>
           </a:xfrm>
           <a:prstGeom prst="rect">
             <a:avLst/>
@@ -5201,7 +5172,7 @@
           <p:cNvPr id="11" name="Picture 10">
             <a:extLst>
               <a:ext uri="{FF2B5EF4-FFF2-40B4-BE49-F238E27FC236}">
-                <a16:creationId xmlns:a16="http://schemas.microsoft.com/office/drawing/2014/main" id="{32C48320-5AE9-4C0A-9A9C-B316CFAC0CAA}"/>
+                <a16:creationId xmlns:a16="http://schemas.microsoft.com/office/drawing/2014/main" id="{48A9710B-575A-4BB6-B756-FCAE3C9C5A81}"/>
               </a:ext>
             </a:extLst>
           </p:cNvPr>
@@ -5236,7 +5207,7 @@
           <p:cNvPr id="12" name="Picture 11">
             <a:extLst>
               <a:ext uri="{FF2B5EF4-FFF2-40B4-BE49-F238E27FC236}">
-                <a16:creationId xmlns:a16="http://schemas.microsoft.com/office/drawing/2014/main" id="{E0CF5008-1A0C-4DAD-811B-B6AC076C00BF}"/>
+                <a16:creationId xmlns:a16="http://schemas.microsoft.com/office/drawing/2014/main" id="{79BE6E9D-3B3D-4AED-A1E8-087BCF6106D5}"/>
               </a:ext>
             </a:extLst>
           </p:cNvPr>
@@ -5269,7 +5240,7 @@
     </p:spTree>
     <p:extLst>
       <p:ext uri="{BB962C8B-B14F-4D97-AF65-F5344CB8AC3E}">
-        <p14:creationId xmlns:p14="http://schemas.microsoft.com/office/powerpoint/2010/main" val="1798688396"/>
+        <p14:creationId xmlns:p14="http://schemas.microsoft.com/office/powerpoint/2010/main" val="130486745"/>
       </p:ext>
     </p:extLst>
   </p:cSld>
@@ -5298,10 +5269,45 @@
       </p:grpSpPr>
       <p:sp>
         <p:nvSpPr>
+          <p:cNvPr id="2" name="Title 1">
+            <a:extLst>
+              <a:ext uri="{FF2B5EF4-FFF2-40B4-BE49-F238E27FC236}">
+                <a16:creationId xmlns:a16="http://schemas.microsoft.com/office/drawing/2014/main" id="{C3BBA8C6-8987-4F9B-954C-AEE5EB90F55F}"/>
+              </a:ext>
+            </a:extLst>
+          </p:cNvPr>
+          <p:cNvSpPr>
+            <a:spLocks noGrp="1"/>
+          </p:cNvSpPr>
+          <p:nvPr>
+            <p:ph type="title"/>
+          </p:nvPr>
+        </p:nvSpPr>
+        <p:spPr>
+          <a:xfrm>
+            <a:off x="667221" y="172961"/>
+            <a:ext cx="7543800" cy="489718"/>
+          </a:xfrm>
+        </p:spPr>
+        <p:txBody>
+          <a:bodyPr>
+            <a:normAutofit fontScale="90000"/>
+          </a:bodyPr>
+          <a:lstStyle/>
+          <a:p>
+            <a:r>
+              <a:rPr lang="en-US" dirty="0"/>
+              <a:t>Contributions</a:t>
+            </a:r>
+          </a:p>
+        </p:txBody>
+      </p:sp>
+      <p:sp>
+        <p:nvSpPr>
           <p:cNvPr id="4" name="Rectangle 3">
             <a:extLst>
               <a:ext uri="{FF2B5EF4-FFF2-40B4-BE49-F238E27FC236}">
-                <a16:creationId xmlns:a16="http://schemas.microsoft.com/office/drawing/2014/main" id="{4E0B42D7-C09D-4436-BB51-CE6BF13BDCD1}"/>
+                <a16:creationId xmlns:a16="http://schemas.microsoft.com/office/drawing/2014/main" id="{FAC4B156-EDE6-47BC-B057-5268D00D99DC}"/>
               </a:ext>
             </a:extLst>
           </p:cNvPr>
@@ -5310,8 +5316,8 @@
         </p:nvSpPr>
         <p:spPr>
           <a:xfrm>
-            <a:off x="647224" y="1028700"/>
-            <a:ext cx="7975283" cy="464344"/>
+            <a:off x="0" y="1114425"/>
+            <a:ext cx="9144000" cy="195943"/>
           </a:xfrm>
           <a:prstGeom prst="rect">
             <a:avLst/>
@@ -5350,45 +5356,10 @@
       </p:sp>
       <p:sp>
         <p:nvSpPr>
-          <p:cNvPr id="2" name="Title 1">
+          <p:cNvPr id="3" name="Content Placeholder 2">
             <a:extLst>
               <a:ext uri="{FF2B5EF4-FFF2-40B4-BE49-F238E27FC236}">
-                <a16:creationId xmlns:a16="http://schemas.microsoft.com/office/drawing/2014/main" id="{C561A7BA-23D9-4F1E-A4A8-57962C20BA01}"/>
-              </a:ext>
-            </a:extLst>
-          </p:cNvPr>
-          <p:cNvSpPr>
-            <a:spLocks noGrp="1"/>
-          </p:cNvSpPr>
-          <p:nvPr>
-            <p:ph type="title"/>
-          </p:nvPr>
-        </p:nvSpPr>
-        <p:spPr>
-          <a:xfrm>
-            <a:off x="654367" y="132799"/>
-            <a:ext cx="7849553" cy="535142"/>
-          </a:xfrm>
-        </p:spPr>
-        <p:txBody>
-          <a:bodyPr>
-            <a:normAutofit/>
-          </a:bodyPr>
-          <a:lstStyle/>
-          <a:p>
-            <a:r>
-              <a:rPr lang="en-US" dirty="0"/>
-              <a:t>Results (Slide 2)</a:t>
-            </a:r>
-          </a:p>
-        </p:txBody>
-      </p:sp>
-      <p:sp>
-        <p:nvSpPr>
-          <p:cNvPr id="3" name="Content Placeholder 2">
-            <a:extLst>
-              <a:ext uri="{FF2B5EF4-FFF2-40B4-BE49-F238E27FC236}">
-                <a16:creationId xmlns:a16="http://schemas.microsoft.com/office/drawing/2014/main" id="{6E03FFBB-11B0-49C5-B432-B70CE967126B}"/>
+                <a16:creationId xmlns:a16="http://schemas.microsoft.com/office/drawing/2014/main" id="{B60BB100-6F98-472D-8D7F-68FE278100F1}"/>
               </a:ext>
             </a:extLst>
           </p:cNvPr>
@@ -5401,39 +5372,63 @@
         </p:nvSpPr>
         <p:spPr>
           <a:xfrm>
-            <a:off x="748717" y="821531"/>
-            <a:ext cx="8280983" cy="3929063"/>
+            <a:off x="692311" y="1278664"/>
+            <a:ext cx="7543800" cy="2718707"/>
           </a:xfrm>
         </p:spPr>
         <p:txBody>
           <a:bodyPr>
-            <a:normAutofit/>
+            <a:normAutofit lnSpcReduction="10000"/>
           </a:bodyPr>
           <a:lstStyle/>
           <a:p>
-            <a:pPr marL="0" indent="0">
-              <a:spcBef>
-                <a:spcPts val="0"/>
-              </a:spcBef>
-              <a:spcAft>
-                <a:spcPts val="0"/>
-              </a:spcAft>
-              <a:buNone/>
-            </a:pPr>
-            <a:r>
-              <a:rPr lang="en-US" sz="2100" dirty="0"/>
-              <a:t>  </a:t>
-            </a:r>
-            <a:endParaRPr lang="en-US" sz="1800" dirty="0"/>
+            <a:r>
+              <a:rPr lang="en-US" sz="1800" b="1" dirty="0"/>
+              <a:t>1)</a:t>
+            </a:r>
+            <a:r>
+              <a:rPr lang="en-US" sz="1800" dirty="0"/>
+              <a:t> Develop reference set of formal specifications in mission-time linear temporal logic (MLTL) describing a modeled CubeSat communications system</a:t>
+            </a:r>
+          </a:p>
+          <a:p>
+            <a:r>
+              <a:rPr lang="en-US" sz="1800" b="1" dirty="0"/>
+              <a:t>2) </a:t>
+            </a:r>
+            <a:r>
+              <a:rPr lang="en-US" sz="1800" dirty="0"/>
+              <a:t>Detail validation strategy over these specifications using experimental evaluation with the R2U2 tool</a:t>
+            </a:r>
+          </a:p>
+          <a:p>
+            <a:r>
+              <a:rPr lang="en-US" sz="1800" b="1" dirty="0"/>
+              <a:t>3) </a:t>
+            </a:r>
+            <a:r>
+              <a:rPr lang="en-US" sz="1800" dirty="0"/>
+              <a:t>Highlight and discuss specification patterns that emerge while developing and revising the specifications</a:t>
+            </a:r>
+          </a:p>
+          <a:p>
+            <a:r>
+              <a:rPr lang="en-US" sz="1800" b="1" dirty="0"/>
+              <a:t>4) </a:t>
+            </a:r>
+            <a:r>
+              <a:rPr lang="en-US" sz="1800" dirty="0"/>
+              <a:t>Discuss lessons learned from validating these specifications that will inform future CubeSat runtime verification (RV) efforts</a:t>
+            </a:r>
           </a:p>
         </p:txBody>
       </p:sp>
       <p:pic>
         <p:nvPicPr>
-          <p:cNvPr id="7" name="Picture 6">
+          <p:cNvPr id="9" name="Picture 8">
             <a:extLst>
               <a:ext uri="{FF2B5EF4-FFF2-40B4-BE49-F238E27FC236}">
-                <a16:creationId xmlns:a16="http://schemas.microsoft.com/office/drawing/2014/main" id="{4D077A8E-324C-4799-A546-DB7751E4181C}"/>
+                <a16:creationId xmlns:a16="http://schemas.microsoft.com/office/drawing/2014/main" id="{2A30202E-4FC5-4FD6-ADC4-E9DFD5BDFEDC}"/>
               </a:ext>
             </a:extLst>
           </p:cNvPr>
@@ -5455,8 +5450,8 @@
         </p:blipFill>
         <p:spPr>
           <a:xfrm>
-            <a:off x="1956367" y="2675123"/>
-            <a:ext cx="5231266" cy="2019423"/>
+            <a:off x="0" y="0"/>
+            <a:ext cx="1738725" cy="320040"/>
           </a:xfrm>
           <a:prstGeom prst="rect">
             <a:avLst/>
@@ -5465,10 +5460,10 @@
       </p:pic>
       <p:pic>
         <p:nvPicPr>
-          <p:cNvPr id="8" name="Picture 7">
+          <p:cNvPr id="10" name="Picture 9">
             <a:extLst>
               <a:ext uri="{FF2B5EF4-FFF2-40B4-BE49-F238E27FC236}">
-                <a16:creationId xmlns:a16="http://schemas.microsoft.com/office/drawing/2014/main" id="{D5701B10-27CD-4EC5-ABEF-D5F515CD5CA9}"/>
+                <a16:creationId xmlns:a16="http://schemas.microsoft.com/office/drawing/2014/main" id="{F98F1F25-7315-4A09-AAA6-DFDB017048B4}"/>
               </a:ext>
             </a:extLst>
           </p:cNvPr>
@@ -5490,76 +5485,6 @@
         </p:blipFill>
         <p:spPr>
           <a:xfrm>
-            <a:off x="865162" y="821531"/>
-            <a:ext cx="7413676" cy="1797545"/>
-          </a:xfrm>
-          <a:prstGeom prst="rect">
-            <a:avLst/>
-          </a:prstGeom>
-        </p:spPr>
-      </p:pic>
-      <p:pic>
-        <p:nvPicPr>
-          <p:cNvPr id="11" name="Picture 10">
-            <a:extLst>
-              <a:ext uri="{FF2B5EF4-FFF2-40B4-BE49-F238E27FC236}">
-                <a16:creationId xmlns:a16="http://schemas.microsoft.com/office/drawing/2014/main" id="{48A9710B-575A-4BB6-B756-FCAE3C9C5A81}"/>
-              </a:ext>
-            </a:extLst>
-          </p:cNvPr>
-          <p:cNvPicPr>
-            <a:picLocks noChangeAspect="1"/>
-          </p:cNvPicPr>
-          <p:nvPr/>
-        </p:nvPicPr>
-        <p:blipFill rotWithShape="1">
-          <a:blip r:embed="rId4" cstate="screen">
-            <a:extLst>
-              <a:ext uri="{28A0092B-C50C-407E-A947-70E740481C1C}">
-                <a14:useLocalDpi xmlns:a14="http://schemas.microsoft.com/office/drawing/2010/main"/>
-              </a:ext>
-            </a:extLst>
-          </a:blip>
-          <a:srcRect/>
-          <a:stretch/>
-        </p:blipFill>
-        <p:spPr>
-          <a:xfrm>
-            <a:off x="0" y="0"/>
-            <a:ext cx="1738725" cy="320040"/>
-          </a:xfrm>
-          <a:prstGeom prst="rect">
-            <a:avLst/>
-          </a:prstGeom>
-        </p:spPr>
-      </p:pic>
-      <p:pic>
-        <p:nvPicPr>
-          <p:cNvPr id="12" name="Picture 11">
-            <a:extLst>
-              <a:ext uri="{FF2B5EF4-FFF2-40B4-BE49-F238E27FC236}">
-                <a16:creationId xmlns:a16="http://schemas.microsoft.com/office/drawing/2014/main" id="{79BE6E9D-3B3D-4AED-A1E8-087BCF6106D5}"/>
-              </a:ext>
-            </a:extLst>
-          </p:cNvPr>
-          <p:cNvPicPr>
-            <a:picLocks noChangeAspect="1"/>
-          </p:cNvPicPr>
-          <p:nvPr/>
-        </p:nvPicPr>
-        <p:blipFill rotWithShape="1">
-          <a:blip r:embed="rId5" cstate="screen">
-            <a:extLst>
-              <a:ext uri="{28A0092B-C50C-407E-A947-70E740481C1C}">
-                <a14:useLocalDpi xmlns:a14="http://schemas.microsoft.com/office/drawing/2010/main"/>
-              </a:ext>
-            </a:extLst>
-          </a:blip>
-          <a:srcRect/>
-          <a:stretch/>
-        </p:blipFill>
-        <p:spPr>
-          <a:xfrm>
             <a:off x="0" y="331015"/>
             <a:ext cx="1737360" cy="413296"/>
           </a:xfrm>
@@ -5571,7 +5496,7 @@
     </p:spTree>
     <p:extLst>
       <p:ext uri="{BB962C8B-B14F-4D97-AF65-F5344CB8AC3E}">
-        <p14:creationId xmlns:p14="http://schemas.microsoft.com/office/powerpoint/2010/main" val="130486745"/>
+        <p14:creationId xmlns:p14="http://schemas.microsoft.com/office/powerpoint/2010/main" val="1121272991"/>
       </p:ext>
     </p:extLst>
   </p:cSld>
@@ -5600,10 +5525,10 @@
       </p:grpSpPr>
       <p:sp>
         <p:nvSpPr>
-          <p:cNvPr id="2" name="Title 1">
+          <p:cNvPr id="6" name="Title 1">
             <a:extLst>
               <a:ext uri="{FF2B5EF4-FFF2-40B4-BE49-F238E27FC236}">
-                <a16:creationId xmlns:a16="http://schemas.microsoft.com/office/drawing/2014/main" id="{C3BBA8C6-8987-4F9B-954C-AEE5EB90F55F}"/>
+                <a16:creationId xmlns:a16="http://schemas.microsoft.com/office/drawing/2014/main" id="{1DCBAEC9-CFD2-4D5B-8C00-467043C5CAF6}"/>
               </a:ext>
             </a:extLst>
           </p:cNvPr>
@@ -5616,8 +5541,8 @@
         </p:nvSpPr>
         <p:spPr>
           <a:xfrm>
-            <a:off x="667221" y="172961"/>
-            <a:ext cx="7543800" cy="489718"/>
+            <a:off x="652926" y="149178"/>
+            <a:ext cx="7543800" cy="514350"/>
           </a:xfrm>
         </p:spPr>
         <p:txBody>
@@ -5628,17 +5553,18 @@
           <a:p>
             <a:r>
               <a:rPr lang="en-US" dirty="0"/>
-              <a:t>Contributions</a:t>
-            </a:r>
+              <a:t>Future Work</a:t>
+            </a:r>
+            <a:endParaRPr lang="en-US" baseline="30000" dirty="0"/>
           </a:p>
         </p:txBody>
       </p:sp>
       <p:sp>
         <p:nvSpPr>
-          <p:cNvPr id="4" name="Rectangle 3">
+          <p:cNvPr id="7" name="Rectangle 6">
             <a:extLst>
               <a:ext uri="{FF2B5EF4-FFF2-40B4-BE49-F238E27FC236}">
-                <a16:creationId xmlns:a16="http://schemas.microsoft.com/office/drawing/2014/main" id="{FAC4B156-EDE6-47BC-B057-5268D00D99DC}"/>
+                <a16:creationId xmlns:a16="http://schemas.microsoft.com/office/drawing/2014/main" id="{133D6C06-E59C-43A0-B3C4-397749D1CD46}"/>
               </a:ext>
             </a:extLst>
           </p:cNvPr>
@@ -5685,263 +5611,6 @@
           </a:p>
         </p:txBody>
       </p:sp>
-      <p:sp>
-        <p:nvSpPr>
-          <p:cNvPr id="3" name="Content Placeholder 2">
-            <a:extLst>
-              <a:ext uri="{FF2B5EF4-FFF2-40B4-BE49-F238E27FC236}">
-                <a16:creationId xmlns:a16="http://schemas.microsoft.com/office/drawing/2014/main" id="{B60BB100-6F98-472D-8D7F-68FE278100F1}"/>
-              </a:ext>
-            </a:extLst>
-          </p:cNvPr>
-          <p:cNvSpPr>
-            <a:spLocks noGrp="1"/>
-          </p:cNvSpPr>
-          <p:nvPr>
-            <p:ph idx="1"/>
-          </p:nvPr>
-        </p:nvSpPr>
-        <p:spPr>
-          <a:xfrm>
-            <a:off x="692311" y="1278664"/>
-            <a:ext cx="7543800" cy="2718707"/>
-          </a:xfrm>
-        </p:spPr>
-        <p:txBody>
-          <a:bodyPr>
-            <a:normAutofit lnSpcReduction="10000"/>
-          </a:bodyPr>
-          <a:lstStyle/>
-          <a:p>
-            <a:r>
-              <a:rPr lang="en-US" sz="1800" b="1" dirty="0"/>
-              <a:t>1)</a:t>
-            </a:r>
-            <a:r>
-              <a:rPr lang="en-US" sz="1800" dirty="0"/>
-              <a:t> Develop reference set of formal specifications in mission-time linear temporal logic (MLTL) describing a modeled CubeSat communications system</a:t>
-            </a:r>
-          </a:p>
-          <a:p>
-            <a:r>
-              <a:rPr lang="en-US" sz="1800" b="1" dirty="0"/>
-              <a:t>2) </a:t>
-            </a:r>
-            <a:r>
-              <a:rPr lang="en-US" sz="1800" dirty="0"/>
-              <a:t>Detail validation strategy over these specifications using experimental evaluation with the R2U2 tool</a:t>
-            </a:r>
-          </a:p>
-          <a:p>
-            <a:r>
-              <a:rPr lang="en-US" sz="1800" b="1" dirty="0"/>
-              <a:t>3) </a:t>
-            </a:r>
-            <a:r>
-              <a:rPr lang="en-US" sz="1800" dirty="0"/>
-              <a:t>Highlight and discuss specification patterns that emerge while developing and revising the specifications</a:t>
-            </a:r>
-          </a:p>
-          <a:p>
-            <a:r>
-              <a:rPr lang="en-US" sz="1800" b="1" dirty="0"/>
-              <a:t>4) </a:t>
-            </a:r>
-            <a:r>
-              <a:rPr lang="en-US" sz="1800" dirty="0"/>
-              <a:t>Discuss lessons learned from validating these specifications that will inform future CubeSat runtime verification (RV) efforts</a:t>
-            </a:r>
-          </a:p>
-        </p:txBody>
-      </p:sp>
-      <p:pic>
-        <p:nvPicPr>
-          <p:cNvPr id="9" name="Picture 8">
-            <a:extLst>
-              <a:ext uri="{FF2B5EF4-FFF2-40B4-BE49-F238E27FC236}">
-                <a16:creationId xmlns:a16="http://schemas.microsoft.com/office/drawing/2014/main" id="{2A30202E-4FC5-4FD6-ADC4-E9DFD5BDFEDC}"/>
-              </a:ext>
-            </a:extLst>
-          </p:cNvPr>
-          <p:cNvPicPr>
-            <a:picLocks noChangeAspect="1"/>
-          </p:cNvPicPr>
-          <p:nvPr/>
-        </p:nvPicPr>
-        <p:blipFill rotWithShape="1">
-          <a:blip r:embed="rId2" cstate="screen">
-            <a:extLst>
-              <a:ext uri="{28A0092B-C50C-407E-A947-70E740481C1C}">
-                <a14:useLocalDpi xmlns:a14="http://schemas.microsoft.com/office/drawing/2010/main"/>
-              </a:ext>
-            </a:extLst>
-          </a:blip>
-          <a:srcRect/>
-          <a:stretch/>
-        </p:blipFill>
-        <p:spPr>
-          <a:xfrm>
-            <a:off x="0" y="0"/>
-            <a:ext cx="1738725" cy="320040"/>
-          </a:xfrm>
-          <a:prstGeom prst="rect">
-            <a:avLst/>
-          </a:prstGeom>
-        </p:spPr>
-      </p:pic>
-      <p:pic>
-        <p:nvPicPr>
-          <p:cNvPr id="10" name="Picture 9">
-            <a:extLst>
-              <a:ext uri="{FF2B5EF4-FFF2-40B4-BE49-F238E27FC236}">
-                <a16:creationId xmlns:a16="http://schemas.microsoft.com/office/drawing/2014/main" id="{F98F1F25-7315-4A09-AAA6-DFDB017048B4}"/>
-              </a:ext>
-            </a:extLst>
-          </p:cNvPr>
-          <p:cNvPicPr>
-            <a:picLocks noChangeAspect="1"/>
-          </p:cNvPicPr>
-          <p:nvPr/>
-        </p:nvPicPr>
-        <p:blipFill rotWithShape="1">
-          <a:blip r:embed="rId3" cstate="screen">
-            <a:extLst>
-              <a:ext uri="{28A0092B-C50C-407E-A947-70E740481C1C}">
-                <a14:useLocalDpi xmlns:a14="http://schemas.microsoft.com/office/drawing/2010/main"/>
-              </a:ext>
-            </a:extLst>
-          </a:blip>
-          <a:srcRect/>
-          <a:stretch/>
-        </p:blipFill>
-        <p:spPr>
-          <a:xfrm>
-            <a:off x="0" y="331015"/>
-            <a:ext cx="1737360" cy="413296"/>
-          </a:xfrm>
-          <a:prstGeom prst="rect">
-            <a:avLst/>
-          </a:prstGeom>
-        </p:spPr>
-      </p:pic>
-    </p:spTree>
-    <p:extLst>
-      <p:ext uri="{BB962C8B-B14F-4D97-AF65-F5344CB8AC3E}">
-        <p14:creationId xmlns:p14="http://schemas.microsoft.com/office/powerpoint/2010/main" val="1121272991"/>
-      </p:ext>
-    </p:extLst>
-  </p:cSld>
-  <p:clrMapOvr>
-    <a:masterClrMapping/>
-  </p:clrMapOvr>
-</p:sld>
-</file>
-
-<file path=ppt/slides/slide14.xml><?xml version="1.0" encoding="utf-8"?>
-<p:sld xmlns:a="http://schemas.openxmlformats.org/drawingml/2006/main" xmlns:r="http://schemas.openxmlformats.org/officeDocument/2006/relationships" xmlns:p="http://schemas.openxmlformats.org/presentationml/2006/main">
-  <p:cSld>
-    <p:spTree>
-      <p:nvGrpSpPr>
-        <p:cNvPr id="1" name=""/>
-        <p:cNvGrpSpPr/>
-        <p:nvPr/>
-      </p:nvGrpSpPr>
-      <p:grpSpPr>
-        <a:xfrm>
-          <a:off x="0" y="0"/>
-          <a:ext cx="0" cy="0"/>
-          <a:chOff x="0" y="0"/>
-          <a:chExt cx="0" cy="0"/>
-        </a:xfrm>
-      </p:grpSpPr>
-      <p:sp>
-        <p:nvSpPr>
-          <p:cNvPr id="6" name="Title 1">
-            <a:extLst>
-              <a:ext uri="{FF2B5EF4-FFF2-40B4-BE49-F238E27FC236}">
-                <a16:creationId xmlns:a16="http://schemas.microsoft.com/office/drawing/2014/main" id="{1DCBAEC9-CFD2-4D5B-8C00-467043C5CAF6}"/>
-              </a:ext>
-            </a:extLst>
-          </p:cNvPr>
-          <p:cNvSpPr>
-            <a:spLocks noGrp="1"/>
-          </p:cNvSpPr>
-          <p:nvPr>
-            <p:ph type="title"/>
-          </p:nvPr>
-        </p:nvSpPr>
-        <p:spPr>
-          <a:xfrm>
-            <a:off x="652926" y="149178"/>
-            <a:ext cx="7543800" cy="514350"/>
-          </a:xfrm>
-        </p:spPr>
-        <p:txBody>
-          <a:bodyPr>
-            <a:normAutofit fontScale="90000"/>
-          </a:bodyPr>
-          <a:lstStyle/>
-          <a:p>
-            <a:r>
-              <a:rPr lang="en-US" dirty="0"/>
-              <a:t>Future Work</a:t>
-            </a:r>
-            <a:endParaRPr lang="en-US" baseline="30000" dirty="0"/>
-          </a:p>
-        </p:txBody>
-      </p:sp>
-      <p:sp>
-        <p:nvSpPr>
-          <p:cNvPr id="7" name="Rectangle 6">
-            <a:extLst>
-              <a:ext uri="{FF2B5EF4-FFF2-40B4-BE49-F238E27FC236}">
-                <a16:creationId xmlns:a16="http://schemas.microsoft.com/office/drawing/2014/main" id="{133D6C06-E59C-43A0-B3C4-397749D1CD46}"/>
-              </a:ext>
-            </a:extLst>
-          </p:cNvPr>
-          <p:cNvSpPr/>
-          <p:nvPr/>
-        </p:nvSpPr>
-        <p:spPr>
-          <a:xfrm>
-            <a:off x="0" y="1114425"/>
-            <a:ext cx="9144000" cy="195943"/>
-          </a:xfrm>
-          <a:prstGeom prst="rect">
-            <a:avLst/>
-          </a:prstGeom>
-          <a:solidFill>
-            <a:schemeClr val="bg1"/>
-          </a:solidFill>
-          <a:ln>
-            <a:noFill/>
-          </a:ln>
-        </p:spPr>
-        <p:style>
-          <a:lnRef idx="2">
-            <a:schemeClr val="accent1">
-              <a:shade val="50000"/>
-            </a:schemeClr>
-          </a:lnRef>
-          <a:fillRef idx="1">
-            <a:schemeClr val="accent1"/>
-          </a:fillRef>
-          <a:effectRef idx="0">
-            <a:schemeClr val="accent1"/>
-          </a:effectRef>
-          <a:fontRef idx="minor">
-            <a:schemeClr val="lt1"/>
-          </a:fontRef>
-        </p:style>
-        <p:txBody>
-          <a:bodyPr rtlCol="0" anchor="ctr"/>
-          <a:lstStyle/>
-          <a:p>
-            <a:pPr algn="ctr"/>
-            <a:endParaRPr lang="en-US" sz="1350"/>
-          </a:p>
-        </p:txBody>
-      </p:sp>
       <p:pic>
         <p:nvPicPr>
           <p:cNvPr id="5" name="Content Placeholder 4" descr="Graphical user interface, text, application, chat or text message&#10;&#10;Description automatically generated">
@@ -5972,7 +5641,7 @@
         </p:blipFill>
         <p:spPr>
           <a:xfrm>
-            <a:off x="4300717" y="1568867"/>
+            <a:off x="4346821" y="964884"/>
             <a:ext cx="4723484" cy="2005766"/>
           </a:xfrm>
         </p:spPr>
@@ -5993,8 +5662,8 @@
         </p:nvSpPr>
         <p:spPr>
           <a:xfrm>
-            <a:off x="796018" y="964884"/>
-            <a:ext cx="3240197" cy="2986562"/>
+            <a:off x="253573" y="964884"/>
+            <a:ext cx="3949593" cy="3660904"/>
           </a:xfrm>
           <a:prstGeom prst="rect">
             <a:avLst/>
@@ -6259,8 +5928,15 @@
               <a:buChar char="•"/>
             </a:pPr>
             <a:r>
-              <a:rPr lang="en-US" sz="1500" dirty="0"/>
-              <a:t>  Apply formal specification and RV in the design of other CubeSat subsystems, such as an electrical power system (EPS) and an attitude determination and control system (ADCS).</a:t>
+              <a:rPr lang="en-US" sz="1600" dirty="0"/>
+              <a:t>  </a:t>
+            </a:r>
+            <a:r>
+              <a:rPr lang="en-US" sz="1600" dirty="0">
+                <a:latin typeface="Helvetica" panose="020B0604020202020204" pitchFamily="34" charset="0"/>
+                <a:cs typeface="Helvetica" panose="020B0604020202020204" pitchFamily="34" charset="0"/>
+              </a:rPr>
+              <a:t>Apply formal specification and RV in the design of other CubeSat subsystems, such as an electrical power system (EPS) and an attitude determination and control system (ADCS).</a:t>
             </a:r>
           </a:p>
           <a:p>
@@ -6272,8 +5948,11 @@
               <a:buChar char="•"/>
             </a:pPr>
             <a:r>
-              <a:rPr lang="en-US" sz="1500" dirty="0"/>
-              <a:t>  Useful in evaluating CubeSat telemetry from the ground station, and autonomously verifying whether the CubeSat’s performance at that time is nominal.</a:t>
+              <a:rPr lang="en-US" sz="1600" dirty="0">
+                <a:latin typeface="Helvetica" panose="020B0604020202020204" pitchFamily="34" charset="0"/>
+                <a:cs typeface="Helvetica" panose="020B0604020202020204" pitchFamily="34" charset="0"/>
+              </a:rPr>
+              <a:t>  Useful in evaluating CubeSat telemetry from ground station and autonomously verifying whether the CubeSat’s performance at that time is nominal.</a:t>
             </a:r>
           </a:p>
           <a:p>
@@ -6285,8 +5964,11 @@
               <a:buChar char="•"/>
             </a:pPr>
             <a:r>
-              <a:rPr lang="en-US" sz="1500" dirty="0"/>
-              <a:t>  Applying the methods to a real CubeSat system is the ultimate demonstration.</a:t>
+              <a:rPr lang="en-US" sz="1600" dirty="0">
+                <a:latin typeface="Helvetica" panose="020B0604020202020204" pitchFamily="34" charset="0"/>
+                <a:cs typeface="Helvetica" panose="020B0604020202020204" pitchFamily="34" charset="0"/>
+              </a:rPr>
+              <a:t>  Applying our methods to a real CubeSat system is the ultimate demonstration.</a:t>
             </a:r>
           </a:p>
         </p:txBody>
@@ -6365,6 +6047,224 @@
     <p:extLst>
       <p:ext uri="{BB962C8B-B14F-4D97-AF65-F5344CB8AC3E}">
         <p14:creationId xmlns:p14="http://schemas.microsoft.com/office/powerpoint/2010/main" val="864525112"/>
+      </p:ext>
+    </p:extLst>
+  </p:cSld>
+  <p:clrMapOvr>
+    <a:masterClrMapping/>
+  </p:clrMapOvr>
+</p:sld>
+</file>
+
+<file path=ppt/slides/slide14.xml><?xml version="1.0" encoding="utf-8"?>
+<p:sld xmlns:a="http://schemas.openxmlformats.org/drawingml/2006/main" xmlns:r="http://schemas.openxmlformats.org/officeDocument/2006/relationships" xmlns:p="http://schemas.openxmlformats.org/presentationml/2006/main">
+  <p:cSld>
+    <p:spTree>
+      <p:nvGrpSpPr>
+        <p:cNvPr id="1" name=""/>
+        <p:cNvGrpSpPr/>
+        <p:nvPr/>
+      </p:nvGrpSpPr>
+      <p:grpSpPr>
+        <a:xfrm>
+          <a:off x="0" y="0"/>
+          <a:ext cx="0" cy="0"/>
+          <a:chOff x="0" y="0"/>
+          <a:chExt cx="0" cy="0"/>
+        </a:xfrm>
+      </p:grpSpPr>
+      <p:sp>
+        <p:nvSpPr>
+          <p:cNvPr id="4" name="Title 1">
+            <a:extLst>
+              <a:ext uri="{FF2B5EF4-FFF2-40B4-BE49-F238E27FC236}">
+                <a16:creationId xmlns:a16="http://schemas.microsoft.com/office/drawing/2014/main" id="{9FE254C8-80AD-40D0-A7C8-D9404F5D64B6}"/>
+              </a:ext>
+            </a:extLst>
+          </p:cNvPr>
+          <p:cNvSpPr txBox="1">
+            <a:spLocks/>
+          </p:cNvSpPr>
+          <p:nvPr/>
+        </p:nvSpPr>
+        <p:spPr>
+          <a:xfrm>
+            <a:off x="3764280" y="157843"/>
+            <a:ext cx="1615440" cy="514350"/>
+          </a:xfrm>
+          <a:prstGeom prst="rect">
+            <a:avLst/>
+          </a:prstGeom>
+        </p:spPr>
+        <p:txBody>
+          <a:bodyPr vert="horz" lIns="68580" tIns="34290" rIns="68580" bIns="34290" rtlCol="0" anchor="b">
+            <a:normAutofit fontScale="97500" lnSpcReduction="10000"/>
+          </a:bodyPr>
+          <a:lstStyle>
+            <a:lvl1pPr algn="l" defTabSz="914400" rtl="0" eaLnBrk="1" latinLnBrk="0" hangingPunct="1">
+              <a:lnSpc>
+                <a:spcPct val="85000"/>
+              </a:lnSpc>
+              <a:spcBef>
+                <a:spcPct val="0"/>
+              </a:spcBef>
+              <a:buNone/>
+              <a:defRPr sz="4800" kern="1200" spc="-50" baseline="0">
+                <a:solidFill>
+                  <a:schemeClr val="tx1">
+                    <a:lumMod val="75000"/>
+                    <a:lumOff val="25000"/>
+                  </a:schemeClr>
+                </a:solidFill>
+                <a:latin typeface="+mj-lt"/>
+                <a:ea typeface="+mj-ea"/>
+                <a:cs typeface="+mj-cs"/>
+              </a:defRPr>
+            </a:lvl1pPr>
+          </a:lstStyle>
+          <a:p>
+            <a:r>
+              <a:rPr lang="en-US" sz="3600" dirty="0">
+                <a:solidFill>
+                  <a:schemeClr val="bg1"/>
+                </a:solidFill>
+              </a:rPr>
+              <a:t>Backup</a:t>
+            </a:r>
+            <a:endParaRPr lang="en-US" sz="3600" baseline="30000" dirty="0">
+              <a:solidFill>
+                <a:schemeClr val="bg1"/>
+              </a:solidFill>
+            </a:endParaRPr>
+          </a:p>
+        </p:txBody>
+      </p:sp>
+      <p:sp>
+        <p:nvSpPr>
+          <p:cNvPr id="5" name="Rectangle 4">
+            <a:extLst>
+              <a:ext uri="{FF2B5EF4-FFF2-40B4-BE49-F238E27FC236}">
+                <a16:creationId xmlns:a16="http://schemas.microsoft.com/office/drawing/2014/main" id="{FC920A6E-26EE-4F03-AE72-2140E0961D96}"/>
+              </a:ext>
+            </a:extLst>
+          </p:cNvPr>
+          <p:cNvSpPr/>
+          <p:nvPr/>
+        </p:nvSpPr>
+        <p:spPr>
+          <a:xfrm>
+            <a:off x="0" y="1114425"/>
+            <a:ext cx="9144000" cy="195943"/>
+          </a:xfrm>
+          <a:prstGeom prst="rect">
+            <a:avLst/>
+          </a:prstGeom>
+          <a:solidFill>
+            <a:schemeClr val="bg1"/>
+          </a:solidFill>
+          <a:ln>
+            <a:noFill/>
+          </a:ln>
+        </p:spPr>
+        <p:style>
+          <a:lnRef idx="2">
+            <a:schemeClr val="accent1">
+              <a:shade val="50000"/>
+            </a:schemeClr>
+          </a:lnRef>
+          <a:fillRef idx="1">
+            <a:schemeClr val="accent1"/>
+          </a:fillRef>
+          <a:effectRef idx="0">
+            <a:schemeClr val="accent1"/>
+          </a:effectRef>
+          <a:fontRef idx="minor">
+            <a:schemeClr val="lt1"/>
+          </a:fontRef>
+        </p:style>
+        <p:txBody>
+          <a:bodyPr rtlCol="0" anchor="ctr"/>
+          <a:lstStyle/>
+          <a:p>
+            <a:pPr algn="ctr"/>
+            <a:endParaRPr lang="en-US" sz="1350"/>
+          </a:p>
+        </p:txBody>
+      </p:sp>
+      <p:pic>
+        <p:nvPicPr>
+          <p:cNvPr id="8" name="Picture 7">
+            <a:extLst>
+              <a:ext uri="{FF2B5EF4-FFF2-40B4-BE49-F238E27FC236}">
+                <a16:creationId xmlns:a16="http://schemas.microsoft.com/office/drawing/2014/main" id="{C10BA2D0-B4DB-4362-9DD0-2179D6F6FDAC}"/>
+              </a:ext>
+            </a:extLst>
+          </p:cNvPr>
+          <p:cNvPicPr>
+            <a:picLocks noChangeAspect="1"/>
+          </p:cNvPicPr>
+          <p:nvPr/>
+        </p:nvPicPr>
+        <p:blipFill rotWithShape="1">
+          <a:blip r:embed="rId2" cstate="screen">
+            <a:extLst>
+              <a:ext uri="{28A0092B-C50C-407E-A947-70E740481C1C}">
+                <a14:useLocalDpi xmlns:a14="http://schemas.microsoft.com/office/drawing/2010/main"/>
+              </a:ext>
+            </a:extLst>
+          </a:blip>
+          <a:srcRect/>
+          <a:stretch/>
+        </p:blipFill>
+        <p:spPr>
+          <a:xfrm>
+            <a:off x="0" y="0"/>
+            <a:ext cx="1738725" cy="320040"/>
+          </a:xfrm>
+          <a:prstGeom prst="rect">
+            <a:avLst/>
+          </a:prstGeom>
+        </p:spPr>
+      </p:pic>
+      <p:pic>
+        <p:nvPicPr>
+          <p:cNvPr id="9" name="Picture 8">
+            <a:extLst>
+              <a:ext uri="{FF2B5EF4-FFF2-40B4-BE49-F238E27FC236}">
+                <a16:creationId xmlns:a16="http://schemas.microsoft.com/office/drawing/2014/main" id="{87E315ED-FE1A-49C0-99C1-3BA6E05D081B}"/>
+              </a:ext>
+            </a:extLst>
+          </p:cNvPr>
+          <p:cNvPicPr>
+            <a:picLocks noChangeAspect="1"/>
+          </p:cNvPicPr>
+          <p:nvPr/>
+        </p:nvPicPr>
+        <p:blipFill rotWithShape="1">
+          <a:blip r:embed="rId3" cstate="screen">
+            <a:extLst>
+              <a:ext uri="{28A0092B-C50C-407E-A947-70E740481C1C}">
+                <a14:useLocalDpi xmlns:a14="http://schemas.microsoft.com/office/drawing/2010/main"/>
+              </a:ext>
+            </a:extLst>
+          </a:blip>
+          <a:srcRect/>
+          <a:stretch/>
+        </p:blipFill>
+        <p:spPr>
+          <a:xfrm>
+            <a:off x="0" y="331015"/>
+            <a:ext cx="1737360" cy="413296"/>
+          </a:xfrm>
+          <a:prstGeom prst="rect">
+            <a:avLst/>
+          </a:prstGeom>
+        </p:spPr>
+      </p:pic>
+    </p:spTree>
+    <p:extLst>
+      <p:ext uri="{BB962C8B-B14F-4D97-AF65-F5344CB8AC3E}">
+        <p14:creationId xmlns:p14="http://schemas.microsoft.com/office/powerpoint/2010/main" val="3112275869"/>
       </p:ext>
     </p:extLst>
   </p:cSld>
@@ -6396,73 +6296,43 @@
           <p:cNvPr id="4" name="Title 1">
             <a:extLst>
               <a:ext uri="{FF2B5EF4-FFF2-40B4-BE49-F238E27FC236}">
-                <a16:creationId xmlns:a16="http://schemas.microsoft.com/office/drawing/2014/main" id="{9FE254C8-80AD-40D0-A7C8-D9404F5D64B6}"/>
+                <a16:creationId xmlns:a16="http://schemas.microsoft.com/office/drawing/2014/main" id="{58269D96-ABB7-4617-8BF9-C659B19FF545}"/>
               </a:ext>
             </a:extLst>
           </p:cNvPr>
-          <p:cNvSpPr txBox="1">
-            <a:spLocks/>
+          <p:cNvSpPr>
+            <a:spLocks noGrp="1"/>
           </p:cNvSpPr>
-          <p:nvPr/>
+          <p:nvPr>
+            <p:ph type="title"/>
+          </p:nvPr>
         </p:nvSpPr>
         <p:spPr>
           <a:xfrm>
-            <a:off x="3764280" y="157843"/>
-            <a:ext cx="1615440" cy="514350"/>
-          </a:xfrm>
-          <a:prstGeom prst="rect">
-            <a:avLst/>
-          </a:prstGeom>
+            <a:off x="652926" y="149178"/>
+            <a:ext cx="7543800" cy="514350"/>
+          </a:xfrm>
         </p:spPr>
         <p:txBody>
-          <a:bodyPr vert="horz" lIns="68580" tIns="34290" rIns="68580" bIns="34290" rtlCol="0" anchor="b">
-            <a:normAutofit fontScale="97500" lnSpcReduction="10000"/>
+          <a:bodyPr>
+            <a:normAutofit fontScale="90000"/>
           </a:bodyPr>
-          <a:lstStyle>
-            <a:lvl1pPr algn="l" defTabSz="914400" rtl="0" eaLnBrk="1" latinLnBrk="0" hangingPunct="1">
-              <a:lnSpc>
-                <a:spcPct val="85000"/>
-              </a:lnSpc>
-              <a:spcBef>
-                <a:spcPct val="0"/>
-              </a:spcBef>
-              <a:buNone/>
-              <a:defRPr sz="4800" kern="1200" spc="-50" baseline="0">
-                <a:solidFill>
-                  <a:schemeClr val="tx1">
-                    <a:lumMod val="75000"/>
-                    <a:lumOff val="25000"/>
-                  </a:schemeClr>
-                </a:solidFill>
-                <a:latin typeface="+mj-lt"/>
-                <a:ea typeface="+mj-ea"/>
-                <a:cs typeface="+mj-cs"/>
-              </a:defRPr>
-            </a:lvl1pPr>
-          </a:lstStyle>
-          <a:p>
-            <a:r>
-              <a:rPr lang="en-US" sz="3600" dirty="0">
-                <a:solidFill>
-                  <a:schemeClr val="bg1"/>
-                </a:solidFill>
-              </a:rPr>
-              <a:t>Backup</a:t>
-            </a:r>
-            <a:endParaRPr lang="en-US" sz="3600" baseline="30000" dirty="0">
-              <a:solidFill>
-                <a:schemeClr val="bg1"/>
-              </a:solidFill>
-            </a:endParaRPr>
+          <a:lstStyle/>
+          <a:p>
+            <a:r>
+              <a:rPr lang="en-US" dirty="0"/>
+              <a:t>Conclusion</a:t>
+            </a:r>
+            <a:endParaRPr lang="en-US" baseline="30000" dirty="0"/>
           </a:p>
         </p:txBody>
       </p:sp>
       <p:sp>
         <p:nvSpPr>
-          <p:cNvPr id="5" name="Rectangle 4">
+          <p:cNvPr id="7" name="Rectangle 6">
             <a:extLst>
               <a:ext uri="{FF2B5EF4-FFF2-40B4-BE49-F238E27FC236}">
-                <a16:creationId xmlns:a16="http://schemas.microsoft.com/office/drawing/2014/main" id="{FC920A6E-26EE-4F03-AE72-2140E0961D96}"/>
+                <a16:creationId xmlns:a16="http://schemas.microsoft.com/office/drawing/2014/main" id="{04BB611D-56A5-4F7B-97F5-41B37A5991C0}"/>
               </a:ext>
             </a:extLst>
           </p:cNvPr>
@@ -6509,12 +6379,67 @@
           </a:p>
         </p:txBody>
       </p:sp>
+      <p:sp>
+        <p:nvSpPr>
+          <p:cNvPr id="9" name="Content Placeholder 2">
+            <a:extLst>
+              <a:ext uri="{FF2B5EF4-FFF2-40B4-BE49-F238E27FC236}">
+                <a16:creationId xmlns:a16="http://schemas.microsoft.com/office/drawing/2014/main" id="{E382E204-42A3-428F-900B-17805E094866}"/>
+              </a:ext>
+            </a:extLst>
+          </p:cNvPr>
+          <p:cNvSpPr>
+            <a:spLocks noGrp="1"/>
+          </p:cNvSpPr>
+          <p:nvPr>
+            <p:ph idx="1"/>
+          </p:nvPr>
+        </p:nvSpPr>
+        <p:spPr>
+          <a:xfrm>
+            <a:off x="1678185" y="1195208"/>
+            <a:ext cx="5787629" cy="2600021"/>
+          </a:xfrm>
+        </p:spPr>
+        <p:txBody>
+          <a:bodyPr>
+            <a:normAutofit/>
+          </a:bodyPr>
+          <a:lstStyle/>
+          <a:p>
+            <a:pPr fontAlgn="base">
+              <a:lnSpc>
+                <a:spcPct val="100000"/>
+              </a:lnSpc>
+              <a:buFont typeface="Arial" panose="020B0604020202020204" pitchFamily="34" charset="0"/>
+              <a:buChar char="•"/>
+            </a:pPr>
+            <a:r>
+              <a:rPr lang="en-US" sz="2100" dirty="0"/>
+              <a:t>  Explored benefits of formal specification and runtime verification on a simulated CubeSat communications system.</a:t>
+            </a:r>
+          </a:p>
+          <a:p>
+            <a:pPr fontAlgn="base">
+              <a:lnSpc>
+                <a:spcPct val="100000"/>
+              </a:lnSpc>
+              <a:buFont typeface="Arial" panose="020B0604020202020204" pitchFamily="34" charset="0"/>
+              <a:buChar char="•"/>
+            </a:pPr>
+            <a:r>
+              <a:rPr lang="en-US" sz="2100" dirty="0"/>
+              <a:t>  Demonstrated how R2U2 can be used to detect serious faults in a communications system.</a:t>
+            </a:r>
+          </a:p>
+        </p:txBody>
+      </p:sp>
       <p:pic>
         <p:nvPicPr>
           <p:cNvPr id="8" name="Picture 7">
             <a:extLst>
               <a:ext uri="{FF2B5EF4-FFF2-40B4-BE49-F238E27FC236}">
-                <a16:creationId xmlns:a16="http://schemas.microsoft.com/office/drawing/2014/main" id="{C10BA2D0-B4DB-4362-9DD0-2179D6F6FDAC}"/>
+                <a16:creationId xmlns:a16="http://schemas.microsoft.com/office/drawing/2014/main" id="{5ED50944-32DB-4030-99A0-674B9A5582AF}"/>
               </a:ext>
             </a:extLst>
           </p:cNvPr>
@@ -6546,10 +6471,10 @@
       </p:pic>
       <p:pic>
         <p:nvPicPr>
-          <p:cNvPr id="9" name="Picture 8">
+          <p:cNvPr id="12" name="Picture 11">
             <a:extLst>
               <a:ext uri="{FF2B5EF4-FFF2-40B4-BE49-F238E27FC236}">
-                <a16:creationId xmlns:a16="http://schemas.microsoft.com/office/drawing/2014/main" id="{87E315ED-FE1A-49C0-99C1-3BA6E05D081B}"/>
+                <a16:creationId xmlns:a16="http://schemas.microsoft.com/office/drawing/2014/main" id="{B5EF706F-B10E-4C31-9194-14E131400952}"/>
               </a:ext>
             </a:extLst>
           </p:cNvPr>
@@ -6582,7 +6507,7 @@
     </p:spTree>
     <p:extLst>
       <p:ext uri="{BB962C8B-B14F-4D97-AF65-F5344CB8AC3E}">
-        <p14:creationId xmlns:p14="http://schemas.microsoft.com/office/powerpoint/2010/main" val="3112275869"/>
+        <p14:creationId xmlns:p14="http://schemas.microsoft.com/office/powerpoint/2010/main" val="1493151213"/>
       </p:ext>
     </p:extLst>
   </p:cSld>
@@ -6611,46 +6536,10 @@
       </p:grpSpPr>
       <p:sp>
         <p:nvSpPr>
-          <p:cNvPr id="4" name="Title 1">
+          <p:cNvPr id="4" name="Rectangle 3">
             <a:extLst>
               <a:ext uri="{FF2B5EF4-FFF2-40B4-BE49-F238E27FC236}">
-                <a16:creationId xmlns:a16="http://schemas.microsoft.com/office/drawing/2014/main" id="{58269D96-ABB7-4617-8BF9-C659B19FF545}"/>
-              </a:ext>
-            </a:extLst>
-          </p:cNvPr>
-          <p:cNvSpPr>
-            <a:spLocks noGrp="1"/>
-          </p:cNvSpPr>
-          <p:nvPr>
-            <p:ph type="title"/>
-          </p:nvPr>
-        </p:nvSpPr>
-        <p:spPr>
-          <a:xfrm>
-            <a:off x="652926" y="149178"/>
-            <a:ext cx="7543800" cy="514350"/>
-          </a:xfrm>
-        </p:spPr>
-        <p:txBody>
-          <a:bodyPr>
-            <a:normAutofit fontScale="90000"/>
-          </a:bodyPr>
-          <a:lstStyle/>
-          <a:p>
-            <a:r>
-              <a:rPr lang="en-US" dirty="0"/>
-              <a:t>Conclusion</a:t>
-            </a:r>
-            <a:endParaRPr lang="en-US" baseline="30000" dirty="0"/>
-          </a:p>
-        </p:txBody>
-      </p:sp>
-      <p:sp>
-        <p:nvSpPr>
-          <p:cNvPr id="7" name="Rectangle 6">
-            <a:extLst>
-              <a:ext uri="{FF2B5EF4-FFF2-40B4-BE49-F238E27FC236}">
-                <a16:creationId xmlns:a16="http://schemas.microsoft.com/office/drawing/2014/main" id="{04BB611D-56A5-4F7B-97F5-41B37A5991C0}"/>
+                <a16:creationId xmlns:a16="http://schemas.microsoft.com/office/drawing/2014/main" id="{4E0B42D7-C09D-4436-BB51-CE6BF13BDCD1}"/>
               </a:ext>
             </a:extLst>
           </p:cNvPr>
@@ -6659,8 +6548,8 @@
         </p:nvSpPr>
         <p:spPr>
           <a:xfrm>
-            <a:off x="0" y="1114425"/>
-            <a:ext cx="9144000" cy="195943"/>
+            <a:off x="647224" y="1028700"/>
+            <a:ext cx="7975283" cy="464344"/>
           </a:xfrm>
           <a:prstGeom prst="rect">
             <a:avLst/>
@@ -6699,10 +6588,45 @@
       </p:sp>
       <p:sp>
         <p:nvSpPr>
-          <p:cNvPr id="9" name="Content Placeholder 2">
+          <p:cNvPr id="2" name="Title 1">
             <a:extLst>
               <a:ext uri="{FF2B5EF4-FFF2-40B4-BE49-F238E27FC236}">
-                <a16:creationId xmlns:a16="http://schemas.microsoft.com/office/drawing/2014/main" id="{E382E204-42A3-428F-900B-17805E094866}"/>
+                <a16:creationId xmlns:a16="http://schemas.microsoft.com/office/drawing/2014/main" id="{C561A7BA-23D9-4F1E-A4A8-57962C20BA01}"/>
+              </a:ext>
+            </a:extLst>
+          </p:cNvPr>
+          <p:cNvSpPr>
+            <a:spLocks noGrp="1"/>
+          </p:cNvSpPr>
+          <p:nvPr>
+            <p:ph type="title"/>
+          </p:nvPr>
+        </p:nvSpPr>
+        <p:spPr>
+          <a:xfrm>
+            <a:off x="2630103" y="122403"/>
+            <a:ext cx="3883794" cy="535142"/>
+          </a:xfrm>
+        </p:spPr>
+        <p:txBody>
+          <a:bodyPr>
+            <a:normAutofit fontScale="90000"/>
+          </a:bodyPr>
+          <a:lstStyle/>
+          <a:p>
+            <a:r>
+              <a:rPr lang="en-US" dirty="0"/>
+              <a:t>Realizable, Responsive, Unobtrusive Unit (R2U2)</a:t>
+            </a:r>
+          </a:p>
+        </p:txBody>
+      </p:sp>
+      <p:sp>
+        <p:nvSpPr>
+          <p:cNvPr id="3" name="Content Placeholder 2">
+            <a:extLst>
+              <a:ext uri="{FF2B5EF4-FFF2-40B4-BE49-F238E27FC236}">
+                <a16:creationId xmlns:a16="http://schemas.microsoft.com/office/drawing/2014/main" id="{6E03FFBB-11B0-49C5-B432-B70CE967126B}"/>
               </a:ext>
             </a:extLst>
           </p:cNvPr>
@@ -6715,49 +6639,264 @@
         </p:nvSpPr>
         <p:spPr>
           <a:xfrm>
-            <a:off x="1678185" y="1195208"/>
-            <a:ext cx="5787629" cy="2600021"/>
+            <a:off x="748717" y="821531"/>
+            <a:ext cx="8280983" cy="3929063"/>
           </a:xfrm>
         </p:spPr>
         <p:txBody>
           <a:bodyPr>
-            <a:normAutofit/>
+            <a:normAutofit lnSpcReduction="10000"/>
           </a:bodyPr>
           <a:lstStyle/>
           <a:p>
-            <a:pPr fontAlgn="base">
-              <a:lnSpc>
-                <a:spcPct val="100000"/>
-              </a:lnSpc>
+            <a:pPr marL="0" indent="0">
+              <a:spcBef>
+                <a:spcPts val="0"/>
+              </a:spcBef>
+              <a:spcAft>
+                <a:spcPts val="0"/>
+              </a:spcAft>
+              <a:buNone/>
+            </a:pPr>
+            <a:r>
+              <a:rPr lang="en-US" sz="2100" dirty="0"/>
+              <a:t>  </a:t>
+            </a:r>
+            <a:r>
+              <a:rPr lang="en-US" sz="2100" b="1" cap="all" dirty="0"/>
+              <a:t>Realizability</a:t>
+            </a:r>
+          </a:p>
+          <a:p>
+            <a:pPr>
+              <a:spcBef>
+                <a:spcPts val="0"/>
+              </a:spcBef>
+              <a:spcAft>
+                <a:spcPts val="0"/>
+              </a:spcAft>
               <a:buFont typeface="Arial" panose="020B0604020202020204" pitchFamily="34" charset="0"/>
               <a:buChar char="•"/>
             </a:pPr>
             <a:r>
-              <a:rPr lang="en-US" sz="2100" dirty="0"/>
-              <a:t>  Explored benefits of formal specification and runtime verification on a simulated CubeSat communications system.</a:t>
-            </a:r>
-          </a:p>
-          <a:p>
-            <a:pPr fontAlgn="base">
-              <a:lnSpc>
-                <a:spcPct val="100000"/>
-              </a:lnSpc>
+              <a:rPr lang="en-US" sz="1800" dirty="0"/>
+              <a:t>  easy, expressive specification language</a:t>
+            </a:r>
+          </a:p>
+          <a:p>
+            <a:pPr>
+              <a:spcBef>
+                <a:spcPts val="0"/>
+              </a:spcBef>
+              <a:spcAft>
+                <a:spcPts val="0"/>
+              </a:spcAft>
               <a:buFont typeface="Arial" panose="020B0604020202020204" pitchFamily="34" charset="0"/>
               <a:buChar char="•"/>
             </a:pPr>
             <a:r>
+              <a:rPr lang="en-US" sz="1800" dirty="0"/>
+              <a:t>  generic interface to connect to a wide variety of systems</a:t>
+            </a:r>
+          </a:p>
+          <a:p>
+            <a:pPr>
+              <a:spcBef>
+                <a:spcPts val="0"/>
+              </a:spcBef>
+              <a:spcAft>
+                <a:spcPts val="0"/>
+              </a:spcAft>
+              <a:buFont typeface="Arial" panose="020B0604020202020204" pitchFamily="34" charset="0"/>
+              <a:buChar char="•"/>
+            </a:pPr>
+            <a:r>
+              <a:rPr lang="en-US" sz="1800" dirty="0"/>
+              <a:t>  adaptable to missions, mission stages, platforms</a:t>
+            </a:r>
+          </a:p>
+          <a:p>
+            <a:pPr marL="0" indent="0">
+              <a:spcBef>
+                <a:spcPts val="0"/>
+              </a:spcBef>
+              <a:spcAft>
+                <a:spcPts val="0"/>
+              </a:spcAft>
+              <a:buNone/>
+            </a:pPr>
+            <a:r>
               <a:rPr lang="en-US" sz="2100" dirty="0"/>
-              <a:t>  Demonstrated how R2U2 can be used to detect serious faults in a communications system.</a:t>
+              <a:t>  </a:t>
+            </a:r>
+            <a:r>
+              <a:rPr lang="en-US" sz="2100" b="1" cap="all" dirty="0"/>
+              <a:t>Responsiveness</a:t>
+            </a:r>
+          </a:p>
+          <a:p>
+            <a:pPr>
+              <a:spcBef>
+                <a:spcPts val="0"/>
+              </a:spcBef>
+              <a:spcAft>
+                <a:spcPts val="0"/>
+              </a:spcAft>
+              <a:buFont typeface="Arial" panose="020B0604020202020204" pitchFamily="34" charset="0"/>
+              <a:buChar char="•"/>
+            </a:pPr>
+            <a:r>
+              <a:rPr lang="en-US" sz="2100" dirty="0"/>
+              <a:t>  </a:t>
+            </a:r>
+            <a:r>
+              <a:rPr lang="en-US" sz="1800" dirty="0"/>
+              <a:t>continuously monitor the system</a:t>
+            </a:r>
+          </a:p>
+          <a:p>
+            <a:pPr>
+              <a:spcBef>
+                <a:spcPts val="0"/>
+              </a:spcBef>
+              <a:spcAft>
+                <a:spcPts val="0"/>
+              </a:spcAft>
+              <a:buFont typeface="Arial" panose="020B0604020202020204" pitchFamily="34" charset="0"/>
+              <a:buChar char="•"/>
+            </a:pPr>
+            <a:r>
+              <a:rPr lang="en-US" sz="1800" dirty="0"/>
+              <a:t>  detect deviations in real time</a:t>
+            </a:r>
+          </a:p>
+          <a:p>
+            <a:pPr>
+              <a:spcBef>
+                <a:spcPts val="0"/>
+              </a:spcBef>
+              <a:spcAft>
+                <a:spcPts val="0"/>
+              </a:spcAft>
+              <a:buFont typeface="Arial" panose="020B0604020202020204" pitchFamily="34" charset="0"/>
+              <a:buChar char="•"/>
+            </a:pPr>
+            <a:r>
+              <a:rPr lang="en-US" sz="1800" dirty="0"/>
+              <a:t>  enable mitigation or rescue measures</a:t>
+            </a:r>
+          </a:p>
+          <a:p>
+            <a:pPr marL="0" indent="0">
+              <a:spcBef>
+                <a:spcPts val="0"/>
+              </a:spcBef>
+              <a:spcAft>
+                <a:spcPts val="0"/>
+              </a:spcAft>
+              <a:buNone/>
+            </a:pPr>
+            <a:r>
+              <a:rPr lang="en-US" sz="2100" dirty="0"/>
+              <a:t>  </a:t>
+            </a:r>
+            <a:r>
+              <a:rPr lang="en-US" sz="2100" b="1" cap="all" dirty="0"/>
+              <a:t>Unobtrusiveness</a:t>
+            </a:r>
+          </a:p>
+          <a:p>
+            <a:pPr>
+              <a:spcBef>
+                <a:spcPts val="0"/>
+              </a:spcBef>
+              <a:spcAft>
+                <a:spcPts val="0"/>
+              </a:spcAft>
+              <a:buFont typeface="Arial" panose="020B0604020202020204" pitchFamily="34" charset="0"/>
+              <a:buChar char="•"/>
+            </a:pPr>
+            <a:r>
+              <a:rPr lang="en-US" sz="2100" dirty="0"/>
+              <a:t>  </a:t>
+            </a:r>
+            <a:r>
+              <a:rPr lang="en-US" sz="1800" dirty="0"/>
+              <a:t>functionality: not change behavior</a:t>
+            </a:r>
+          </a:p>
+          <a:p>
+            <a:pPr>
+              <a:spcBef>
+                <a:spcPts val="0"/>
+              </a:spcBef>
+              <a:spcAft>
+                <a:spcPts val="0"/>
+              </a:spcAft>
+              <a:buFont typeface="Arial" panose="020B0604020202020204" pitchFamily="34" charset="0"/>
+              <a:buChar char="•"/>
+            </a:pPr>
+            <a:r>
+              <a:rPr lang="en-US" sz="1800" dirty="0"/>
+              <a:t>  certifiability: avoid re-certification of flight software/hardware</a:t>
+            </a:r>
+          </a:p>
+          <a:p>
+            <a:pPr>
+              <a:spcBef>
+                <a:spcPts val="0"/>
+              </a:spcBef>
+              <a:spcAft>
+                <a:spcPts val="0"/>
+              </a:spcAft>
+              <a:buFont typeface="Arial" panose="020B0604020202020204" pitchFamily="34" charset="0"/>
+              <a:buChar char="•"/>
+            </a:pPr>
+            <a:r>
+              <a:rPr lang="en-US" sz="1800" dirty="0"/>
+              <a:t>  timing: not interfere with timing guarantees</a:t>
+            </a:r>
+          </a:p>
+          <a:p>
+            <a:pPr>
+              <a:spcBef>
+                <a:spcPts val="0"/>
+              </a:spcBef>
+              <a:spcAft>
+                <a:spcPts val="0"/>
+              </a:spcAft>
+              <a:buFont typeface="Arial" panose="020B0604020202020204" pitchFamily="34" charset="0"/>
+              <a:buChar char="•"/>
+            </a:pPr>
+            <a:r>
+              <a:rPr lang="en-US" sz="1800" dirty="0"/>
+              <a:t>  tolerances: obey size, weight, power, telemetry bandwidth constraints</a:t>
+            </a:r>
+          </a:p>
+          <a:p>
+            <a:pPr>
+              <a:spcBef>
+                <a:spcPts val="0"/>
+              </a:spcBef>
+              <a:spcAft>
+                <a:spcPts val="0"/>
+              </a:spcAft>
+              <a:buFont typeface="Arial" panose="020B0604020202020204" pitchFamily="34" charset="0"/>
+              <a:buChar char="•"/>
+            </a:pPr>
+            <a:r>
+              <a:rPr lang="en-US" sz="1800" dirty="0"/>
+              <a:t>  cost: use of commercial-off-the-shelf (COTS) components</a:t>
             </a:r>
           </a:p>
         </p:txBody>
       </p:sp>
       <p:pic>
         <p:nvPicPr>
-          <p:cNvPr id="8" name="Picture 7">
+          <p:cNvPr id="9" name="Picture 8">
             <a:extLst>
               <a:ext uri="{FF2B5EF4-FFF2-40B4-BE49-F238E27FC236}">
-                <a16:creationId xmlns:a16="http://schemas.microsoft.com/office/drawing/2014/main" id="{5ED50944-32DB-4030-99A0-674B9A5582AF}"/>
+                <a16:creationId xmlns:a16="http://schemas.microsoft.com/office/drawing/2014/main" id="{AA25DACD-F1BD-4EDA-A140-6DE24ED34A8C}"/>
               </a:ext>
             </a:extLst>
           </p:cNvPr>
@@ -6789,10 +6928,10 @@
       </p:pic>
       <p:pic>
         <p:nvPicPr>
-          <p:cNvPr id="12" name="Picture 11">
+          <p:cNvPr id="10" name="Picture 9">
             <a:extLst>
               <a:ext uri="{FF2B5EF4-FFF2-40B4-BE49-F238E27FC236}">
-                <a16:creationId xmlns:a16="http://schemas.microsoft.com/office/drawing/2014/main" id="{B5EF706F-B10E-4C31-9194-14E131400952}"/>
+                <a16:creationId xmlns:a16="http://schemas.microsoft.com/office/drawing/2014/main" id="{600E1398-D638-412F-9150-19F39CA93E13}"/>
               </a:ext>
             </a:extLst>
           </p:cNvPr>
@@ -6825,7 +6964,7 @@
     </p:spTree>
     <p:extLst>
       <p:ext uri="{BB962C8B-B14F-4D97-AF65-F5344CB8AC3E}">
-        <p14:creationId xmlns:p14="http://schemas.microsoft.com/office/powerpoint/2010/main" val="1493151213"/>
+        <p14:creationId xmlns:p14="http://schemas.microsoft.com/office/powerpoint/2010/main" val="3531536948"/>
       </p:ext>
     </p:extLst>
   </p:cSld>
@@ -6854,10 +6993,45 @@
       </p:grpSpPr>
       <p:sp>
         <p:nvSpPr>
-          <p:cNvPr id="4" name="Rectangle 3">
+          <p:cNvPr id="4" name="Title 1">
             <a:extLst>
               <a:ext uri="{FF2B5EF4-FFF2-40B4-BE49-F238E27FC236}">
-                <a16:creationId xmlns:a16="http://schemas.microsoft.com/office/drawing/2014/main" id="{4E0B42D7-C09D-4436-BB51-CE6BF13BDCD1}"/>
+                <a16:creationId xmlns:a16="http://schemas.microsoft.com/office/drawing/2014/main" id="{F01CE361-3908-4010-8031-51EEC67FB2EE}"/>
+              </a:ext>
+            </a:extLst>
+          </p:cNvPr>
+          <p:cNvSpPr>
+            <a:spLocks noGrp="1"/>
+          </p:cNvSpPr>
+          <p:nvPr>
+            <p:ph type="title"/>
+          </p:nvPr>
+        </p:nvSpPr>
+        <p:spPr>
+          <a:xfrm>
+            <a:off x="651238" y="180581"/>
+            <a:ext cx="7543800" cy="489718"/>
+          </a:xfrm>
+        </p:spPr>
+        <p:txBody>
+          <a:bodyPr>
+            <a:normAutofit fontScale="90000"/>
+          </a:bodyPr>
+          <a:lstStyle/>
+          <a:p>
+            <a:r>
+              <a:rPr lang="en-US" dirty="0"/>
+              <a:t>Future Work (2)</a:t>
+            </a:r>
+          </a:p>
+        </p:txBody>
+      </p:sp>
+      <p:sp>
+        <p:nvSpPr>
+          <p:cNvPr id="7" name="Rectangle 6">
+            <a:extLst>
+              <a:ext uri="{FF2B5EF4-FFF2-40B4-BE49-F238E27FC236}">
+                <a16:creationId xmlns:a16="http://schemas.microsoft.com/office/drawing/2014/main" id="{E148745F-1186-40E6-845C-5C3836243D7C}"/>
               </a:ext>
             </a:extLst>
           </p:cNvPr>
@@ -6866,8 +7040,8 @@
         </p:nvSpPr>
         <p:spPr>
           <a:xfrm>
-            <a:off x="647224" y="1028700"/>
-            <a:ext cx="7975283" cy="464344"/>
+            <a:off x="0" y="1114425"/>
+            <a:ext cx="9144000" cy="195943"/>
           </a:xfrm>
           <a:prstGeom prst="rect">
             <a:avLst/>
@@ -6906,45 +7080,10 @@
       </p:sp>
       <p:sp>
         <p:nvSpPr>
-          <p:cNvPr id="2" name="Title 1">
+          <p:cNvPr id="3" name="Content Placeholder 2">
             <a:extLst>
               <a:ext uri="{FF2B5EF4-FFF2-40B4-BE49-F238E27FC236}">
-                <a16:creationId xmlns:a16="http://schemas.microsoft.com/office/drawing/2014/main" id="{C561A7BA-23D9-4F1E-A4A8-57962C20BA01}"/>
-              </a:ext>
-            </a:extLst>
-          </p:cNvPr>
-          <p:cNvSpPr>
-            <a:spLocks noGrp="1"/>
-          </p:cNvSpPr>
-          <p:nvPr>
-            <p:ph type="title"/>
-          </p:nvPr>
-        </p:nvSpPr>
-        <p:spPr>
-          <a:xfrm>
-            <a:off x="2630103" y="122403"/>
-            <a:ext cx="3883794" cy="535142"/>
-          </a:xfrm>
-        </p:spPr>
-        <p:txBody>
-          <a:bodyPr>
-            <a:normAutofit fontScale="90000"/>
-          </a:bodyPr>
-          <a:lstStyle/>
-          <a:p>
-            <a:r>
-              <a:rPr lang="en-US" dirty="0"/>
-              <a:t>Realizable, Responsive, Unobtrusive Unit (R2U2)</a:t>
-            </a:r>
-          </a:p>
-        </p:txBody>
-      </p:sp>
-      <p:sp>
-        <p:nvSpPr>
-          <p:cNvPr id="3" name="Content Placeholder 2">
-            <a:extLst>
-              <a:ext uri="{FF2B5EF4-FFF2-40B4-BE49-F238E27FC236}">
-                <a16:creationId xmlns:a16="http://schemas.microsoft.com/office/drawing/2014/main" id="{6E03FFBB-11B0-49C5-B432-B70CE967126B}"/>
+                <a16:creationId xmlns:a16="http://schemas.microsoft.com/office/drawing/2014/main" id="{6A45E749-7205-4B92-BB0A-A63BFEAD4444}"/>
               </a:ext>
             </a:extLst>
           </p:cNvPr>
@@ -6957,264 +7096,50 @@
         </p:nvSpPr>
         <p:spPr>
           <a:xfrm>
-            <a:off x="748717" y="821531"/>
-            <a:ext cx="8280983" cy="3929063"/>
+            <a:off x="950543" y="922769"/>
+            <a:ext cx="2623237" cy="3017520"/>
           </a:xfrm>
         </p:spPr>
         <p:txBody>
           <a:bodyPr>
-            <a:normAutofit lnSpcReduction="10000"/>
+            <a:normAutofit fontScale="92500"/>
           </a:bodyPr>
           <a:lstStyle/>
           <a:p>
-            <a:pPr marL="0" indent="0">
-              <a:spcBef>
-                <a:spcPts val="0"/>
-              </a:spcBef>
-              <a:spcAft>
-                <a:spcPts val="0"/>
-              </a:spcAft>
-              <a:buNone/>
-            </a:pPr>
-            <a:r>
-              <a:rPr lang="en-US" sz="2100" dirty="0"/>
-              <a:t>  </a:t>
-            </a:r>
-            <a:r>
-              <a:rPr lang="en-US" sz="2100" b="1" cap="all" dirty="0"/>
-              <a:t>Realizability</a:t>
-            </a:r>
-          </a:p>
-          <a:p>
             <a:pPr>
-              <a:spcBef>
-                <a:spcPts val="0"/>
-              </a:spcBef>
-              <a:spcAft>
-                <a:spcPts val="0"/>
-              </a:spcAft>
               <a:buFont typeface="Arial" panose="020B0604020202020204" pitchFamily="34" charset="0"/>
               <a:buChar char="•"/>
             </a:pPr>
             <a:r>
-              <a:rPr lang="en-US" sz="1800" dirty="0"/>
-              <a:t>  easy, expressive specification language</a:t>
+              <a:rPr lang="en-US" sz="2100" dirty="0"/>
+              <a:t>  Analysis of full telemetry set</a:t>
             </a:r>
           </a:p>
           <a:p>
             <a:pPr>
-              <a:spcBef>
-                <a:spcPts val="0"/>
-              </a:spcBef>
-              <a:spcAft>
-                <a:spcPts val="0"/>
-              </a:spcAft>
               <a:buFont typeface="Arial" panose="020B0604020202020204" pitchFamily="34" charset="0"/>
               <a:buChar char="•"/>
             </a:pPr>
-            <a:r>
-              <a:rPr lang="en-US" sz="1800" dirty="0"/>
-              <a:t>  generic interface to connect to a wide variety of systems</a:t>
-            </a:r>
+            <a:endParaRPr lang="en-US" sz="2100" dirty="0"/>
           </a:p>
           <a:p>
             <a:pPr>
-              <a:spcBef>
-                <a:spcPts val="0"/>
-              </a:spcBef>
-              <a:spcAft>
-                <a:spcPts val="0"/>
-              </a:spcAft>
               <a:buFont typeface="Arial" panose="020B0604020202020204" pitchFamily="34" charset="0"/>
               <a:buChar char="•"/>
             </a:pPr>
             <a:r>
-              <a:rPr lang="en-US" sz="1800" dirty="0"/>
-              <a:t>  adaptable to missions, mission stages, platforms</a:t>
-            </a:r>
-          </a:p>
-          <a:p>
-            <a:pPr marL="0" indent="0">
-              <a:spcBef>
-                <a:spcPts val="0"/>
-              </a:spcBef>
-              <a:spcAft>
-                <a:spcPts val="0"/>
-              </a:spcAft>
-              <a:buNone/>
-            </a:pPr>
-            <a:r>
               <a:rPr lang="en-US" sz="2100" dirty="0"/>
-              <a:t>  </a:t>
-            </a:r>
-            <a:r>
-              <a:rPr lang="en-US" sz="2100" b="1" cap="all" dirty="0"/>
-              <a:t>Responsiveness</a:t>
-            </a:r>
-          </a:p>
-          <a:p>
-            <a:pPr>
-              <a:spcBef>
-                <a:spcPts val="0"/>
-              </a:spcBef>
-              <a:spcAft>
-                <a:spcPts val="0"/>
-              </a:spcAft>
-              <a:buFont typeface="Arial" panose="020B0604020202020204" pitchFamily="34" charset="0"/>
-              <a:buChar char="•"/>
-            </a:pPr>
-            <a:r>
-              <a:rPr lang="en-US" sz="2100" dirty="0"/>
-              <a:t>  </a:t>
-            </a:r>
-            <a:r>
-              <a:rPr lang="en-US" sz="1800" dirty="0"/>
-              <a:t>continuously monitor the system</a:t>
-            </a:r>
-          </a:p>
-          <a:p>
-            <a:pPr>
-              <a:spcBef>
-                <a:spcPts val="0"/>
-              </a:spcBef>
-              <a:spcAft>
-                <a:spcPts val="0"/>
-              </a:spcAft>
-              <a:buFont typeface="Arial" panose="020B0604020202020204" pitchFamily="34" charset="0"/>
-              <a:buChar char="•"/>
-            </a:pPr>
-            <a:r>
-              <a:rPr lang="en-US" sz="1800" dirty="0"/>
-              <a:t>  detect deviations in real time</a:t>
-            </a:r>
-          </a:p>
-          <a:p>
-            <a:pPr>
-              <a:spcBef>
-                <a:spcPts val="0"/>
-              </a:spcBef>
-              <a:spcAft>
-                <a:spcPts val="0"/>
-              </a:spcAft>
-              <a:buFont typeface="Arial" panose="020B0604020202020204" pitchFamily="34" charset="0"/>
-              <a:buChar char="•"/>
-            </a:pPr>
-            <a:r>
-              <a:rPr lang="en-US" sz="1800" dirty="0"/>
-              <a:t>  enable mitigation or rescue measures</a:t>
-            </a:r>
-          </a:p>
-          <a:p>
-            <a:pPr marL="0" indent="0">
-              <a:spcBef>
-                <a:spcPts val="0"/>
-              </a:spcBef>
-              <a:spcAft>
-                <a:spcPts val="0"/>
-              </a:spcAft>
-              <a:buNone/>
-            </a:pPr>
-            <a:r>
-              <a:rPr lang="en-US" sz="2100" dirty="0"/>
-              <a:t>  </a:t>
-            </a:r>
-            <a:r>
-              <a:rPr lang="en-US" sz="2100" b="1" cap="all" dirty="0"/>
-              <a:t>Unobtrusiveness</a:t>
-            </a:r>
-          </a:p>
-          <a:p>
-            <a:pPr>
-              <a:spcBef>
-                <a:spcPts val="0"/>
-              </a:spcBef>
-              <a:spcAft>
-                <a:spcPts val="0"/>
-              </a:spcAft>
-              <a:buFont typeface="Arial" panose="020B0604020202020204" pitchFamily="34" charset="0"/>
-              <a:buChar char="•"/>
-            </a:pPr>
-            <a:r>
-              <a:rPr lang="en-US" sz="2100" dirty="0"/>
-              <a:t>  </a:t>
-            </a:r>
-            <a:r>
-              <a:rPr lang="en-US" sz="1800" dirty="0"/>
-              <a:t>functionality: not change behavior</a:t>
-            </a:r>
-          </a:p>
-          <a:p>
-            <a:pPr>
-              <a:spcBef>
-                <a:spcPts val="0"/>
-              </a:spcBef>
-              <a:spcAft>
-                <a:spcPts val="0"/>
-              </a:spcAft>
-              <a:buFont typeface="Arial" panose="020B0604020202020204" pitchFamily="34" charset="0"/>
-              <a:buChar char="•"/>
-            </a:pPr>
-            <a:r>
-              <a:rPr lang="en-US" sz="1800" dirty="0"/>
-              <a:t>  certifiability: avoid re-certification of flight software/hardware</a:t>
-            </a:r>
-          </a:p>
-          <a:p>
-            <a:pPr>
-              <a:spcBef>
-                <a:spcPts val="0"/>
-              </a:spcBef>
-              <a:spcAft>
-                <a:spcPts val="0"/>
-              </a:spcAft>
-              <a:buFont typeface="Arial" panose="020B0604020202020204" pitchFamily="34" charset="0"/>
-              <a:buChar char="•"/>
-            </a:pPr>
-            <a:r>
-              <a:rPr lang="en-US" sz="1800" dirty="0"/>
-              <a:t>  timing: not interfere with timing guarantees</a:t>
-            </a:r>
-          </a:p>
-          <a:p>
-            <a:pPr>
-              <a:spcBef>
-                <a:spcPts val="0"/>
-              </a:spcBef>
-              <a:spcAft>
-                <a:spcPts val="0"/>
-              </a:spcAft>
-              <a:buFont typeface="Arial" panose="020B0604020202020204" pitchFamily="34" charset="0"/>
-              <a:buChar char="•"/>
-            </a:pPr>
-            <a:r>
-              <a:rPr lang="en-US" sz="1800" dirty="0"/>
-              <a:t>  tolerances: obey size, weight, power, telemetry bandwidth constraints</a:t>
-            </a:r>
-          </a:p>
-          <a:p>
-            <a:pPr>
-              <a:spcBef>
-                <a:spcPts val="0"/>
-              </a:spcBef>
-              <a:spcAft>
-                <a:spcPts val="0"/>
-              </a:spcAft>
-              <a:buFont typeface="Arial" panose="020B0604020202020204" pitchFamily="34" charset="0"/>
-              <a:buChar char="•"/>
-            </a:pPr>
-            <a:r>
-              <a:rPr lang="en-US" sz="1800" dirty="0"/>
-              <a:t>  cost: use of commercial-off-the-shelf (COTS) components</a:t>
+              <a:t>  Explore patterns, similarities (i.e., how many voltages and currents, how many specs are similar)</a:t>
             </a:r>
           </a:p>
         </p:txBody>
       </p:sp>
       <p:pic>
         <p:nvPicPr>
-          <p:cNvPr id="9" name="Picture 8">
+          <p:cNvPr id="2" name="Picture 1">
             <a:extLst>
               <a:ext uri="{FF2B5EF4-FFF2-40B4-BE49-F238E27FC236}">
-                <a16:creationId xmlns:a16="http://schemas.microsoft.com/office/drawing/2014/main" id="{AA25DACD-F1BD-4EDA-A140-6DE24ED34A8C}"/>
+                <a16:creationId xmlns:a16="http://schemas.microsoft.com/office/drawing/2014/main" id="{227517D4-EFD2-436E-81CC-40549BADDC9C}"/>
               </a:ext>
             </a:extLst>
           </p:cNvPr>
@@ -7236,8 +7161,8 @@
         </p:blipFill>
         <p:spPr>
           <a:xfrm>
-            <a:off x="0" y="0"/>
-            <a:ext cx="1738725" cy="320040"/>
+            <a:off x="4813861" y="926715"/>
+            <a:ext cx="3379596" cy="3290070"/>
           </a:xfrm>
           <a:prstGeom prst="rect">
             <a:avLst/>
@@ -7249,7 +7174,7 @@
           <p:cNvPr id="10" name="Picture 9">
             <a:extLst>
               <a:ext uri="{FF2B5EF4-FFF2-40B4-BE49-F238E27FC236}">
-                <a16:creationId xmlns:a16="http://schemas.microsoft.com/office/drawing/2014/main" id="{600E1398-D638-412F-9150-19F39CA93E13}"/>
+                <a16:creationId xmlns:a16="http://schemas.microsoft.com/office/drawing/2014/main" id="{36415DFC-E9C5-48AE-8EB6-B74A97B80D06}"/>
               </a:ext>
             </a:extLst>
           </p:cNvPr>
@@ -7271,6 +7196,41 @@
         </p:blipFill>
         <p:spPr>
           <a:xfrm>
+            <a:off x="0" y="0"/>
+            <a:ext cx="1738725" cy="320040"/>
+          </a:xfrm>
+          <a:prstGeom prst="rect">
+            <a:avLst/>
+          </a:prstGeom>
+        </p:spPr>
+      </p:pic>
+      <p:pic>
+        <p:nvPicPr>
+          <p:cNvPr id="11" name="Picture 10">
+            <a:extLst>
+              <a:ext uri="{FF2B5EF4-FFF2-40B4-BE49-F238E27FC236}">
+                <a16:creationId xmlns:a16="http://schemas.microsoft.com/office/drawing/2014/main" id="{E20DDA61-D074-4E6A-853D-AC423A240811}"/>
+              </a:ext>
+            </a:extLst>
+          </p:cNvPr>
+          <p:cNvPicPr>
+            <a:picLocks noChangeAspect="1"/>
+          </p:cNvPicPr>
+          <p:nvPr/>
+        </p:nvPicPr>
+        <p:blipFill rotWithShape="1">
+          <a:blip r:embed="rId4" cstate="screen">
+            <a:extLst>
+              <a:ext uri="{28A0092B-C50C-407E-A947-70E740481C1C}">
+                <a14:useLocalDpi xmlns:a14="http://schemas.microsoft.com/office/drawing/2010/main"/>
+              </a:ext>
+            </a:extLst>
+          </a:blip>
+          <a:srcRect/>
+          <a:stretch/>
+        </p:blipFill>
+        <p:spPr>
+          <a:xfrm>
             <a:off x="0" y="331015"/>
             <a:ext cx="1737360" cy="413296"/>
           </a:xfrm>
@@ -7282,7 +7242,7 @@
     </p:spTree>
     <p:extLst>
       <p:ext uri="{BB962C8B-B14F-4D97-AF65-F5344CB8AC3E}">
-        <p14:creationId xmlns:p14="http://schemas.microsoft.com/office/powerpoint/2010/main" val="3531536948"/>
+        <p14:creationId xmlns:p14="http://schemas.microsoft.com/office/powerpoint/2010/main" val="1133648635"/>
       </p:ext>
     </p:extLst>
   </p:cSld>
@@ -7311,41 +7271,6 @@
       </p:grpSpPr>
       <p:sp>
         <p:nvSpPr>
-          <p:cNvPr id="4" name="Title 1">
-            <a:extLst>
-              <a:ext uri="{FF2B5EF4-FFF2-40B4-BE49-F238E27FC236}">
-                <a16:creationId xmlns:a16="http://schemas.microsoft.com/office/drawing/2014/main" id="{F01CE361-3908-4010-8031-51EEC67FB2EE}"/>
-              </a:ext>
-            </a:extLst>
-          </p:cNvPr>
-          <p:cNvSpPr>
-            <a:spLocks noGrp="1"/>
-          </p:cNvSpPr>
-          <p:nvPr>
-            <p:ph type="title"/>
-          </p:nvPr>
-        </p:nvSpPr>
-        <p:spPr>
-          <a:xfrm>
-            <a:off x="651238" y="180581"/>
-            <a:ext cx="7543800" cy="489718"/>
-          </a:xfrm>
-        </p:spPr>
-        <p:txBody>
-          <a:bodyPr>
-            <a:normAutofit fontScale="90000"/>
-          </a:bodyPr>
-          <a:lstStyle/>
-          <a:p>
-            <a:r>
-              <a:rPr lang="en-US" dirty="0"/>
-              <a:t>Future Work (2)</a:t>
-            </a:r>
-          </a:p>
-        </p:txBody>
-      </p:sp>
-      <p:sp>
-        <p:nvSpPr>
           <p:cNvPr id="7" name="Rectangle 6">
             <a:extLst>
               <a:ext uri="{FF2B5EF4-FFF2-40B4-BE49-F238E27FC236}">
@@ -7396,12 +7321,82 @@
           </a:p>
         </p:txBody>
       </p:sp>
+      <p:pic>
+        <p:nvPicPr>
+          <p:cNvPr id="9" name="Picture 8">
+            <a:extLst>
+              <a:ext uri="{FF2B5EF4-FFF2-40B4-BE49-F238E27FC236}">
+                <a16:creationId xmlns:a16="http://schemas.microsoft.com/office/drawing/2014/main" id="{8DCB66AB-0BBF-45DE-86DC-ADA5ED6ACF81}"/>
+              </a:ext>
+            </a:extLst>
+          </p:cNvPr>
+          <p:cNvPicPr>
+            <a:picLocks noChangeAspect="1"/>
+          </p:cNvPicPr>
+          <p:nvPr/>
+        </p:nvPicPr>
+        <p:blipFill rotWithShape="1">
+          <a:blip r:embed="rId2" cstate="screen">
+            <a:extLst>
+              <a:ext uri="{28A0092B-C50C-407E-A947-70E740481C1C}">
+                <a14:useLocalDpi xmlns:a14="http://schemas.microsoft.com/office/drawing/2010/main"/>
+              </a:ext>
+            </a:extLst>
+          </a:blip>
+          <a:srcRect/>
+          <a:stretch/>
+        </p:blipFill>
+        <p:spPr>
+          <a:xfrm>
+            <a:off x="505014" y="1193231"/>
+            <a:ext cx="8133971" cy="1056360"/>
+          </a:xfrm>
+          <a:prstGeom prst="rect">
+            <a:avLst/>
+          </a:prstGeom>
+        </p:spPr>
+      </p:pic>
       <p:sp>
         <p:nvSpPr>
-          <p:cNvPr id="3" name="Content Placeholder 2">
+          <p:cNvPr id="4" name="Title 1">
             <a:extLst>
               <a:ext uri="{FF2B5EF4-FFF2-40B4-BE49-F238E27FC236}">
-                <a16:creationId xmlns:a16="http://schemas.microsoft.com/office/drawing/2014/main" id="{6A45E749-7205-4B92-BB0A-A63BFEAD4444}"/>
+                <a16:creationId xmlns:a16="http://schemas.microsoft.com/office/drawing/2014/main" id="{F01CE361-3908-4010-8031-51EEC67FB2EE}"/>
+              </a:ext>
+            </a:extLst>
+          </p:cNvPr>
+          <p:cNvSpPr>
+            <a:spLocks noGrp="1"/>
+          </p:cNvSpPr>
+          <p:nvPr>
+            <p:ph type="title"/>
+          </p:nvPr>
+        </p:nvSpPr>
+        <p:spPr>
+          <a:xfrm>
+            <a:off x="800099" y="119346"/>
+            <a:ext cx="7543800" cy="488510"/>
+          </a:xfrm>
+        </p:spPr>
+        <p:txBody>
+          <a:bodyPr>
+            <a:normAutofit fontScale="90000"/>
+          </a:bodyPr>
+          <a:lstStyle/>
+          <a:p>
+            <a:r>
+              <a:rPr lang="en-US" dirty="0"/>
+              <a:t>Sample Telemetry Message</a:t>
+            </a:r>
+          </a:p>
+        </p:txBody>
+      </p:sp>
+      <p:sp>
+        <p:nvSpPr>
+          <p:cNvPr id="10" name="Content Placeholder 9">
+            <a:extLst>
+              <a:ext uri="{FF2B5EF4-FFF2-40B4-BE49-F238E27FC236}">
+                <a16:creationId xmlns:a16="http://schemas.microsoft.com/office/drawing/2014/main" id="{70E54780-5B81-49D6-8F68-4DC086C93F58}"/>
               </a:ext>
             </a:extLst>
           </p:cNvPr>
@@ -7414,13 +7409,13 @@
         </p:nvSpPr>
         <p:spPr>
           <a:xfrm>
-            <a:off x="950543" y="922769"/>
-            <a:ext cx="2623237" cy="3017520"/>
+            <a:off x="1129936" y="2571750"/>
+            <a:ext cx="6884126" cy="1902461"/>
           </a:xfrm>
         </p:spPr>
         <p:txBody>
           <a:bodyPr>
-            <a:normAutofit fontScale="92500"/>
+            <a:normAutofit/>
           </a:bodyPr>
           <a:lstStyle/>
           <a:p>
@@ -7429,8 +7424,8 @@
               <a:buChar char="•"/>
             </a:pPr>
             <a:r>
-              <a:rPr lang="en-US" sz="2100" dirty="0"/>
-              <a:t>  Analysis of full telemetry set</a:t>
+              <a:rPr lang="en-US" dirty="0"/>
+              <a:t>Simplified message (tens to hundred of variables describing other systems left out)</a:t>
             </a:r>
           </a:p>
           <a:p>
@@ -7438,61 +7433,19 @@
               <a:buFont typeface="Arial" panose="020B0604020202020204" pitchFamily="34" charset="0"/>
               <a:buChar char="•"/>
             </a:pPr>
-            <a:endParaRPr lang="en-US" sz="2100" dirty="0"/>
-          </a:p>
-          <a:p>
-            <a:pPr>
-              <a:buFont typeface="Arial" panose="020B0604020202020204" pitchFamily="34" charset="0"/>
-              <a:buChar char="•"/>
-            </a:pPr>
-            <a:r>
-              <a:rPr lang="en-US" sz="2100" dirty="0"/>
-              <a:t>  Explore patterns, similarities (i.e., how many voltages and currents, how many specs are similar)</a:t>
+            <a:r>
+              <a:rPr lang="en-US" dirty="0"/>
+              <a:t>Parameters are either essential ID info, or relate to communications system</a:t>
             </a:r>
           </a:p>
         </p:txBody>
       </p:sp>
       <p:pic>
         <p:nvPicPr>
-          <p:cNvPr id="2" name="Picture 1">
+          <p:cNvPr id="12" name="Picture 11">
             <a:extLst>
               <a:ext uri="{FF2B5EF4-FFF2-40B4-BE49-F238E27FC236}">
-                <a16:creationId xmlns:a16="http://schemas.microsoft.com/office/drawing/2014/main" id="{227517D4-EFD2-436E-81CC-40549BADDC9C}"/>
-              </a:ext>
-            </a:extLst>
-          </p:cNvPr>
-          <p:cNvPicPr>
-            <a:picLocks noChangeAspect="1"/>
-          </p:cNvPicPr>
-          <p:nvPr/>
-        </p:nvPicPr>
-        <p:blipFill rotWithShape="1">
-          <a:blip r:embed="rId2" cstate="screen">
-            <a:extLst>
-              <a:ext uri="{28A0092B-C50C-407E-A947-70E740481C1C}">
-                <a14:useLocalDpi xmlns:a14="http://schemas.microsoft.com/office/drawing/2010/main"/>
-              </a:ext>
-            </a:extLst>
-          </a:blip>
-          <a:srcRect/>
-          <a:stretch/>
-        </p:blipFill>
-        <p:spPr>
-          <a:xfrm>
-            <a:off x="4813861" y="926715"/>
-            <a:ext cx="3379596" cy="3290070"/>
-          </a:xfrm>
-          <a:prstGeom prst="rect">
-            <a:avLst/>
-          </a:prstGeom>
-        </p:spPr>
-      </p:pic>
-      <p:pic>
-        <p:nvPicPr>
-          <p:cNvPr id="10" name="Picture 9">
-            <a:extLst>
-              <a:ext uri="{FF2B5EF4-FFF2-40B4-BE49-F238E27FC236}">
-                <a16:creationId xmlns:a16="http://schemas.microsoft.com/office/drawing/2014/main" id="{36415DFC-E9C5-48AE-8EB6-B74A97B80D06}"/>
+                <a16:creationId xmlns:a16="http://schemas.microsoft.com/office/drawing/2014/main" id="{A80BD9E9-7597-4E93-8FDC-A3760AFD80F9}"/>
               </a:ext>
             </a:extLst>
           </p:cNvPr>
@@ -7524,10 +7477,10 @@
       </p:pic>
       <p:pic>
         <p:nvPicPr>
-          <p:cNvPr id="11" name="Picture 10">
+          <p:cNvPr id="13" name="Picture 12">
             <a:extLst>
               <a:ext uri="{FF2B5EF4-FFF2-40B4-BE49-F238E27FC236}">
-                <a16:creationId xmlns:a16="http://schemas.microsoft.com/office/drawing/2014/main" id="{E20DDA61-D074-4E6A-853D-AC423A240811}"/>
+                <a16:creationId xmlns:a16="http://schemas.microsoft.com/office/drawing/2014/main" id="{93E505B6-E7F2-44B2-B8E9-2EA71790A433}"/>
               </a:ext>
             </a:extLst>
           </p:cNvPr>
@@ -7560,7 +7513,7 @@
     </p:spTree>
     <p:extLst>
       <p:ext uri="{BB962C8B-B14F-4D97-AF65-F5344CB8AC3E}">
-        <p14:creationId xmlns:p14="http://schemas.microsoft.com/office/powerpoint/2010/main" val="1133648635"/>
+        <p14:creationId xmlns:p14="http://schemas.microsoft.com/office/powerpoint/2010/main" val="2793260569"/>
       </p:ext>
     </p:extLst>
   </p:cSld>
@@ -8191,7 +8144,7 @@
         <p:spPr>
           <a:xfrm>
             <a:off x="345440" y="1114425"/>
-            <a:ext cx="5984240" cy="3559175"/>
+            <a:ext cx="5762136" cy="3559175"/>
           </a:xfrm>
         </p:spPr>
         <p:txBody>
@@ -8463,6 +8416,44 @@
           <a:chExt cx="0" cy="0"/>
         </a:xfrm>
       </p:grpSpPr>
+      <p:pic>
+        <p:nvPicPr>
+          <p:cNvPr id="16" name="Picture 15" descr="A picture containing object, antenna&#10;&#10;Description automatically generated">
+            <a:extLst>
+              <a:ext uri="{FF2B5EF4-FFF2-40B4-BE49-F238E27FC236}">
+                <a16:creationId xmlns:a16="http://schemas.microsoft.com/office/drawing/2014/main" id="{71E19751-5C27-4C3C-B7B8-AF47372800D1}"/>
+              </a:ext>
+            </a:extLst>
+          </p:cNvPr>
+          <p:cNvPicPr>
+            <a:picLocks noChangeAspect="1"/>
+          </p:cNvPicPr>
+          <p:nvPr/>
+        </p:nvPicPr>
+        <p:blipFill rotWithShape="1">
+          <a:blip r:embed="rId2" cstate="print">
+            <a:extLst>
+              <a:ext uri="{28A0092B-C50C-407E-A947-70E740481C1C}">
+                <a14:useLocalDpi xmlns:a14="http://schemas.microsoft.com/office/drawing/2010/main" val="0"/>
+              </a:ext>
+              <a:ext uri="{837473B0-CC2E-450A-ABE3-18F120FF3D39}">
+                <a1611:picAttrSrcUrl xmlns:a1611="http://schemas.microsoft.com/office/drawing/2016/11/main" r:id="rId3"/>
+              </a:ext>
+            </a:extLst>
+          </a:blip>
+          <a:srcRect b="2000"/>
+          <a:stretch/>
+        </p:blipFill>
+        <p:spPr>
+          <a:xfrm>
+            <a:off x="4779119" y="2803000"/>
+            <a:ext cx="2013693" cy="1291927"/>
+          </a:xfrm>
+          <a:prstGeom prst="rect">
+            <a:avLst/>
+          </a:prstGeom>
+        </p:spPr>
+      </p:pic>
       <p:sp>
         <p:nvSpPr>
           <p:cNvPr id="8" name="Rectangle 7">
@@ -8545,7 +8536,7 @@
           <a:p>
             <a:r>
               <a:rPr lang="en-US" dirty="0"/>
-              <a:t>Motivation</a:t>
+              <a:t>Motivation for Case Study</a:t>
             </a:r>
           </a:p>
         </p:txBody>
@@ -8568,8 +8559,8 @@
         </p:nvSpPr>
         <p:spPr>
           <a:xfrm>
-            <a:off x="274320" y="1114425"/>
-            <a:ext cx="5120640" cy="3286126"/>
+            <a:off x="371657" y="993858"/>
+            <a:ext cx="4507706" cy="3286126"/>
           </a:xfrm>
         </p:spPr>
         <p:txBody>
@@ -8630,14 +8621,8 @@
             </a:pPr>
             <a:r>
               <a:rPr lang="en-US" sz="2000" dirty="0"/>
-              <a:t>Need to validate, verify these systems during runtime to resolve issues.</a:t>
-            </a:r>
-            <a:endParaRPr lang="en-US" sz="2000" baseline="30000" dirty="0"/>
-          </a:p>
-          <a:p>
-            <a:pPr marL="0" indent="0">
-              <a:buNone/>
-            </a:pPr>
+              <a:t>Validate, verify these systems during runtime.</a:t>
+            </a:r>
             <a:endParaRPr lang="en-US" sz="1800" dirty="0"/>
           </a:p>
         </p:txBody>
@@ -8657,13 +8642,13 @@
           <p:nvPr/>
         </p:nvPicPr>
         <p:blipFill>
-          <a:blip r:embed="rId2" cstate="print">
+          <a:blip r:embed="rId4" cstate="print">
             <a:extLst>
               <a:ext uri="{28A0092B-C50C-407E-A947-70E740481C1C}">
                 <a14:useLocalDpi xmlns:a14="http://schemas.microsoft.com/office/drawing/2010/main" val="0"/>
               </a:ext>
               <a:ext uri="{837473B0-CC2E-450A-ABE3-18F120FF3D39}">
-                <a1611:picAttrSrcUrl xmlns:a1611="http://schemas.microsoft.com/office/drawing/2016/11/main" r:id="rId3"/>
+                <a1611:picAttrSrcUrl xmlns:a1611="http://schemas.microsoft.com/office/drawing/2016/11/main" r:id="rId5"/>
               </a:ext>
             </a:extLst>
           </a:blip>
@@ -8683,44 +8668,6 @@
       </p:pic>
       <p:pic>
         <p:nvPicPr>
-          <p:cNvPr id="16" name="Picture 15" descr="A picture containing object, antenna&#10;&#10;Description automatically generated">
-            <a:extLst>
-              <a:ext uri="{FF2B5EF4-FFF2-40B4-BE49-F238E27FC236}">
-                <a16:creationId xmlns:a16="http://schemas.microsoft.com/office/drawing/2014/main" id="{71E19751-5C27-4C3C-B7B8-AF47372800D1}"/>
-              </a:ext>
-            </a:extLst>
-          </p:cNvPr>
-          <p:cNvPicPr>
-            <a:picLocks noChangeAspect="1"/>
-          </p:cNvPicPr>
-          <p:nvPr/>
-        </p:nvPicPr>
-        <p:blipFill rotWithShape="1">
-          <a:blip r:embed="rId4" cstate="print">
-            <a:extLst>
-              <a:ext uri="{28A0092B-C50C-407E-A947-70E740481C1C}">
-                <a14:useLocalDpi xmlns:a14="http://schemas.microsoft.com/office/drawing/2010/main" val="0"/>
-              </a:ext>
-              <a:ext uri="{837473B0-CC2E-450A-ABE3-18F120FF3D39}">
-                <a1611:picAttrSrcUrl xmlns:a1611="http://schemas.microsoft.com/office/drawing/2016/11/main" r:id="rId5"/>
-              </a:ext>
-            </a:extLst>
-          </a:blip>
-          <a:srcRect b="2000"/>
-          <a:stretch/>
-        </p:blipFill>
-        <p:spPr>
-          <a:xfrm>
-            <a:off x="4985493" y="2803000"/>
-            <a:ext cx="2013693" cy="1291927"/>
-          </a:xfrm>
-          <a:prstGeom prst="rect">
-            <a:avLst/>
-          </a:prstGeom>
-        </p:spPr>
-      </p:pic>
-      <p:pic>
-        <p:nvPicPr>
           <p:cNvPr id="13" name="Picture 12" descr="A picture containing chart&#10;&#10;Description automatically generated">
             <a:extLst>
               <a:ext uri="{FF2B5EF4-FFF2-40B4-BE49-F238E27FC236}">
@@ -8750,8 +8697,8 @@
         </p:blipFill>
         <p:spPr>
           <a:xfrm rot="18941582">
-            <a:off x="6127204" y="2253578"/>
-            <a:ext cx="1479270" cy="459782"/>
+            <a:off x="5898476" y="2254535"/>
+            <a:ext cx="1934766" cy="459782"/>
           </a:xfrm>
           <a:prstGeom prst="rect">
             <a:avLst/>
@@ -9036,13 +8983,13 @@
         </p:nvSpPr>
         <p:spPr>
           <a:xfrm>
-            <a:off x="416560" y="996437"/>
-            <a:ext cx="3433921" cy="3363569"/>
+            <a:off x="293845" y="996437"/>
+            <a:ext cx="3632599" cy="3621667"/>
           </a:xfrm>
         </p:spPr>
         <p:txBody>
           <a:bodyPr>
-            <a:normAutofit fontScale="85000" lnSpcReduction="20000"/>
+            <a:normAutofit fontScale="85000" lnSpcReduction="10000"/>
           </a:bodyPr>
           <a:lstStyle/>
           <a:p>
@@ -9052,7 +8999,7 @@
             </a:pPr>
             <a:r>
               <a:rPr lang="en-US" sz="2100" dirty="0"/>
-              <a:t>Developed using Matlab/Simulink</a:t>
+              <a:t>Developed using Matlab/Simulink toolboxes</a:t>
             </a:r>
           </a:p>
           <a:p>
@@ -9089,7 +9036,11 @@
             </a:pPr>
             <a:r>
               <a:rPr lang="en-US" sz="1950" dirty="0"/>
-              <a:t>Outputs orbital information</a:t>
+              <a:t>Outputs </a:t>
+            </a:r>
+            <a:r>
+              <a:rPr lang="en-US" sz="1950" b="1" dirty="0"/>
+              <a:t>orbital information</a:t>
             </a:r>
           </a:p>
           <a:p>
@@ -9114,8 +9065,12 @@
               <a:buChar char="•"/>
             </a:pPr>
             <a:r>
-              <a:rPr lang="en-US" sz="1800" dirty="0"/>
-              <a:t>Operates USRP B210 SDR to communicate sample telemetry</a:t>
+              <a:rPr lang="en-US" sz="2000" dirty="0"/>
+              <a:t>Operates USRP B210 SDR to communicate </a:t>
+            </a:r>
+            <a:r>
+              <a:rPr lang="en-US" sz="2000" b="1" dirty="0"/>
+              <a:t>sample telemetry</a:t>
             </a:r>
           </a:p>
           <a:p>
@@ -9437,7 +9392,1628 @@
           </p:nvSpPr>
           <p:spPr>
             <a:xfrm>
-              <a:off x="7234237" y="1575553"/>
+              <a:off x="7162520" y="1616535"/>
+              <a:ext cx="2232492" cy="615553"/>
+            </a:xfrm>
+            <a:prstGeom prst="rect">
+              <a:avLst/>
+            </a:prstGeom>
+            <a:solidFill>
+              <a:schemeClr val="bg1"/>
+            </a:solidFill>
+          </p:spPr>
+          <p:txBody>
+            <a:bodyPr wrap="square" rtlCol="0">
+              <a:spAutoFit/>
+            </a:bodyPr>
+            <a:lstStyle/>
+            <a:p>
+              <a:r>
+                <a:rPr lang="en-US" sz="1200" dirty="0"/>
+                <a:t>Receiving</a:t>
+              </a:r>
+            </a:p>
+            <a:p>
+              <a:r>
+                <a:rPr lang="en-US" sz="1200" dirty="0"/>
+                <a:t>Radio (USRP B210)</a:t>
+              </a:r>
+            </a:p>
+          </p:txBody>
+        </p:sp>
+        <p:sp>
+          <p:nvSpPr>
+            <p:cNvPr id="7" name="Rectangle: Rounded Corners 6">
+              <a:extLst>
+                <a:ext uri="{FF2B5EF4-FFF2-40B4-BE49-F238E27FC236}">
+                  <a16:creationId xmlns:a16="http://schemas.microsoft.com/office/drawing/2014/main" id="{4A92C125-6FFC-4600-AC81-3F9D727E3CD4}"/>
+                </a:ext>
+              </a:extLst>
+            </p:cNvPr>
+            <p:cNvSpPr/>
+            <p:nvPr/>
+          </p:nvSpPr>
+          <p:spPr>
+            <a:xfrm>
+              <a:off x="7200901" y="523875"/>
+              <a:ext cx="1985964" cy="1678959"/>
+            </a:xfrm>
+            <a:prstGeom prst="roundRect">
+              <a:avLst>
+                <a:gd name="adj" fmla="val 9495"/>
+              </a:avLst>
+            </a:prstGeom>
+            <a:noFill/>
+            <a:ln w="28575">
+              <a:solidFill>
+                <a:schemeClr val="bg1">
+                  <a:lumMod val="50000"/>
+                </a:schemeClr>
+              </a:solidFill>
+            </a:ln>
+          </p:spPr>
+          <p:style>
+            <a:lnRef idx="2">
+              <a:schemeClr val="accent1">
+                <a:shade val="50000"/>
+              </a:schemeClr>
+            </a:lnRef>
+            <a:fillRef idx="1">
+              <a:schemeClr val="accent1"/>
+            </a:fillRef>
+            <a:effectRef idx="0">
+              <a:schemeClr val="accent1"/>
+            </a:effectRef>
+            <a:fontRef idx="minor">
+              <a:schemeClr val="lt1"/>
+            </a:fontRef>
+          </p:style>
+          <p:txBody>
+            <a:bodyPr rot="0" spcFirstLastPara="0" vertOverflow="overflow" horzOverflow="overflow" vert="horz" wrap="square" lIns="68580" tIns="34290" rIns="68580" bIns="34290" numCol="1" spcCol="0" rtlCol="0" fromWordArt="0" anchor="ctr" anchorCtr="0" forceAA="0" compatLnSpc="1">
+              <a:prstTxWarp prst="textNoShape">
+                <a:avLst/>
+              </a:prstTxWarp>
+              <a:noAutofit/>
+            </a:bodyPr>
+            <a:lstStyle/>
+            <a:p>
+              <a:pPr algn="ctr"/>
+              <a:endParaRPr lang="en-US" sz="1350"/>
+            </a:p>
+          </p:txBody>
+        </p:sp>
+      </p:grpSp>
+      <p:sp>
+        <p:nvSpPr>
+          <p:cNvPr id="11" name="Rectangle: Rounded Corners 10">
+            <a:extLst>
+              <a:ext uri="{FF2B5EF4-FFF2-40B4-BE49-F238E27FC236}">
+                <a16:creationId xmlns:a16="http://schemas.microsoft.com/office/drawing/2014/main" id="{A682C352-7F3E-44DA-8F2D-0C172BFC5814}"/>
+              </a:ext>
+            </a:extLst>
+          </p:cNvPr>
+          <p:cNvSpPr/>
+          <p:nvPr/>
+        </p:nvSpPr>
+        <p:spPr>
+          <a:xfrm>
+            <a:off x="2328862" y="3381973"/>
+            <a:ext cx="5186363" cy="721519"/>
+          </a:xfrm>
+          <a:prstGeom prst="roundRect">
+            <a:avLst/>
+          </a:prstGeom>
+          <a:solidFill>
+            <a:schemeClr val="bg1"/>
+          </a:solidFill>
+          <a:ln>
+            <a:noFill/>
+          </a:ln>
+        </p:spPr>
+        <p:style>
+          <a:lnRef idx="2">
+            <a:schemeClr val="accent1">
+              <a:shade val="50000"/>
+            </a:schemeClr>
+          </a:lnRef>
+          <a:fillRef idx="1">
+            <a:schemeClr val="accent1"/>
+          </a:fillRef>
+          <a:effectRef idx="0">
+            <a:schemeClr val="accent1"/>
+          </a:effectRef>
+          <a:fontRef idx="minor">
+            <a:schemeClr val="lt1"/>
+          </a:fontRef>
+        </p:style>
+        <p:txBody>
+          <a:bodyPr rot="0" spcFirstLastPara="0" vertOverflow="overflow" horzOverflow="overflow" vert="horz" wrap="square" lIns="68580" tIns="34290" rIns="68580" bIns="34290" numCol="1" spcCol="0" rtlCol="0" fromWordArt="0" anchor="ctr" anchorCtr="0" forceAA="0" compatLnSpc="1">
+            <a:prstTxWarp prst="textNoShape">
+              <a:avLst/>
+            </a:prstTxWarp>
+            <a:noAutofit/>
+          </a:bodyPr>
+          <a:lstStyle/>
+          <a:p>
+            <a:pPr algn="ctr"/>
+            <a:endParaRPr lang="en-US" sz="1350"/>
+          </a:p>
+        </p:txBody>
+      </p:sp>
+      <p:sp>
+        <p:nvSpPr>
+          <p:cNvPr id="12" name="Rectangle: Rounded Corners 11">
+            <a:extLst>
+              <a:ext uri="{FF2B5EF4-FFF2-40B4-BE49-F238E27FC236}">
+                <a16:creationId xmlns:a16="http://schemas.microsoft.com/office/drawing/2014/main" id="{2001C07C-20FF-4D83-A100-5E4C8C1CACB3}"/>
+              </a:ext>
+            </a:extLst>
+          </p:cNvPr>
+          <p:cNvSpPr/>
+          <p:nvPr/>
+        </p:nvSpPr>
+        <p:spPr>
+          <a:xfrm>
+            <a:off x="2443162" y="4121309"/>
+            <a:ext cx="5186363" cy="721519"/>
+          </a:xfrm>
+          <a:prstGeom prst="roundRect">
+            <a:avLst/>
+          </a:prstGeom>
+          <a:solidFill>
+            <a:schemeClr val="bg1"/>
+          </a:solidFill>
+          <a:ln>
+            <a:noFill/>
+          </a:ln>
+        </p:spPr>
+        <p:style>
+          <a:lnRef idx="2">
+            <a:schemeClr val="accent1">
+              <a:shade val="50000"/>
+            </a:schemeClr>
+          </a:lnRef>
+          <a:fillRef idx="1">
+            <a:schemeClr val="accent1"/>
+          </a:fillRef>
+          <a:effectRef idx="0">
+            <a:schemeClr val="accent1"/>
+          </a:effectRef>
+          <a:fontRef idx="minor">
+            <a:schemeClr val="lt1"/>
+          </a:fontRef>
+        </p:style>
+        <p:txBody>
+          <a:bodyPr rot="0" spcFirstLastPara="0" vertOverflow="overflow" horzOverflow="overflow" vert="horz" wrap="square" lIns="68580" tIns="34290" rIns="68580" bIns="34290" numCol="1" spcCol="0" rtlCol="0" fromWordArt="0" anchor="ctr" anchorCtr="0" forceAA="0" compatLnSpc="1">
+            <a:prstTxWarp prst="textNoShape">
+              <a:avLst/>
+            </a:prstTxWarp>
+            <a:noAutofit/>
+          </a:bodyPr>
+          <a:lstStyle/>
+          <a:p>
+            <a:pPr algn="ctr"/>
+            <a:endParaRPr lang="en-US" sz="1350"/>
+          </a:p>
+        </p:txBody>
+      </p:sp>
+      <p:cxnSp>
+        <p:nvCxnSpPr>
+          <p:cNvPr id="14" name="Straight Connector 13">
+            <a:extLst>
+              <a:ext uri="{FF2B5EF4-FFF2-40B4-BE49-F238E27FC236}">
+                <a16:creationId xmlns:a16="http://schemas.microsoft.com/office/drawing/2014/main" id="{AFCA054B-E730-4C89-8861-40C98EF7E285}"/>
+              </a:ext>
+            </a:extLst>
+          </p:cNvPr>
+          <p:cNvCxnSpPr>
+            <a:cxnSpLocks/>
+          </p:cNvCxnSpPr>
+          <p:nvPr/>
+        </p:nvCxnSpPr>
+        <p:spPr>
+          <a:xfrm flipV="1">
+            <a:off x="4307681" y="4109954"/>
+            <a:ext cx="2171700" cy="1"/>
+          </a:xfrm>
+          <a:prstGeom prst="line">
+            <a:avLst/>
+          </a:prstGeom>
+          <a:ln w="19050">
+            <a:solidFill>
+              <a:schemeClr val="bg1">
+                <a:lumMod val="50000"/>
+              </a:schemeClr>
+            </a:solidFill>
+          </a:ln>
+        </p:spPr>
+        <p:style>
+          <a:lnRef idx="1">
+            <a:schemeClr val="accent1"/>
+          </a:lnRef>
+          <a:fillRef idx="0">
+            <a:schemeClr val="accent1"/>
+          </a:fillRef>
+          <a:effectRef idx="0">
+            <a:schemeClr val="accent1"/>
+          </a:effectRef>
+          <a:fontRef idx="minor">
+            <a:schemeClr val="tx1"/>
+          </a:fontRef>
+        </p:style>
+      </p:cxnSp>
+      <p:pic>
+        <p:nvPicPr>
+          <p:cNvPr id="13" name="Picture 12">
+            <a:extLst>
+              <a:ext uri="{FF2B5EF4-FFF2-40B4-BE49-F238E27FC236}">
+                <a16:creationId xmlns:a16="http://schemas.microsoft.com/office/drawing/2014/main" id="{F5364F0A-6F1A-4F85-ADE0-78532B118B06}"/>
+              </a:ext>
+            </a:extLst>
+          </p:cNvPr>
+          <p:cNvPicPr>
+            <a:picLocks noChangeAspect="1"/>
+          </p:cNvPicPr>
+          <p:nvPr/>
+        </p:nvPicPr>
+        <p:blipFill rotWithShape="1">
+          <a:blip r:embed="rId3" cstate="screen">
+            <a:extLst>
+              <a:ext uri="{28A0092B-C50C-407E-A947-70E740481C1C}">
+                <a14:useLocalDpi xmlns:a14="http://schemas.microsoft.com/office/drawing/2010/main"/>
+              </a:ext>
+            </a:extLst>
+          </a:blip>
+          <a:srcRect/>
+          <a:stretch/>
+        </p:blipFill>
+        <p:spPr>
+          <a:xfrm>
+            <a:off x="0" y="0"/>
+            <a:ext cx="1738725" cy="320040"/>
+          </a:xfrm>
+          <a:prstGeom prst="rect">
+            <a:avLst/>
+          </a:prstGeom>
+        </p:spPr>
+      </p:pic>
+      <p:pic>
+        <p:nvPicPr>
+          <p:cNvPr id="15" name="Picture 14">
+            <a:extLst>
+              <a:ext uri="{FF2B5EF4-FFF2-40B4-BE49-F238E27FC236}">
+                <a16:creationId xmlns:a16="http://schemas.microsoft.com/office/drawing/2014/main" id="{85E11A09-BD4B-48A6-AC9D-45F7E1C711D7}"/>
+              </a:ext>
+            </a:extLst>
+          </p:cNvPr>
+          <p:cNvPicPr>
+            <a:picLocks noChangeAspect="1"/>
+          </p:cNvPicPr>
+          <p:nvPr/>
+        </p:nvPicPr>
+        <p:blipFill rotWithShape="1">
+          <a:blip r:embed="rId4" cstate="screen">
+            <a:extLst>
+              <a:ext uri="{28A0092B-C50C-407E-A947-70E740481C1C}">
+                <a14:useLocalDpi xmlns:a14="http://schemas.microsoft.com/office/drawing/2010/main"/>
+              </a:ext>
+            </a:extLst>
+          </a:blip>
+          <a:srcRect/>
+          <a:stretch/>
+        </p:blipFill>
+        <p:spPr>
+          <a:xfrm>
+            <a:off x="0" y="331015"/>
+            <a:ext cx="1737360" cy="413296"/>
+          </a:xfrm>
+          <a:prstGeom prst="rect">
+            <a:avLst/>
+          </a:prstGeom>
+        </p:spPr>
+      </p:pic>
+      <p:sp>
+        <p:nvSpPr>
+          <p:cNvPr id="16" name="Title 1">
+            <a:extLst>
+              <a:ext uri="{FF2B5EF4-FFF2-40B4-BE49-F238E27FC236}">
+                <a16:creationId xmlns:a16="http://schemas.microsoft.com/office/drawing/2014/main" id="{B06DDBED-DFE1-4594-B09B-675F29A29252}"/>
+              </a:ext>
+            </a:extLst>
+          </p:cNvPr>
+          <p:cNvSpPr>
+            <a:spLocks noGrp="1"/>
+          </p:cNvSpPr>
+          <p:nvPr>
+            <p:ph type="title"/>
+          </p:nvPr>
+        </p:nvSpPr>
+        <p:spPr>
+          <a:xfrm>
+            <a:off x="654367" y="132799"/>
+            <a:ext cx="7849553" cy="535142"/>
+          </a:xfrm>
+        </p:spPr>
+        <p:txBody>
+          <a:bodyPr>
+            <a:normAutofit/>
+          </a:bodyPr>
+          <a:lstStyle/>
+          <a:p>
+            <a:r>
+              <a:rPr lang="en-US" dirty="0"/>
+              <a:t>Partial Setup</a:t>
+            </a:r>
+          </a:p>
+        </p:txBody>
+      </p:sp>
+    </p:spTree>
+    <p:extLst>
+      <p:ext uri="{BB962C8B-B14F-4D97-AF65-F5344CB8AC3E}">
+        <p14:creationId xmlns:p14="http://schemas.microsoft.com/office/powerpoint/2010/main" val="1448132594"/>
+      </p:ext>
+    </p:extLst>
+  </p:cSld>
+  <p:clrMapOvr>
+    <a:masterClrMapping/>
+  </p:clrMapOvr>
+</p:sld>
+</file>
+
+<file path=ppt/slides/slide6.xml><?xml version="1.0" encoding="utf-8"?>
+<p:sld xmlns:a="http://schemas.openxmlformats.org/drawingml/2006/main" xmlns:r="http://schemas.openxmlformats.org/officeDocument/2006/relationships" xmlns:p="http://schemas.openxmlformats.org/presentationml/2006/main">
+  <p:cSld>
+    <p:spTree>
+      <p:nvGrpSpPr>
+        <p:cNvPr id="1" name=""/>
+        <p:cNvGrpSpPr/>
+        <p:nvPr/>
+      </p:nvGrpSpPr>
+      <p:grpSpPr>
+        <a:xfrm>
+          <a:off x="0" y="0"/>
+          <a:ext cx="0" cy="0"/>
+          <a:chOff x="0" y="0"/>
+          <a:chExt cx="0" cy="0"/>
+        </a:xfrm>
+      </p:grpSpPr>
+      <p:sp>
+        <p:nvSpPr>
+          <p:cNvPr id="7" name="Rectangle 6">
+            <a:extLst>
+              <a:ext uri="{FF2B5EF4-FFF2-40B4-BE49-F238E27FC236}">
+                <a16:creationId xmlns:a16="http://schemas.microsoft.com/office/drawing/2014/main" id="{19550984-D2BE-4985-A444-1B92BE01D23A}"/>
+              </a:ext>
+            </a:extLst>
+          </p:cNvPr>
+          <p:cNvSpPr/>
+          <p:nvPr/>
+        </p:nvSpPr>
+        <p:spPr>
+          <a:xfrm>
+            <a:off x="0" y="1114425"/>
+            <a:ext cx="9144000" cy="195943"/>
+          </a:xfrm>
+          <a:prstGeom prst="rect">
+            <a:avLst/>
+          </a:prstGeom>
+          <a:solidFill>
+            <a:schemeClr val="bg1"/>
+          </a:solidFill>
+          <a:ln>
+            <a:noFill/>
+          </a:ln>
+        </p:spPr>
+        <p:style>
+          <a:lnRef idx="2">
+            <a:schemeClr val="accent1">
+              <a:shade val="50000"/>
+            </a:schemeClr>
+          </a:lnRef>
+          <a:fillRef idx="1">
+            <a:schemeClr val="accent1"/>
+          </a:fillRef>
+          <a:effectRef idx="0">
+            <a:schemeClr val="accent1"/>
+          </a:effectRef>
+          <a:fontRef idx="minor">
+            <a:schemeClr val="lt1"/>
+          </a:fontRef>
+        </p:style>
+        <p:txBody>
+          <a:bodyPr rtlCol="0" anchor="ctr"/>
+          <a:lstStyle/>
+          <a:p>
+            <a:pPr algn="ctr"/>
+            <a:endParaRPr lang="en-US" sz="1350"/>
+          </a:p>
+        </p:txBody>
+      </p:sp>
+      <p:sp>
+        <p:nvSpPr>
+          <p:cNvPr id="4" name="Title 1">
+            <a:extLst>
+              <a:ext uri="{FF2B5EF4-FFF2-40B4-BE49-F238E27FC236}">
+                <a16:creationId xmlns:a16="http://schemas.microsoft.com/office/drawing/2014/main" id="{627D7FA9-CC15-406F-A2B3-23B58B886359}"/>
+              </a:ext>
+            </a:extLst>
+          </p:cNvPr>
+          <p:cNvSpPr txBox="1">
+            <a:spLocks/>
+          </p:cNvSpPr>
+          <p:nvPr/>
+        </p:nvSpPr>
+        <p:spPr>
+          <a:xfrm>
+            <a:off x="2280919" y="129296"/>
+            <a:ext cx="4582160" cy="488510"/>
+          </a:xfrm>
+          <a:prstGeom prst="rect">
+            <a:avLst/>
+          </a:prstGeom>
+        </p:spPr>
+        <p:txBody>
+          <a:bodyPr vert="horz" lIns="68580" tIns="34290" rIns="68580" bIns="34290" rtlCol="0" anchor="b">
+            <a:normAutofit fontScale="97500" lnSpcReduction="10000"/>
+          </a:bodyPr>
+          <a:lstStyle>
+            <a:lvl1pPr algn="l" defTabSz="914400" rtl="0" eaLnBrk="1" latinLnBrk="0" hangingPunct="1">
+              <a:lnSpc>
+                <a:spcPct val="85000"/>
+              </a:lnSpc>
+              <a:spcBef>
+                <a:spcPct val="0"/>
+              </a:spcBef>
+              <a:buNone/>
+              <a:defRPr sz="4800" kern="1200" spc="-50" baseline="0">
+                <a:solidFill>
+                  <a:schemeClr val="tx1">
+                    <a:lumMod val="75000"/>
+                    <a:lumOff val="25000"/>
+                  </a:schemeClr>
+                </a:solidFill>
+                <a:latin typeface="+mj-lt"/>
+                <a:ea typeface="+mj-ea"/>
+                <a:cs typeface="+mj-cs"/>
+              </a:defRPr>
+            </a:lvl1pPr>
+          </a:lstStyle>
+          <a:p>
+            <a:r>
+              <a:rPr lang="en-US" sz="3600" dirty="0">
+                <a:solidFill>
+                  <a:schemeClr val="bg1"/>
+                </a:solidFill>
+              </a:rPr>
+              <a:t>Verification of Datasets</a:t>
+            </a:r>
+          </a:p>
+        </p:txBody>
+      </p:sp>
+      <p:sp>
+        <p:nvSpPr>
+          <p:cNvPr id="8" name="Content Placeholder 9">
+            <a:extLst>
+              <a:ext uri="{FF2B5EF4-FFF2-40B4-BE49-F238E27FC236}">
+                <a16:creationId xmlns:a16="http://schemas.microsoft.com/office/drawing/2014/main" id="{610E3BB3-28C9-484D-9ECC-9D484C4FF180}"/>
+              </a:ext>
+            </a:extLst>
+          </p:cNvPr>
+          <p:cNvSpPr>
+            <a:spLocks noGrp="1"/>
+          </p:cNvSpPr>
+          <p:nvPr>
+            <p:ph idx="1"/>
+          </p:nvPr>
+        </p:nvSpPr>
+        <p:spPr>
+          <a:xfrm>
+            <a:off x="598172" y="979810"/>
+            <a:ext cx="7947655" cy="1817171"/>
+          </a:xfrm>
+        </p:spPr>
+        <p:txBody>
+          <a:bodyPr>
+            <a:normAutofit/>
+          </a:bodyPr>
+          <a:lstStyle/>
+          <a:p>
+            <a:pPr>
+              <a:buFont typeface="Arial" panose="020B0604020202020204" pitchFamily="34" charset="0"/>
+              <a:buChar char="•"/>
+            </a:pPr>
+            <a:r>
+              <a:rPr lang="en-US" sz="2000" dirty="0"/>
+              <a:t>Develop specifications detailing expectations for each dataset</a:t>
+            </a:r>
+          </a:p>
+          <a:p>
+            <a:pPr>
+              <a:buFont typeface="Arial" panose="020B0604020202020204" pitchFamily="34" charset="0"/>
+              <a:buChar char="•"/>
+            </a:pPr>
+            <a:r>
+              <a:rPr lang="en-US" sz="2000" dirty="0"/>
+              <a:t>Demonstrate that data traces from the orbital simulation and telemetry are verifiable with runtime verification (RV)</a:t>
+            </a:r>
+          </a:p>
+        </p:txBody>
+      </p:sp>
+      <p:pic>
+        <p:nvPicPr>
+          <p:cNvPr id="9" name="Picture 8" descr="Graphical user interface, application&#10;&#10;Description automatically generated">
+            <a:extLst>
+              <a:ext uri="{FF2B5EF4-FFF2-40B4-BE49-F238E27FC236}">
+                <a16:creationId xmlns:a16="http://schemas.microsoft.com/office/drawing/2014/main" id="{8A101A58-D946-45E1-985E-2A74755B06DF}"/>
+              </a:ext>
+            </a:extLst>
+          </p:cNvPr>
+          <p:cNvPicPr>
+            <a:picLocks noChangeAspect="1"/>
+          </p:cNvPicPr>
+          <p:nvPr/>
+        </p:nvPicPr>
+        <p:blipFill rotWithShape="1">
+          <a:blip r:embed="rId2" cstate="print">
+            <a:extLst>
+              <a:ext uri="{28A0092B-C50C-407E-A947-70E740481C1C}">
+                <a14:useLocalDpi xmlns:a14="http://schemas.microsoft.com/office/drawing/2010/main" val="0"/>
+              </a:ext>
+            </a:extLst>
+          </a:blip>
+          <a:srcRect l="4005" r="4755"/>
+          <a:stretch/>
+        </p:blipFill>
+        <p:spPr>
+          <a:xfrm>
+            <a:off x="598172" y="2498775"/>
+            <a:ext cx="3523691" cy="1817171"/>
+          </a:xfrm>
+          <a:prstGeom prst="rect">
+            <a:avLst/>
+          </a:prstGeom>
+        </p:spPr>
+      </p:pic>
+      <p:pic>
+        <p:nvPicPr>
+          <p:cNvPr id="10" name="Picture 9">
+            <a:extLst>
+              <a:ext uri="{FF2B5EF4-FFF2-40B4-BE49-F238E27FC236}">
+                <a16:creationId xmlns:a16="http://schemas.microsoft.com/office/drawing/2014/main" id="{A6BA9A3C-AFF0-4298-9EE7-80E4B101568E}"/>
+              </a:ext>
+            </a:extLst>
+          </p:cNvPr>
+          <p:cNvPicPr>
+            <a:picLocks noChangeAspect="1"/>
+          </p:cNvPicPr>
+          <p:nvPr/>
+        </p:nvPicPr>
+        <p:blipFill rotWithShape="1">
+          <a:blip r:embed="rId3" cstate="screen">
+            <a:extLst>
+              <a:ext uri="{28A0092B-C50C-407E-A947-70E740481C1C}">
+                <a14:useLocalDpi xmlns:a14="http://schemas.microsoft.com/office/drawing/2010/main"/>
+              </a:ext>
+            </a:extLst>
+          </a:blip>
+          <a:srcRect/>
+          <a:stretch/>
+        </p:blipFill>
+        <p:spPr>
+          <a:xfrm>
+            <a:off x="4769895" y="3140152"/>
+            <a:ext cx="4115020" cy="534419"/>
+          </a:xfrm>
+          <a:prstGeom prst="rect">
+            <a:avLst/>
+          </a:prstGeom>
+        </p:spPr>
+      </p:pic>
+      <p:pic>
+        <p:nvPicPr>
+          <p:cNvPr id="13" name="Picture 12">
+            <a:extLst>
+              <a:ext uri="{FF2B5EF4-FFF2-40B4-BE49-F238E27FC236}">
+                <a16:creationId xmlns:a16="http://schemas.microsoft.com/office/drawing/2014/main" id="{1B5B2485-8369-4BD4-8BFC-DA068FF7AB60}"/>
+              </a:ext>
+            </a:extLst>
+          </p:cNvPr>
+          <p:cNvPicPr>
+            <a:picLocks noChangeAspect="1"/>
+          </p:cNvPicPr>
+          <p:nvPr/>
+        </p:nvPicPr>
+        <p:blipFill rotWithShape="1">
+          <a:blip r:embed="rId4" cstate="screen">
+            <a:extLst>
+              <a:ext uri="{28A0092B-C50C-407E-A947-70E740481C1C}">
+                <a14:useLocalDpi xmlns:a14="http://schemas.microsoft.com/office/drawing/2010/main"/>
+              </a:ext>
+            </a:extLst>
+          </a:blip>
+          <a:srcRect/>
+          <a:stretch/>
+        </p:blipFill>
+        <p:spPr>
+          <a:xfrm>
+            <a:off x="0" y="0"/>
+            <a:ext cx="1738725" cy="320040"/>
+          </a:xfrm>
+          <a:prstGeom prst="rect">
+            <a:avLst/>
+          </a:prstGeom>
+        </p:spPr>
+      </p:pic>
+      <p:pic>
+        <p:nvPicPr>
+          <p:cNvPr id="14" name="Picture 13">
+            <a:extLst>
+              <a:ext uri="{FF2B5EF4-FFF2-40B4-BE49-F238E27FC236}">
+                <a16:creationId xmlns:a16="http://schemas.microsoft.com/office/drawing/2014/main" id="{6C966120-E4A8-4442-B6C8-06288D6DC37C}"/>
+              </a:ext>
+            </a:extLst>
+          </p:cNvPr>
+          <p:cNvPicPr>
+            <a:picLocks noChangeAspect="1"/>
+          </p:cNvPicPr>
+          <p:nvPr/>
+        </p:nvPicPr>
+        <p:blipFill rotWithShape="1">
+          <a:blip r:embed="rId5" cstate="screen">
+            <a:extLst>
+              <a:ext uri="{28A0092B-C50C-407E-A947-70E740481C1C}">
+                <a14:useLocalDpi xmlns:a14="http://schemas.microsoft.com/office/drawing/2010/main"/>
+              </a:ext>
+            </a:extLst>
+          </a:blip>
+          <a:srcRect/>
+          <a:stretch/>
+        </p:blipFill>
+        <p:spPr>
+          <a:xfrm>
+            <a:off x="0" y="331015"/>
+            <a:ext cx="1737360" cy="413296"/>
+          </a:xfrm>
+          <a:prstGeom prst="rect">
+            <a:avLst/>
+          </a:prstGeom>
+        </p:spPr>
+      </p:pic>
+    </p:spTree>
+    <p:extLst>
+      <p:ext uri="{BB962C8B-B14F-4D97-AF65-F5344CB8AC3E}">
+        <p14:creationId xmlns:p14="http://schemas.microsoft.com/office/powerpoint/2010/main" val="3416203728"/>
+      </p:ext>
+    </p:extLst>
+  </p:cSld>
+  <p:clrMapOvr>
+    <a:masterClrMapping/>
+  </p:clrMapOvr>
+</p:sld>
+</file>
+
+<file path=ppt/slides/slide7.xml><?xml version="1.0" encoding="utf-8"?>
+<p:sld xmlns:a="http://schemas.openxmlformats.org/drawingml/2006/main" xmlns:r="http://schemas.openxmlformats.org/officeDocument/2006/relationships" xmlns:p="http://schemas.openxmlformats.org/presentationml/2006/main">
+  <p:cSld>
+    <p:spTree>
+      <p:nvGrpSpPr>
+        <p:cNvPr id="1" name=""/>
+        <p:cNvGrpSpPr/>
+        <p:nvPr/>
+      </p:nvGrpSpPr>
+      <p:grpSpPr>
+        <a:xfrm>
+          <a:off x="0" y="0"/>
+          <a:ext cx="0" cy="0"/>
+          <a:chOff x="0" y="0"/>
+          <a:chExt cx="0" cy="0"/>
+        </a:xfrm>
+      </p:grpSpPr>
+      <p:sp>
+        <p:nvSpPr>
+          <p:cNvPr id="4" name="Title 1">
+            <a:extLst>
+              <a:ext uri="{FF2B5EF4-FFF2-40B4-BE49-F238E27FC236}">
+                <a16:creationId xmlns:a16="http://schemas.microsoft.com/office/drawing/2014/main" id="{2CFCF1F6-E26F-4763-8D05-21853A09EFBF}"/>
+              </a:ext>
+            </a:extLst>
+          </p:cNvPr>
+          <p:cNvSpPr>
+            <a:spLocks noGrp="1"/>
+          </p:cNvSpPr>
+          <p:nvPr>
+            <p:ph type="title"/>
+          </p:nvPr>
+        </p:nvSpPr>
+        <p:spPr>
+          <a:xfrm>
+            <a:off x="2271133" y="91903"/>
+            <a:ext cx="4601732" cy="535142"/>
+          </a:xfrm>
+        </p:spPr>
+        <p:txBody>
+          <a:bodyPr>
+            <a:normAutofit fontScale="90000"/>
+          </a:bodyPr>
+          <a:lstStyle/>
+          <a:p>
+            <a:r>
+              <a:rPr lang="en-US" sz="2400" dirty="0"/>
+              <a:t>Mission-Bounded Linear Temporal Logic</a:t>
+            </a:r>
+            <a:r>
+              <a:rPr lang="en-US" sz="2400" baseline="30000" dirty="0"/>
+              <a:t>3</a:t>
+            </a:r>
+          </a:p>
+        </p:txBody>
+      </p:sp>
+      <p:sp>
+        <p:nvSpPr>
+          <p:cNvPr id="5" name="Rectangle 4">
+            <a:extLst>
+              <a:ext uri="{FF2B5EF4-FFF2-40B4-BE49-F238E27FC236}">
+                <a16:creationId xmlns:a16="http://schemas.microsoft.com/office/drawing/2014/main" id="{C1BFA22C-8BE9-4425-8F55-807A53F2C637}"/>
+              </a:ext>
+            </a:extLst>
+          </p:cNvPr>
+          <p:cNvSpPr/>
+          <p:nvPr/>
+        </p:nvSpPr>
+        <p:spPr>
+          <a:xfrm>
+            <a:off x="0" y="1114425"/>
+            <a:ext cx="9144000" cy="195943"/>
+          </a:xfrm>
+          <a:prstGeom prst="rect">
+            <a:avLst/>
+          </a:prstGeom>
+          <a:solidFill>
+            <a:schemeClr val="bg1"/>
+          </a:solidFill>
+          <a:ln>
+            <a:noFill/>
+          </a:ln>
+        </p:spPr>
+        <p:style>
+          <a:lnRef idx="2">
+            <a:schemeClr val="accent1">
+              <a:shade val="50000"/>
+            </a:schemeClr>
+          </a:lnRef>
+          <a:fillRef idx="1">
+            <a:schemeClr val="accent1"/>
+          </a:fillRef>
+          <a:effectRef idx="0">
+            <a:schemeClr val="accent1"/>
+          </a:effectRef>
+          <a:fontRef idx="minor">
+            <a:schemeClr val="lt1"/>
+          </a:fontRef>
+        </p:style>
+        <p:txBody>
+          <a:bodyPr rtlCol="0" anchor="ctr"/>
+          <a:lstStyle/>
+          <a:p>
+            <a:pPr algn="ctr"/>
+            <a:endParaRPr lang="en-US" sz="1350"/>
+          </a:p>
+        </p:txBody>
+      </p:sp>
+      <p:sp>
+        <p:nvSpPr>
+          <p:cNvPr id="3" name="Content Placeholder 2">
+            <a:extLst>
+              <a:ext uri="{FF2B5EF4-FFF2-40B4-BE49-F238E27FC236}">
+                <a16:creationId xmlns:a16="http://schemas.microsoft.com/office/drawing/2014/main" id="{2D04CCD1-563E-4627-8163-F2DD40EFEE03}"/>
+              </a:ext>
+            </a:extLst>
+          </p:cNvPr>
+          <p:cNvSpPr>
+            <a:spLocks noGrp="1"/>
+          </p:cNvSpPr>
+          <p:nvPr>
+            <p:ph idx="1"/>
+          </p:nvPr>
+        </p:nvSpPr>
+        <p:spPr>
+          <a:xfrm>
+            <a:off x="284480" y="870735"/>
+            <a:ext cx="8971280" cy="1302249"/>
+          </a:xfrm>
+        </p:spPr>
+        <p:txBody>
+          <a:bodyPr/>
+          <a:lstStyle/>
+          <a:p>
+            <a:pPr marL="0" indent="0">
+              <a:buNone/>
+            </a:pPr>
+            <a:r>
+              <a:rPr lang="en-US" sz="1800" dirty="0"/>
+              <a:t>Mission-Time Temporal Logic (MLTL) reasons about integer-bounded timelines:</a:t>
+            </a:r>
+          </a:p>
+          <a:p>
+            <a:pPr>
+              <a:buFont typeface="Arial" panose="020B0604020202020204" pitchFamily="34" charset="0"/>
+              <a:buChar char="•"/>
+            </a:pPr>
+            <a:r>
+              <a:rPr lang="en-US" sz="1800" dirty="0"/>
+              <a:t>finite set of atomic propositions { p q }</a:t>
+            </a:r>
+          </a:p>
+          <a:p>
+            <a:pPr>
+              <a:buFont typeface="Arial" panose="020B0604020202020204" pitchFamily="34" charset="0"/>
+              <a:buChar char="•"/>
+            </a:pPr>
+            <a:r>
+              <a:rPr lang="en-US" sz="1800" dirty="0"/>
+              <a:t>Boolean connectives:      ,      ,     ,  </a:t>
+            </a:r>
+          </a:p>
+          <a:p>
+            <a:pPr>
+              <a:buFont typeface="Arial" panose="020B0604020202020204" pitchFamily="34" charset="0"/>
+              <a:buChar char="•"/>
+            </a:pPr>
+            <a:r>
+              <a:rPr lang="en-US" sz="1800" dirty="0"/>
+              <a:t>Temporal connectives with time bounds</a:t>
+            </a:r>
+          </a:p>
+        </p:txBody>
+      </p:sp>
+      <p:pic>
+        <p:nvPicPr>
+          <p:cNvPr id="6" name="Picture 5">
+            <a:extLst>
+              <a:ext uri="{FF2B5EF4-FFF2-40B4-BE49-F238E27FC236}">
+                <a16:creationId xmlns:a16="http://schemas.microsoft.com/office/drawing/2014/main" id="{1B7EA449-279E-40BD-96A8-4A4749F7EBC7}"/>
+              </a:ext>
+            </a:extLst>
+          </p:cNvPr>
+          <p:cNvPicPr>
+            <a:picLocks noChangeAspect="1"/>
+          </p:cNvPicPr>
+          <p:nvPr/>
+        </p:nvPicPr>
+        <p:blipFill rotWithShape="1">
+          <a:blip r:embed="rId2"/>
+          <a:srcRect l="4467" t="19326" r="5703" b="28689"/>
+          <a:stretch/>
+        </p:blipFill>
+        <p:spPr>
+          <a:xfrm>
+            <a:off x="1944283" y="2414076"/>
+            <a:ext cx="5255433" cy="1710728"/>
+          </a:xfrm>
+          <a:prstGeom prst="rect">
+            <a:avLst/>
+          </a:prstGeom>
+        </p:spPr>
+      </p:pic>
+      <p:sp>
+        <p:nvSpPr>
+          <p:cNvPr id="7" name="Rectangle 6">
+            <a:extLst>
+              <a:ext uri="{FF2B5EF4-FFF2-40B4-BE49-F238E27FC236}">
+                <a16:creationId xmlns:a16="http://schemas.microsoft.com/office/drawing/2014/main" id="{14F246A8-0F4F-46F6-B508-E3BEBAE9C1B3}"/>
+              </a:ext>
+            </a:extLst>
+          </p:cNvPr>
+          <p:cNvSpPr/>
+          <p:nvPr/>
+        </p:nvSpPr>
+        <p:spPr>
+          <a:xfrm>
+            <a:off x="984177" y="4348752"/>
+            <a:ext cx="3207544" cy="34289"/>
+          </a:xfrm>
+          <a:prstGeom prst="rect">
+            <a:avLst/>
+          </a:prstGeom>
+          <a:solidFill>
+            <a:schemeClr val="bg1"/>
+          </a:solidFill>
+          <a:ln>
+            <a:noFill/>
+          </a:ln>
+        </p:spPr>
+        <p:style>
+          <a:lnRef idx="2">
+            <a:schemeClr val="accent1">
+              <a:shade val="50000"/>
+            </a:schemeClr>
+          </a:lnRef>
+          <a:fillRef idx="1">
+            <a:schemeClr val="accent1"/>
+          </a:fillRef>
+          <a:effectRef idx="0">
+            <a:schemeClr val="accent1"/>
+          </a:effectRef>
+          <a:fontRef idx="minor">
+            <a:schemeClr val="lt1"/>
+          </a:fontRef>
+        </p:style>
+        <p:txBody>
+          <a:bodyPr rtlCol="0" anchor="ctr"/>
+          <a:lstStyle/>
+          <a:p>
+            <a:pPr algn="ctr"/>
+            <a:endParaRPr lang="en-US" sz="1350"/>
+          </a:p>
+        </p:txBody>
+      </p:sp>
+      <p:sp>
+        <p:nvSpPr>
+          <p:cNvPr id="11" name="Rectangle 10">
+            <a:extLst>
+              <a:ext uri="{FF2B5EF4-FFF2-40B4-BE49-F238E27FC236}">
+                <a16:creationId xmlns:a16="http://schemas.microsoft.com/office/drawing/2014/main" id="{CED4C335-9E10-47F2-A65D-7552DAB9F7BA}"/>
+              </a:ext>
+            </a:extLst>
+          </p:cNvPr>
+          <p:cNvSpPr/>
+          <p:nvPr/>
+        </p:nvSpPr>
+        <p:spPr>
+          <a:xfrm>
+            <a:off x="1483638" y="4094028"/>
+            <a:ext cx="2822399" cy="105138"/>
+          </a:xfrm>
+          <a:prstGeom prst="rect">
+            <a:avLst/>
+          </a:prstGeom>
+          <a:solidFill>
+            <a:schemeClr val="bg1"/>
+          </a:solidFill>
+          <a:ln>
+            <a:noFill/>
+          </a:ln>
+        </p:spPr>
+        <p:style>
+          <a:lnRef idx="2">
+            <a:schemeClr val="accent1">
+              <a:shade val="50000"/>
+            </a:schemeClr>
+          </a:lnRef>
+          <a:fillRef idx="1">
+            <a:schemeClr val="accent1"/>
+          </a:fillRef>
+          <a:effectRef idx="0">
+            <a:schemeClr val="accent1"/>
+          </a:effectRef>
+          <a:fontRef idx="minor">
+            <a:schemeClr val="lt1"/>
+          </a:fontRef>
+        </p:style>
+        <p:txBody>
+          <a:bodyPr rtlCol="0" anchor="ctr"/>
+          <a:lstStyle/>
+          <a:p>
+            <a:pPr algn="ctr"/>
+            <a:endParaRPr lang="en-US" sz="1350"/>
+          </a:p>
+        </p:txBody>
+      </p:sp>
+      <p:sp>
+        <p:nvSpPr>
+          <p:cNvPr id="12" name="TextBox 11">
+            <a:extLst>
+              <a:ext uri="{FF2B5EF4-FFF2-40B4-BE49-F238E27FC236}">
+                <a16:creationId xmlns:a16="http://schemas.microsoft.com/office/drawing/2014/main" id="{F3B9EC1D-CC50-45BA-9CB2-F79BC174919E}"/>
+              </a:ext>
+            </a:extLst>
+          </p:cNvPr>
+          <p:cNvSpPr txBox="1"/>
+          <p:nvPr/>
+        </p:nvSpPr>
+        <p:spPr>
+          <a:xfrm>
+            <a:off x="675979" y="4365896"/>
+            <a:ext cx="8229593" cy="461665"/>
+          </a:xfrm>
+          <a:prstGeom prst="rect">
+            <a:avLst/>
+          </a:prstGeom>
+          <a:noFill/>
+        </p:spPr>
+        <p:txBody>
+          <a:bodyPr wrap="square" rtlCol="0">
+            <a:spAutoFit/>
+          </a:bodyPr>
+          <a:lstStyle/>
+          <a:p>
+            <a:r>
+              <a:rPr lang="en-US" sz="1200" dirty="0"/>
+              <a:t>3. T. </a:t>
+            </a:r>
+            <a:r>
+              <a:rPr lang="en-US" sz="1200" dirty="0" err="1"/>
+              <a:t>Reinbacher</a:t>
+            </a:r>
+            <a:r>
+              <a:rPr lang="en-US" sz="1200" dirty="0"/>
+              <a:t>, K.Y. Rozier, J. Schumann. “Temporal-Logic Based Runtime Observer Pairs for System Health Management of Real-Time Systems.” TACAS 2014.</a:t>
+            </a:r>
+          </a:p>
+        </p:txBody>
+      </p:sp>
+      <p:pic>
+        <p:nvPicPr>
+          <p:cNvPr id="13" name="Picture 12">
+            <a:extLst>
+              <a:ext uri="{FF2B5EF4-FFF2-40B4-BE49-F238E27FC236}">
+                <a16:creationId xmlns:a16="http://schemas.microsoft.com/office/drawing/2014/main" id="{51FB666B-EF71-4EBB-9640-FF3DF3596AC0}"/>
+              </a:ext>
+            </a:extLst>
+          </p:cNvPr>
+          <p:cNvPicPr>
+            <a:picLocks noChangeAspect="1"/>
+          </p:cNvPicPr>
+          <p:nvPr/>
+        </p:nvPicPr>
+        <p:blipFill rotWithShape="1">
+          <a:blip r:embed="rId3"/>
+          <a:srcRect l="31015" t="38194" r="66797" b="57381"/>
+          <a:stretch/>
+        </p:blipFill>
+        <p:spPr>
+          <a:xfrm>
+            <a:off x="2971913" y="1554058"/>
+            <a:ext cx="200025" cy="227528"/>
+          </a:xfrm>
+          <a:prstGeom prst="rect">
+            <a:avLst/>
+          </a:prstGeom>
+        </p:spPr>
+      </p:pic>
+      <p:pic>
+        <p:nvPicPr>
+          <p:cNvPr id="14" name="Picture 13">
+            <a:extLst>
+              <a:ext uri="{FF2B5EF4-FFF2-40B4-BE49-F238E27FC236}">
+                <a16:creationId xmlns:a16="http://schemas.microsoft.com/office/drawing/2014/main" id="{64590208-4B09-46A0-B834-E656B8D94B0E}"/>
+              </a:ext>
+            </a:extLst>
+          </p:cNvPr>
+          <p:cNvPicPr>
+            <a:picLocks noChangeAspect="1"/>
+          </p:cNvPicPr>
+          <p:nvPr/>
+        </p:nvPicPr>
+        <p:blipFill rotWithShape="1">
+          <a:blip r:embed="rId3"/>
+          <a:srcRect l="40223" t="37083" r="56953" b="56456"/>
+          <a:stretch/>
+        </p:blipFill>
+        <p:spPr>
+          <a:xfrm>
+            <a:off x="3347882" y="1511465"/>
+            <a:ext cx="258218" cy="332291"/>
+          </a:xfrm>
+          <a:prstGeom prst="rect">
+            <a:avLst/>
+          </a:prstGeom>
+        </p:spPr>
+      </p:pic>
+      <p:pic>
+        <p:nvPicPr>
+          <p:cNvPr id="15" name="Picture 14">
+            <a:extLst>
+              <a:ext uri="{FF2B5EF4-FFF2-40B4-BE49-F238E27FC236}">
+                <a16:creationId xmlns:a16="http://schemas.microsoft.com/office/drawing/2014/main" id="{112E5746-709A-4CA2-B9E3-9F948F7A4BAC}"/>
+              </a:ext>
+            </a:extLst>
+          </p:cNvPr>
+          <p:cNvPicPr>
+            <a:picLocks noChangeAspect="1"/>
+          </p:cNvPicPr>
+          <p:nvPr/>
+        </p:nvPicPr>
+        <p:blipFill rotWithShape="1">
+          <a:blip r:embed="rId3"/>
+          <a:srcRect l="51786" t="36896" r="45390" b="56643"/>
+          <a:stretch/>
+        </p:blipFill>
+        <p:spPr>
+          <a:xfrm>
+            <a:off x="3801000" y="1501676"/>
+            <a:ext cx="258218" cy="332291"/>
+          </a:xfrm>
+          <a:prstGeom prst="rect">
+            <a:avLst/>
+          </a:prstGeom>
+        </p:spPr>
+      </p:pic>
+      <p:cxnSp>
+        <p:nvCxnSpPr>
+          <p:cNvPr id="16" name="Straight Arrow Connector 15">
+            <a:extLst>
+              <a:ext uri="{FF2B5EF4-FFF2-40B4-BE49-F238E27FC236}">
+                <a16:creationId xmlns:a16="http://schemas.microsoft.com/office/drawing/2014/main" id="{5A6BCADE-3E30-45B2-BA99-65F4A72EB997}"/>
+              </a:ext>
+            </a:extLst>
+          </p:cNvPr>
+          <p:cNvCxnSpPr>
+            <a:cxnSpLocks/>
+          </p:cNvCxnSpPr>
+          <p:nvPr/>
+        </p:nvCxnSpPr>
+        <p:spPr>
+          <a:xfrm>
+            <a:off x="4201204" y="1708461"/>
+            <a:ext cx="244316" cy="0"/>
+          </a:xfrm>
+          <a:prstGeom prst="straightConnector1">
+            <a:avLst/>
+          </a:prstGeom>
+          <a:ln w="19050">
+            <a:solidFill>
+              <a:schemeClr val="tx1"/>
+            </a:solidFill>
+            <a:headEnd type="none" w="med" len="med"/>
+            <a:tailEnd type="arrow" w="med" len="med"/>
+          </a:ln>
+        </p:spPr>
+        <p:style>
+          <a:lnRef idx="1">
+            <a:schemeClr val="accent1"/>
+          </a:lnRef>
+          <a:fillRef idx="0">
+            <a:schemeClr val="accent1"/>
+          </a:fillRef>
+          <a:effectRef idx="0">
+            <a:schemeClr val="accent1"/>
+          </a:effectRef>
+          <a:fontRef idx="minor">
+            <a:schemeClr val="tx1"/>
+          </a:fontRef>
+        </p:style>
+      </p:cxnSp>
+      <p:pic>
+        <p:nvPicPr>
+          <p:cNvPr id="17" name="Picture 16">
+            <a:extLst>
+              <a:ext uri="{FF2B5EF4-FFF2-40B4-BE49-F238E27FC236}">
+                <a16:creationId xmlns:a16="http://schemas.microsoft.com/office/drawing/2014/main" id="{F973B115-5514-452B-9B95-D18A4AD5A8F7}"/>
+              </a:ext>
+            </a:extLst>
+          </p:cNvPr>
+          <p:cNvPicPr>
+            <a:picLocks noChangeAspect="1"/>
+          </p:cNvPicPr>
+          <p:nvPr/>
+        </p:nvPicPr>
+        <p:blipFill rotWithShape="1">
+          <a:blip r:embed="rId4" cstate="screen">
+            <a:extLst>
+              <a:ext uri="{28A0092B-C50C-407E-A947-70E740481C1C}">
+                <a14:useLocalDpi xmlns:a14="http://schemas.microsoft.com/office/drawing/2010/main"/>
+              </a:ext>
+            </a:extLst>
+          </a:blip>
+          <a:srcRect/>
+          <a:stretch/>
+        </p:blipFill>
+        <p:spPr>
+          <a:xfrm>
+            <a:off x="0" y="0"/>
+            <a:ext cx="1738725" cy="320040"/>
+          </a:xfrm>
+          <a:prstGeom prst="rect">
+            <a:avLst/>
+          </a:prstGeom>
+        </p:spPr>
+      </p:pic>
+      <p:pic>
+        <p:nvPicPr>
+          <p:cNvPr id="20" name="Picture 19">
+            <a:extLst>
+              <a:ext uri="{FF2B5EF4-FFF2-40B4-BE49-F238E27FC236}">
+                <a16:creationId xmlns:a16="http://schemas.microsoft.com/office/drawing/2014/main" id="{36EB7BE6-0147-481E-BFA2-82CEDBF5D08B}"/>
+              </a:ext>
+            </a:extLst>
+          </p:cNvPr>
+          <p:cNvPicPr>
+            <a:picLocks noChangeAspect="1"/>
+          </p:cNvPicPr>
+          <p:nvPr/>
+        </p:nvPicPr>
+        <p:blipFill rotWithShape="1">
+          <a:blip r:embed="rId5" cstate="screen">
+            <a:extLst>
+              <a:ext uri="{28A0092B-C50C-407E-A947-70E740481C1C}">
+                <a14:useLocalDpi xmlns:a14="http://schemas.microsoft.com/office/drawing/2010/main"/>
+              </a:ext>
+            </a:extLst>
+          </a:blip>
+          <a:srcRect/>
+          <a:stretch/>
+        </p:blipFill>
+        <p:spPr>
+          <a:xfrm>
+            <a:off x="0" y="331015"/>
+            <a:ext cx="1737360" cy="413296"/>
+          </a:xfrm>
+          <a:prstGeom prst="rect">
+            <a:avLst/>
+          </a:prstGeom>
+        </p:spPr>
+      </p:pic>
+    </p:spTree>
+    <p:extLst>
+      <p:ext uri="{BB962C8B-B14F-4D97-AF65-F5344CB8AC3E}">
+        <p14:creationId xmlns:p14="http://schemas.microsoft.com/office/powerpoint/2010/main" val="394537034"/>
+      </p:ext>
+    </p:extLst>
+  </p:cSld>
+  <p:clrMapOvr>
+    <a:masterClrMapping/>
+  </p:clrMapOvr>
+</p:sld>
+</file>
+
+<file path=ppt/slides/slide8.xml><?xml version="1.0" encoding="utf-8"?>
+<p:sld xmlns:a="http://schemas.openxmlformats.org/drawingml/2006/main" xmlns:r="http://schemas.openxmlformats.org/officeDocument/2006/relationships" xmlns:p="http://schemas.openxmlformats.org/presentationml/2006/main">
+  <p:cSld>
+    <p:spTree>
+      <p:nvGrpSpPr>
+        <p:cNvPr id="1" name=""/>
+        <p:cNvGrpSpPr/>
+        <p:nvPr/>
+      </p:nvGrpSpPr>
+      <p:grpSpPr>
+        <a:xfrm>
+          <a:off x="0" y="0"/>
+          <a:ext cx="0" cy="0"/>
+          <a:chOff x="0" y="0"/>
+          <a:chExt cx="0" cy="0"/>
+        </a:xfrm>
+      </p:grpSpPr>
+      <p:sp>
+        <p:nvSpPr>
+          <p:cNvPr id="4" name="Rectangle 3">
+            <a:extLst>
+              <a:ext uri="{FF2B5EF4-FFF2-40B4-BE49-F238E27FC236}">
+                <a16:creationId xmlns:a16="http://schemas.microsoft.com/office/drawing/2014/main" id="{F1567BB6-6D6C-4EBC-9C7D-F392256D9A21}"/>
+              </a:ext>
+            </a:extLst>
+          </p:cNvPr>
+          <p:cNvSpPr/>
+          <p:nvPr/>
+        </p:nvSpPr>
+        <p:spPr>
+          <a:xfrm>
+            <a:off x="547099" y="1109610"/>
+            <a:ext cx="8298951" cy="470042"/>
+          </a:xfrm>
+          <a:prstGeom prst="rect">
+            <a:avLst/>
+          </a:prstGeom>
+          <a:solidFill>
+            <a:schemeClr val="bg1"/>
+          </a:solidFill>
+          <a:ln>
+            <a:noFill/>
+          </a:ln>
+        </p:spPr>
+        <p:style>
+          <a:lnRef idx="2">
+            <a:schemeClr val="accent1">
+              <a:shade val="50000"/>
+            </a:schemeClr>
+          </a:lnRef>
+          <a:fillRef idx="1">
+            <a:schemeClr val="accent1"/>
+          </a:fillRef>
+          <a:effectRef idx="0">
+            <a:schemeClr val="accent1"/>
+          </a:effectRef>
+          <a:fontRef idx="minor">
+            <a:schemeClr val="lt1"/>
+          </a:fontRef>
+        </p:style>
+        <p:txBody>
+          <a:bodyPr rtlCol="0" anchor="ctr"/>
+          <a:lstStyle/>
+          <a:p>
+            <a:pPr algn="ctr"/>
+            <a:endParaRPr lang="en-US" sz="1350"/>
+          </a:p>
+        </p:txBody>
+      </p:sp>
+      <p:pic>
+        <p:nvPicPr>
+          <p:cNvPr id="1026" name="Picture 2">
+            <a:extLst>
+              <a:ext uri="{FF2B5EF4-FFF2-40B4-BE49-F238E27FC236}">
+                <a16:creationId xmlns:a16="http://schemas.microsoft.com/office/drawing/2014/main" id="{48040356-4016-4257-952F-CF9B387B6CE5}"/>
+              </a:ext>
+            </a:extLst>
+          </p:cNvPr>
+          <p:cNvPicPr>
+            <a:picLocks noChangeAspect="1" noChangeArrowheads="1"/>
+          </p:cNvPicPr>
+          <p:nvPr/>
+        </p:nvPicPr>
+        <p:blipFill>
+          <a:blip r:embed="rId2">
+            <a:extLst>
+              <a:ext uri="{28A0092B-C50C-407E-A947-70E740481C1C}">
+                <a14:useLocalDpi xmlns:a14="http://schemas.microsoft.com/office/drawing/2010/main" val="0"/>
+              </a:ext>
+            </a:extLst>
+          </a:blip>
+          <a:srcRect/>
+          <a:stretch>
+            <a:fillRect/>
+          </a:stretch>
+        </p:blipFill>
+        <p:spPr bwMode="auto">
+          <a:xfrm>
+            <a:off x="2237830" y="1000299"/>
+            <a:ext cx="4668340" cy="3608378"/>
+          </a:xfrm>
+          <a:prstGeom prst="rect">
+            <a:avLst/>
+          </a:prstGeom>
+          <a:noFill/>
+          <a:extLst>
+            <a:ext uri="{909E8E84-426E-40DD-AFC4-6F175D3DCCD1}">
+              <a14:hiddenFill xmlns:a14="http://schemas.microsoft.com/office/drawing/2010/main">
+                <a:solidFill>
+                  <a:srgbClr val="FFFFFF"/>
+                </a:solidFill>
+              </a14:hiddenFill>
+            </a:ext>
+          </a:extLst>
+        </p:spPr>
+      </p:pic>
+      <p:sp>
+        <p:nvSpPr>
+          <p:cNvPr id="6" name="Title 1">
+            <a:extLst>
+              <a:ext uri="{FF2B5EF4-FFF2-40B4-BE49-F238E27FC236}">
+                <a16:creationId xmlns:a16="http://schemas.microsoft.com/office/drawing/2014/main" id="{FDD25400-847C-4713-8138-06A16405BB46}"/>
+              </a:ext>
+            </a:extLst>
+          </p:cNvPr>
+          <p:cNvSpPr>
+            <a:spLocks noGrp="1"/>
+          </p:cNvSpPr>
+          <p:nvPr>
+            <p:ph type="title"/>
+          </p:nvPr>
+        </p:nvSpPr>
+        <p:spPr>
+          <a:xfrm>
+            <a:off x="1915159" y="111027"/>
+            <a:ext cx="5313680" cy="535142"/>
+          </a:xfrm>
+        </p:spPr>
+        <p:txBody>
+          <a:bodyPr>
+            <a:normAutofit fontScale="90000"/>
+          </a:bodyPr>
+          <a:lstStyle/>
+          <a:p>
+            <a:r>
+              <a:rPr lang="en-US" dirty="0"/>
+              <a:t>Realizable, Responsive, Unobtrusive Unit (R2U2)</a:t>
+            </a:r>
+          </a:p>
+        </p:txBody>
+      </p:sp>
+      <p:pic>
+        <p:nvPicPr>
+          <p:cNvPr id="7" name="Picture 6">
+            <a:extLst>
+              <a:ext uri="{FF2B5EF4-FFF2-40B4-BE49-F238E27FC236}">
+                <a16:creationId xmlns:a16="http://schemas.microsoft.com/office/drawing/2014/main" id="{FE5F1C58-ACB6-4702-8616-CBF02532B3E8}"/>
+              </a:ext>
+            </a:extLst>
+          </p:cNvPr>
+          <p:cNvPicPr>
+            <a:picLocks noChangeAspect="1"/>
+          </p:cNvPicPr>
+          <p:nvPr/>
+        </p:nvPicPr>
+        <p:blipFill rotWithShape="1">
+          <a:blip r:embed="rId3" cstate="screen">
+            <a:extLst>
+              <a:ext uri="{28A0092B-C50C-407E-A947-70E740481C1C}">
+                <a14:useLocalDpi xmlns:a14="http://schemas.microsoft.com/office/drawing/2010/main"/>
+              </a:ext>
+            </a:extLst>
+          </a:blip>
+          <a:srcRect/>
+          <a:stretch/>
+        </p:blipFill>
+        <p:spPr>
+          <a:xfrm>
+            <a:off x="0" y="0"/>
+            <a:ext cx="1738725" cy="320040"/>
+          </a:xfrm>
+          <a:prstGeom prst="rect">
+            <a:avLst/>
+          </a:prstGeom>
+        </p:spPr>
+      </p:pic>
+      <p:pic>
+        <p:nvPicPr>
+          <p:cNvPr id="8" name="Picture 7">
+            <a:extLst>
+              <a:ext uri="{FF2B5EF4-FFF2-40B4-BE49-F238E27FC236}">
+                <a16:creationId xmlns:a16="http://schemas.microsoft.com/office/drawing/2014/main" id="{2FCE15EC-B2AF-4427-B5E2-AF6496B35B9B}"/>
+              </a:ext>
+            </a:extLst>
+          </p:cNvPr>
+          <p:cNvPicPr>
+            <a:picLocks noChangeAspect="1"/>
+          </p:cNvPicPr>
+          <p:nvPr/>
+        </p:nvPicPr>
+        <p:blipFill rotWithShape="1">
+          <a:blip r:embed="rId4" cstate="screen">
+            <a:extLst>
+              <a:ext uri="{28A0092B-C50C-407E-A947-70E740481C1C}">
+                <a14:useLocalDpi xmlns:a14="http://schemas.microsoft.com/office/drawing/2010/main"/>
+              </a:ext>
+            </a:extLst>
+          </a:blip>
+          <a:srcRect/>
+          <a:stretch/>
+        </p:blipFill>
+        <p:spPr>
+          <a:xfrm>
+            <a:off x="0" y="331015"/>
+            <a:ext cx="1737360" cy="413296"/>
+          </a:xfrm>
+          <a:prstGeom prst="rect">
+            <a:avLst/>
+          </a:prstGeom>
+        </p:spPr>
+      </p:pic>
+    </p:spTree>
+    <p:extLst>
+      <p:ext uri="{BB962C8B-B14F-4D97-AF65-F5344CB8AC3E}">
+        <p14:creationId xmlns:p14="http://schemas.microsoft.com/office/powerpoint/2010/main" val="3767475104"/>
+      </p:ext>
+    </p:extLst>
+  </p:cSld>
+  <p:clrMapOvr>
+    <a:masterClrMapping/>
+  </p:clrMapOvr>
+</p:sld>
+</file>
+
+<file path=ppt/slides/slide9.xml><?xml version="1.0" encoding="utf-8"?>
+<p:sld xmlns:a="http://schemas.openxmlformats.org/drawingml/2006/main" xmlns:r="http://schemas.openxmlformats.org/officeDocument/2006/relationships" xmlns:p="http://schemas.openxmlformats.org/presentationml/2006/main">
+  <p:cSld>
+    <p:spTree>
+      <p:nvGrpSpPr>
+        <p:cNvPr id="1" name=""/>
+        <p:cNvGrpSpPr/>
+        <p:nvPr/>
+      </p:nvGrpSpPr>
+      <p:grpSpPr>
+        <a:xfrm>
+          <a:off x="0" y="0"/>
+          <a:ext cx="0" cy="0"/>
+          <a:chOff x="0" y="0"/>
+          <a:chExt cx="0" cy="0"/>
+        </a:xfrm>
+      </p:grpSpPr>
+      <p:grpSp>
+        <p:nvGrpSpPr>
+          <p:cNvPr id="8" name="Group 7">
+            <a:extLst>
+              <a:ext uri="{FF2B5EF4-FFF2-40B4-BE49-F238E27FC236}">
+                <a16:creationId xmlns:a16="http://schemas.microsoft.com/office/drawing/2014/main" id="{24C0EB40-AD1E-452B-8698-8834E35E4D56}"/>
+              </a:ext>
+            </a:extLst>
+          </p:cNvPr>
+          <p:cNvGrpSpPr/>
+          <p:nvPr/>
+        </p:nvGrpSpPr>
+        <p:grpSpPr>
+          <a:xfrm>
+            <a:off x="807720" y="971312"/>
+            <a:ext cx="7528560" cy="3570208"/>
+            <a:chOff x="81312" y="282507"/>
+            <a:chExt cx="12029376" cy="5651568"/>
+          </a:xfrm>
+        </p:grpSpPr>
+        <p:pic>
+          <p:nvPicPr>
+            <p:cNvPr id="4" name="Picture 3" descr="A screenshot of a cell phone&#10;&#10;Description automatically generated">
+              <a:extLst>
+                <a:ext uri="{FF2B5EF4-FFF2-40B4-BE49-F238E27FC236}">
+                  <a16:creationId xmlns:a16="http://schemas.microsoft.com/office/drawing/2014/main" id="{EDE19997-9531-4532-A824-C4D8237B397A}"/>
+                </a:ext>
+              </a:extLst>
+            </p:cNvPr>
+            <p:cNvPicPr>
+              <a:picLocks noChangeAspect="1"/>
+            </p:cNvPicPr>
+            <p:nvPr/>
+          </p:nvPicPr>
+          <p:blipFill>
+            <a:blip r:embed="rId2" cstate="print">
+              <a:extLst>
+                <a:ext uri="{28A0092B-C50C-407E-A947-70E740481C1C}">
+                  <a14:useLocalDpi xmlns:a14="http://schemas.microsoft.com/office/drawing/2010/main" val="0"/>
+                </a:ext>
+              </a:extLst>
+            </a:blip>
+            <a:stretch>
+              <a:fillRect/>
+            </a:stretch>
+          </p:blipFill>
+          <p:spPr>
+            <a:xfrm>
+              <a:off x="81312" y="282507"/>
+              <a:ext cx="12029376" cy="5651568"/>
+            </a:xfrm>
+            <a:prstGeom prst="rect">
+              <a:avLst/>
+            </a:prstGeom>
+          </p:spPr>
+        </p:pic>
+        <p:pic>
+          <p:nvPicPr>
+            <p:cNvPr id="5" name="Picture 4" descr="A screenshot of a cell phone&#10;&#10;Description automatically generated">
+              <a:extLst>
+                <a:ext uri="{FF2B5EF4-FFF2-40B4-BE49-F238E27FC236}">
+                  <a16:creationId xmlns:a16="http://schemas.microsoft.com/office/drawing/2014/main" id="{B2772652-93F5-4FA4-88E3-6FAFCC730CB7}"/>
+                </a:ext>
+              </a:extLst>
+            </p:cNvPr>
+            <p:cNvPicPr>
+              <a:picLocks noChangeAspect="1"/>
+            </p:cNvPicPr>
+            <p:nvPr/>
+          </p:nvPicPr>
+          <p:blipFill rotWithShape="1">
+            <a:blip r:embed="rId2" cstate="print">
+              <a:extLst>
+                <a:ext uri="{28A0092B-C50C-407E-A947-70E740481C1C}">
+                  <a14:useLocalDpi xmlns:a14="http://schemas.microsoft.com/office/drawing/2010/main" val="0"/>
+                </a:ext>
+              </a:extLst>
+            </a:blip>
+            <a:srcRect l="24662" t="5673" r="60294" b="76124"/>
+            <a:stretch/>
+          </p:blipFill>
+          <p:spPr>
+            <a:xfrm>
+              <a:off x="7305675" y="571501"/>
+              <a:ext cx="1809750" cy="1028699"/>
+            </a:xfrm>
+            <a:prstGeom prst="rect">
+              <a:avLst/>
+            </a:prstGeom>
+          </p:spPr>
+        </p:pic>
+        <p:sp>
+          <p:nvSpPr>
+            <p:cNvPr id="6" name="TextBox 5">
+              <a:extLst>
+                <a:ext uri="{FF2B5EF4-FFF2-40B4-BE49-F238E27FC236}">
+                  <a16:creationId xmlns:a16="http://schemas.microsoft.com/office/drawing/2014/main" id="{23DD1FCA-D06F-4EEC-A075-37DF2C8C578E}"/>
+                </a:ext>
+              </a:extLst>
+            </p:cNvPr>
+            <p:cNvSpPr txBox="1"/>
+            <p:nvPr/>
+          </p:nvSpPr>
+          <p:spPr>
+            <a:xfrm>
+              <a:off x="7234237" y="1575554"/>
               <a:ext cx="1933575" cy="954108"/>
             </a:xfrm>
             <a:prstGeom prst="rect">
@@ -9528,171 +11104,12 @@
           </p:txBody>
         </p:sp>
       </p:grpSp>
-      <p:sp>
-        <p:nvSpPr>
-          <p:cNvPr id="11" name="Rectangle: Rounded Corners 10">
-            <a:extLst>
-              <a:ext uri="{FF2B5EF4-FFF2-40B4-BE49-F238E27FC236}">
-                <a16:creationId xmlns:a16="http://schemas.microsoft.com/office/drawing/2014/main" id="{A682C352-7F3E-44DA-8F2D-0C172BFC5814}"/>
-              </a:ext>
-            </a:extLst>
-          </p:cNvPr>
-          <p:cNvSpPr/>
-          <p:nvPr/>
-        </p:nvSpPr>
-        <p:spPr>
-          <a:xfrm>
-            <a:off x="2328862" y="3381973"/>
-            <a:ext cx="5186363" cy="721519"/>
-          </a:xfrm>
-          <a:prstGeom prst="roundRect">
-            <a:avLst/>
-          </a:prstGeom>
-          <a:solidFill>
-            <a:schemeClr val="bg1"/>
-          </a:solidFill>
-          <a:ln>
-            <a:noFill/>
-          </a:ln>
-        </p:spPr>
-        <p:style>
-          <a:lnRef idx="2">
-            <a:schemeClr val="accent1">
-              <a:shade val="50000"/>
-            </a:schemeClr>
-          </a:lnRef>
-          <a:fillRef idx="1">
-            <a:schemeClr val="accent1"/>
-          </a:fillRef>
-          <a:effectRef idx="0">
-            <a:schemeClr val="accent1"/>
-          </a:effectRef>
-          <a:fontRef idx="minor">
-            <a:schemeClr val="lt1"/>
-          </a:fontRef>
-        </p:style>
-        <p:txBody>
-          <a:bodyPr rot="0" spcFirstLastPara="0" vertOverflow="overflow" horzOverflow="overflow" vert="horz" wrap="square" lIns="68580" tIns="34290" rIns="68580" bIns="34290" numCol="1" spcCol="0" rtlCol="0" fromWordArt="0" anchor="ctr" anchorCtr="0" forceAA="0" compatLnSpc="1">
-            <a:prstTxWarp prst="textNoShape">
-              <a:avLst/>
-            </a:prstTxWarp>
-            <a:noAutofit/>
-          </a:bodyPr>
-          <a:lstStyle/>
-          <a:p>
-            <a:pPr algn="ctr"/>
-            <a:endParaRPr lang="en-US" sz="1350"/>
-          </a:p>
-        </p:txBody>
-      </p:sp>
-      <p:sp>
-        <p:nvSpPr>
-          <p:cNvPr id="12" name="Rectangle: Rounded Corners 11">
-            <a:extLst>
-              <a:ext uri="{FF2B5EF4-FFF2-40B4-BE49-F238E27FC236}">
-                <a16:creationId xmlns:a16="http://schemas.microsoft.com/office/drawing/2014/main" id="{2001C07C-20FF-4D83-A100-5E4C8C1CACB3}"/>
-              </a:ext>
-            </a:extLst>
-          </p:cNvPr>
-          <p:cNvSpPr/>
-          <p:nvPr/>
-        </p:nvSpPr>
-        <p:spPr>
-          <a:xfrm>
-            <a:off x="2443162" y="4121309"/>
-            <a:ext cx="5186363" cy="721519"/>
-          </a:xfrm>
-          <a:prstGeom prst="roundRect">
-            <a:avLst/>
-          </a:prstGeom>
-          <a:solidFill>
-            <a:schemeClr val="bg1"/>
-          </a:solidFill>
-          <a:ln>
-            <a:noFill/>
-          </a:ln>
-        </p:spPr>
-        <p:style>
-          <a:lnRef idx="2">
-            <a:schemeClr val="accent1">
-              <a:shade val="50000"/>
-            </a:schemeClr>
-          </a:lnRef>
-          <a:fillRef idx="1">
-            <a:schemeClr val="accent1"/>
-          </a:fillRef>
-          <a:effectRef idx="0">
-            <a:schemeClr val="accent1"/>
-          </a:effectRef>
-          <a:fontRef idx="minor">
-            <a:schemeClr val="lt1"/>
-          </a:fontRef>
-        </p:style>
-        <p:txBody>
-          <a:bodyPr rot="0" spcFirstLastPara="0" vertOverflow="overflow" horzOverflow="overflow" vert="horz" wrap="square" lIns="68580" tIns="34290" rIns="68580" bIns="34290" numCol="1" spcCol="0" rtlCol="0" fromWordArt="0" anchor="ctr" anchorCtr="0" forceAA="0" compatLnSpc="1">
-            <a:prstTxWarp prst="textNoShape">
-              <a:avLst/>
-            </a:prstTxWarp>
-            <a:noAutofit/>
-          </a:bodyPr>
-          <a:lstStyle/>
-          <a:p>
-            <a:pPr algn="ctr"/>
-            <a:endParaRPr lang="en-US" sz="1350"/>
-          </a:p>
-        </p:txBody>
-      </p:sp>
-      <p:cxnSp>
-        <p:nvCxnSpPr>
-          <p:cNvPr id="14" name="Straight Connector 13">
-            <a:extLst>
-              <a:ext uri="{FF2B5EF4-FFF2-40B4-BE49-F238E27FC236}">
-                <a16:creationId xmlns:a16="http://schemas.microsoft.com/office/drawing/2014/main" id="{AFCA054B-E730-4C89-8861-40C98EF7E285}"/>
-              </a:ext>
-            </a:extLst>
-          </p:cNvPr>
-          <p:cNvCxnSpPr>
-            <a:cxnSpLocks/>
-          </p:cNvCxnSpPr>
-          <p:nvPr/>
-        </p:nvCxnSpPr>
-        <p:spPr>
-          <a:xfrm flipV="1">
-            <a:off x="4307681" y="4109954"/>
-            <a:ext cx="2171700" cy="1"/>
-          </a:xfrm>
-          <a:prstGeom prst="line">
-            <a:avLst/>
-          </a:prstGeom>
-          <a:ln w="19050">
-            <a:solidFill>
-              <a:schemeClr val="bg1">
-                <a:lumMod val="50000"/>
-              </a:schemeClr>
-            </a:solidFill>
-          </a:ln>
-        </p:spPr>
-        <p:style>
-          <a:lnRef idx="1">
-            <a:schemeClr val="accent1"/>
-          </a:lnRef>
-          <a:fillRef idx="0">
-            <a:schemeClr val="accent1"/>
-          </a:fillRef>
-          <a:effectRef idx="0">
-            <a:schemeClr val="accent1"/>
-          </a:effectRef>
-          <a:fontRef idx="minor">
-            <a:schemeClr val="tx1"/>
-          </a:fontRef>
-        </p:style>
-      </p:cxnSp>
       <p:pic>
         <p:nvPicPr>
-          <p:cNvPr id="13" name="Picture 12">
+          <p:cNvPr id="11" name="Picture 10">
             <a:extLst>
               <a:ext uri="{FF2B5EF4-FFF2-40B4-BE49-F238E27FC236}">
-                <a16:creationId xmlns:a16="http://schemas.microsoft.com/office/drawing/2014/main" id="{F5364F0A-6F1A-4F85-ADE0-78532B118B06}"/>
+                <a16:creationId xmlns:a16="http://schemas.microsoft.com/office/drawing/2014/main" id="{0C6F3B4F-7F7D-4A12-885D-751C5FC5A63E}"/>
               </a:ext>
             </a:extLst>
           </p:cNvPr>
@@ -9724,10 +11141,10 @@
       </p:pic>
       <p:pic>
         <p:nvPicPr>
-          <p:cNvPr id="15" name="Picture 14">
+          <p:cNvPr id="12" name="Picture 11">
             <a:extLst>
               <a:ext uri="{FF2B5EF4-FFF2-40B4-BE49-F238E27FC236}">
-                <a16:creationId xmlns:a16="http://schemas.microsoft.com/office/drawing/2014/main" id="{85E11A09-BD4B-48A6-AC9D-45F7E1C711D7}"/>
+                <a16:creationId xmlns:a16="http://schemas.microsoft.com/office/drawing/2014/main" id="{F31B8004-FEF5-480F-A38E-16588C0CF492}"/>
               </a:ext>
             </a:extLst>
           </p:cNvPr>
@@ -9759,10 +11176,10 @@
       </p:pic>
       <p:sp>
         <p:nvSpPr>
-          <p:cNvPr id="16" name="Title 1">
+          <p:cNvPr id="13" name="Title 1">
             <a:extLst>
               <a:ext uri="{FF2B5EF4-FFF2-40B4-BE49-F238E27FC236}">
-                <a16:creationId xmlns:a16="http://schemas.microsoft.com/office/drawing/2014/main" id="{B06DDBED-DFE1-4594-B09B-675F29A29252}"/>
+                <a16:creationId xmlns:a16="http://schemas.microsoft.com/office/drawing/2014/main" id="{523A2CB2-13A8-41EA-96FE-093FAA759DB2}"/>
               </a:ext>
             </a:extLst>
           </p:cNvPr>
@@ -9787,7 +11204,7 @@
           <a:p>
             <a:r>
               <a:rPr lang="en-US" dirty="0"/>
-              <a:t>Partial Setup</a:t>
+              <a:t>Complete Setup</a:t>
             </a:r>
           </a:p>
         </p:txBody>
@@ -9795,1416 +11212,7 @@
     </p:spTree>
     <p:extLst>
       <p:ext uri="{BB962C8B-B14F-4D97-AF65-F5344CB8AC3E}">
-        <p14:creationId xmlns:p14="http://schemas.microsoft.com/office/powerpoint/2010/main" val="1448132594"/>
-      </p:ext>
-    </p:extLst>
-  </p:cSld>
-  <p:clrMapOvr>
-    <a:masterClrMapping/>
-  </p:clrMapOvr>
-</p:sld>
-</file>
-
-<file path=ppt/slides/slide6.xml><?xml version="1.0" encoding="utf-8"?>
-<p:sld xmlns:a="http://schemas.openxmlformats.org/drawingml/2006/main" xmlns:r="http://schemas.openxmlformats.org/officeDocument/2006/relationships" xmlns:p="http://schemas.openxmlformats.org/presentationml/2006/main">
-  <p:cSld>
-    <p:spTree>
-      <p:nvGrpSpPr>
-        <p:cNvPr id="1" name=""/>
-        <p:cNvGrpSpPr/>
-        <p:nvPr/>
-      </p:nvGrpSpPr>
-      <p:grpSpPr>
-        <a:xfrm>
-          <a:off x="0" y="0"/>
-          <a:ext cx="0" cy="0"/>
-          <a:chOff x="0" y="0"/>
-          <a:chExt cx="0" cy="0"/>
-        </a:xfrm>
-      </p:grpSpPr>
-      <p:sp>
-        <p:nvSpPr>
-          <p:cNvPr id="7" name="Rectangle 6">
-            <a:extLst>
-              <a:ext uri="{FF2B5EF4-FFF2-40B4-BE49-F238E27FC236}">
-                <a16:creationId xmlns:a16="http://schemas.microsoft.com/office/drawing/2014/main" id="{E148745F-1186-40E6-845C-5C3836243D7C}"/>
-              </a:ext>
-            </a:extLst>
-          </p:cNvPr>
-          <p:cNvSpPr/>
-          <p:nvPr/>
-        </p:nvSpPr>
-        <p:spPr>
-          <a:xfrm>
-            <a:off x="0" y="1114425"/>
-            <a:ext cx="9144000" cy="195943"/>
-          </a:xfrm>
-          <a:prstGeom prst="rect">
-            <a:avLst/>
-          </a:prstGeom>
-          <a:solidFill>
-            <a:schemeClr val="bg1"/>
-          </a:solidFill>
-          <a:ln>
-            <a:noFill/>
-          </a:ln>
-        </p:spPr>
-        <p:style>
-          <a:lnRef idx="2">
-            <a:schemeClr val="accent1">
-              <a:shade val="50000"/>
-            </a:schemeClr>
-          </a:lnRef>
-          <a:fillRef idx="1">
-            <a:schemeClr val="accent1"/>
-          </a:fillRef>
-          <a:effectRef idx="0">
-            <a:schemeClr val="accent1"/>
-          </a:effectRef>
-          <a:fontRef idx="minor">
-            <a:schemeClr val="lt1"/>
-          </a:fontRef>
-        </p:style>
-        <p:txBody>
-          <a:bodyPr rtlCol="0" anchor="ctr"/>
-          <a:lstStyle/>
-          <a:p>
-            <a:pPr algn="ctr"/>
-            <a:endParaRPr lang="en-US" sz="1350"/>
-          </a:p>
-        </p:txBody>
-      </p:sp>
-      <p:pic>
-        <p:nvPicPr>
-          <p:cNvPr id="9" name="Picture 8">
-            <a:extLst>
-              <a:ext uri="{FF2B5EF4-FFF2-40B4-BE49-F238E27FC236}">
-                <a16:creationId xmlns:a16="http://schemas.microsoft.com/office/drawing/2014/main" id="{8DCB66AB-0BBF-45DE-86DC-ADA5ED6ACF81}"/>
-              </a:ext>
-            </a:extLst>
-          </p:cNvPr>
-          <p:cNvPicPr>
-            <a:picLocks noChangeAspect="1"/>
-          </p:cNvPicPr>
-          <p:nvPr/>
-        </p:nvPicPr>
-        <p:blipFill rotWithShape="1">
-          <a:blip r:embed="rId2" cstate="screen">
-            <a:extLst>
-              <a:ext uri="{28A0092B-C50C-407E-A947-70E740481C1C}">
-                <a14:useLocalDpi xmlns:a14="http://schemas.microsoft.com/office/drawing/2010/main"/>
-              </a:ext>
-            </a:extLst>
-          </a:blip>
-          <a:srcRect/>
-          <a:stretch/>
-        </p:blipFill>
-        <p:spPr>
-          <a:xfrm>
-            <a:off x="505014" y="1193231"/>
-            <a:ext cx="8133971" cy="1056360"/>
-          </a:xfrm>
-          <a:prstGeom prst="rect">
-            <a:avLst/>
-          </a:prstGeom>
-        </p:spPr>
-      </p:pic>
-      <p:sp>
-        <p:nvSpPr>
-          <p:cNvPr id="4" name="Title 1">
-            <a:extLst>
-              <a:ext uri="{FF2B5EF4-FFF2-40B4-BE49-F238E27FC236}">
-                <a16:creationId xmlns:a16="http://schemas.microsoft.com/office/drawing/2014/main" id="{F01CE361-3908-4010-8031-51EEC67FB2EE}"/>
-              </a:ext>
-            </a:extLst>
-          </p:cNvPr>
-          <p:cNvSpPr>
-            <a:spLocks noGrp="1"/>
-          </p:cNvSpPr>
-          <p:nvPr>
-            <p:ph type="title"/>
-          </p:nvPr>
-        </p:nvSpPr>
-        <p:spPr>
-          <a:xfrm>
-            <a:off x="800099" y="119346"/>
-            <a:ext cx="7543800" cy="488510"/>
-          </a:xfrm>
-        </p:spPr>
-        <p:txBody>
-          <a:bodyPr>
-            <a:normAutofit fontScale="90000"/>
-          </a:bodyPr>
-          <a:lstStyle/>
-          <a:p>
-            <a:r>
-              <a:rPr lang="en-US" dirty="0"/>
-              <a:t>Sample Telemetry Message</a:t>
-            </a:r>
-          </a:p>
-        </p:txBody>
-      </p:sp>
-      <p:sp>
-        <p:nvSpPr>
-          <p:cNvPr id="10" name="Content Placeholder 9">
-            <a:extLst>
-              <a:ext uri="{FF2B5EF4-FFF2-40B4-BE49-F238E27FC236}">
-                <a16:creationId xmlns:a16="http://schemas.microsoft.com/office/drawing/2014/main" id="{70E54780-5B81-49D6-8F68-4DC086C93F58}"/>
-              </a:ext>
-            </a:extLst>
-          </p:cNvPr>
-          <p:cNvSpPr>
-            <a:spLocks noGrp="1"/>
-          </p:cNvSpPr>
-          <p:nvPr>
-            <p:ph idx="1"/>
-          </p:nvPr>
-        </p:nvSpPr>
-        <p:spPr>
-          <a:xfrm>
-            <a:off x="822960" y="2499360"/>
-            <a:ext cx="6278878" cy="1902461"/>
-          </a:xfrm>
-        </p:spPr>
-        <p:txBody>
-          <a:bodyPr>
-            <a:normAutofit/>
-          </a:bodyPr>
-          <a:lstStyle/>
-          <a:p>
-            <a:pPr>
-              <a:buFont typeface="Arial" panose="020B0604020202020204" pitchFamily="34" charset="0"/>
-              <a:buChar char="•"/>
-            </a:pPr>
-            <a:r>
-              <a:rPr lang="en-US" sz="2100" dirty="0"/>
-              <a:t>Simplified message (tens to hundred of variables describing other systems left out)</a:t>
-            </a:r>
-          </a:p>
-          <a:p>
-            <a:pPr>
-              <a:buFont typeface="Arial" panose="020B0604020202020204" pitchFamily="34" charset="0"/>
-              <a:buChar char="•"/>
-            </a:pPr>
-            <a:endParaRPr lang="en-US" sz="2100" dirty="0"/>
-          </a:p>
-          <a:p>
-            <a:pPr>
-              <a:buFont typeface="Arial" panose="020B0604020202020204" pitchFamily="34" charset="0"/>
-              <a:buChar char="•"/>
-            </a:pPr>
-            <a:r>
-              <a:rPr lang="en-US" sz="2100" dirty="0"/>
-              <a:t>Parameters are either essential ID info, or relate to communications system</a:t>
-            </a:r>
-          </a:p>
-        </p:txBody>
-      </p:sp>
-      <p:pic>
-        <p:nvPicPr>
-          <p:cNvPr id="12" name="Picture 11">
-            <a:extLst>
-              <a:ext uri="{FF2B5EF4-FFF2-40B4-BE49-F238E27FC236}">
-                <a16:creationId xmlns:a16="http://schemas.microsoft.com/office/drawing/2014/main" id="{A80BD9E9-7597-4E93-8FDC-A3760AFD80F9}"/>
-              </a:ext>
-            </a:extLst>
-          </p:cNvPr>
-          <p:cNvPicPr>
-            <a:picLocks noChangeAspect="1"/>
-          </p:cNvPicPr>
-          <p:nvPr/>
-        </p:nvPicPr>
-        <p:blipFill rotWithShape="1">
-          <a:blip r:embed="rId3" cstate="screen">
-            <a:extLst>
-              <a:ext uri="{28A0092B-C50C-407E-A947-70E740481C1C}">
-                <a14:useLocalDpi xmlns:a14="http://schemas.microsoft.com/office/drawing/2010/main"/>
-              </a:ext>
-            </a:extLst>
-          </a:blip>
-          <a:srcRect/>
-          <a:stretch/>
-        </p:blipFill>
-        <p:spPr>
-          <a:xfrm>
-            <a:off x="0" y="0"/>
-            <a:ext cx="1738725" cy="320040"/>
-          </a:xfrm>
-          <a:prstGeom prst="rect">
-            <a:avLst/>
-          </a:prstGeom>
-        </p:spPr>
-      </p:pic>
-      <p:pic>
-        <p:nvPicPr>
-          <p:cNvPr id="13" name="Picture 12">
-            <a:extLst>
-              <a:ext uri="{FF2B5EF4-FFF2-40B4-BE49-F238E27FC236}">
-                <a16:creationId xmlns:a16="http://schemas.microsoft.com/office/drawing/2014/main" id="{93E505B6-E7F2-44B2-B8E9-2EA71790A433}"/>
-              </a:ext>
-            </a:extLst>
-          </p:cNvPr>
-          <p:cNvPicPr>
-            <a:picLocks noChangeAspect="1"/>
-          </p:cNvPicPr>
-          <p:nvPr/>
-        </p:nvPicPr>
-        <p:blipFill rotWithShape="1">
-          <a:blip r:embed="rId4" cstate="screen">
-            <a:extLst>
-              <a:ext uri="{28A0092B-C50C-407E-A947-70E740481C1C}">
-                <a14:useLocalDpi xmlns:a14="http://schemas.microsoft.com/office/drawing/2010/main"/>
-              </a:ext>
-            </a:extLst>
-          </a:blip>
-          <a:srcRect/>
-          <a:stretch/>
-        </p:blipFill>
-        <p:spPr>
-          <a:xfrm>
-            <a:off x="0" y="331015"/>
-            <a:ext cx="1737360" cy="413296"/>
-          </a:xfrm>
-          <a:prstGeom prst="rect">
-            <a:avLst/>
-          </a:prstGeom>
-        </p:spPr>
-      </p:pic>
-    </p:spTree>
-    <p:extLst>
-      <p:ext uri="{BB962C8B-B14F-4D97-AF65-F5344CB8AC3E}">
-        <p14:creationId xmlns:p14="http://schemas.microsoft.com/office/powerpoint/2010/main" val="2793260569"/>
-      </p:ext>
-    </p:extLst>
-  </p:cSld>
-  <p:clrMapOvr>
-    <a:masterClrMapping/>
-  </p:clrMapOvr>
-</p:sld>
-</file>
-
-<file path=ppt/slides/slide7.xml><?xml version="1.0" encoding="utf-8"?>
-<p:sld xmlns:a="http://schemas.openxmlformats.org/drawingml/2006/main" xmlns:r="http://schemas.openxmlformats.org/officeDocument/2006/relationships" xmlns:p="http://schemas.openxmlformats.org/presentationml/2006/main">
-  <p:cSld>
-    <p:spTree>
-      <p:nvGrpSpPr>
-        <p:cNvPr id="1" name=""/>
-        <p:cNvGrpSpPr/>
-        <p:nvPr/>
-      </p:nvGrpSpPr>
-      <p:grpSpPr>
-        <a:xfrm>
-          <a:off x="0" y="0"/>
-          <a:ext cx="0" cy="0"/>
-          <a:chOff x="0" y="0"/>
-          <a:chExt cx="0" cy="0"/>
-        </a:xfrm>
-      </p:grpSpPr>
-      <p:sp>
-        <p:nvSpPr>
-          <p:cNvPr id="7" name="Rectangle 6">
-            <a:extLst>
-              <a:ext uri="{FF2B5EF4-FFF2-40B4-BE49-F238E27FC236}">
-                <a16:creationId xmlns:a16="http://schemas.microsoft.com/office/drawing/2014/main" id="{19550984-D2BE-4985-A444-1B92BE01D23A}"/>
-              </a:ext>
-            </a:extLst>
-          </p:cNvPr>
-          <p:cNvSpPr/>
-          <p:nvPr/>
-        </p:nvSpPr>
-        <p:spPr>
-          <a:xfrm>
-            <a:off x="0" y="1114425"/>
-            <a:ext cx="9144000" cy="195943"/>
-          </a:xfrm>
-          <a:prstGeom prst="rect">
-            <a:avLst/>
-          </a:prstGeom>
-          <a:solidFill>
-            <a:schemeClr val="bg1"/>
-          </a:solidFill>
-          <a:ln>
-            <a:noFill/>
-          </a:ln>
-        </p:spPr>
-        <p:style>
-          <a:lnRef idx="2">
-            <a:schemeClr val="accent1">
-              <a:shade val="50000"/>
-            </a:schemeClr>
-          </a:lnRef>
-          <a:fillRef idx="1">
-            <a:schemeClr val="accent1"/>
-          </a:fillRef>
-          <a:effectRef idx="0">
-            <a:schemeClr val="accent1"/>
-          </a:effectRef>
-          <a:fontRef idx="minor">
-            <a:schemeClr val="lt1"/>
-          </a:fontRef>
-        </p:style>
-        <p:txBody>
-          <a:bodyPr rtlCol="0" anchor="ctr"/>
-          <a:lstStyle/>
-          <a:p>
-            <a:pPr algn="ctr"/>
-            <a:endParaRPr lang="en-US" sz="1350"/>
-          </a:p>
-        </p:txBody>
-      </p:sp>
-      <p:sp>
-        <p:nvSpPr>
-          <p:cNvPr id="4" name="Title 1">
-            <a:extLst>
-              <a:ext uri="{FF2B5EF4-FFF2-40B4-BE49-F238E27FC236}">
-                <a16:creationId xmlns:a16="http://schemas.microsoft.com/office/drawing/2014/main" id="{627D7FA9-CC15-406F-A2B3-23B58B886359}"/>
-              </a:ext>
-            </a:extLst>
-          </p:cNvPr>
-          <p:cNvSpPr txBox="1">
-            <a:spLocks/>
-          </p:cNvSpPr>
-          <p:nvPr/>
-        </p:nvSpPr>
-        <p:spPr>
-          <a:xfrm>
-            <a:off x="2280919" y="129296"/>
-            <a:ext cx="4582160" cy="488510"/>
-          </a:xfrm>
-          <a:prstGeom prst="rect">
-            <a:avLst/>
-          </a:prstGeom>
-        </p:spPr>
-        <p:txBody>
-          <a:bodyPr vert="horz" lIns="68580" tIns="34290" rIns="68580" bIns="34290" rtlCol="0" anchor="b">
-            <a:normAutofit fontScale="97500" lnSpcReduction="10000"/>
-          </a:bodyPr>
-          <a:lstStyle>
-            <a:lvl1pPr algn="l" defTabSz="914400" rtl="0" eaLnBrk="1" latinLnBrk="0" hangingPunct="1">
-              <a:lnSpc>
-                <a:spcPct val="85000"/>
-              </a:lnSpc>
-              <a:spcBef>
-                <a:spcPct val="0"/>
-              </a:spcBef>
-              <a:buNone/>
-              <a:defRPr sz="4800" kern="1200" spc="-50" baseline="0">
-                <a:solidFill>
-                  <a:schemeClr val="tx1">
-                    <a:lumMod val="75000"/>
-                    <a:lumOff val="25000"/>
-                  </a:schemeClr>
-                </a:solidFill>
-                <a:latin typeface="+mj-lt"/>
-                <a:ea typeface="+mj-ea"/>
-                <a:cs typeface="+mj-cs"/>
-              </a:defRPr>
-            </a:lvl1pPr>
-          </a:lstStyle>
-          <a:p>
-            <a:r>
-              <a:rPr lang="en-US" sz="3600" dirty="0">
-                <a:solidFill>
-                  <a:schemeClr val="bg1"/>
-                </a:solidFill>
-              </a:rPr>
-              <a:t>Verification of Datasets</a:t>
-            </a:r>
-          </a:p>
-        </p:txBody>
-      </p:sp>
-      <p:sp>
-        <p:nvSpPr>
-          <p:cNvPr id="8" name="Content Placeholder 9">
-            <a:extLst>
-              <a:ext uri="{FF2B5EF4-FFF2-40B4-BE49-F238E27FC236}">
-                <a16:creationId xmlns:a16="http://schemas.microsoft.com/office/drawing/2014/main" id="{610E3BB3-28C9-484D-9ECC-9D484C4FF180}"/>
-              </a:ext>
-            </a:extLst>
-          </p:cNvPr>
-          <p:cNvSpPr>
-            <a:spLocks noGrp="1"/>
-          </p:cNvSpPr>
-          <p:nvPr>
-            <p:ph idx="1"/>
-          </p:nvPr>
-        </p:nvSpPr>
-        <p:spPr>
-          <a:xfrm>
-            <a:off x="598172" y="979810"/>
-            <a:ext cx="7947655" cy="1817171"/>
-          </a:xfrm>
-        </p:spPr>
-        <p:txBody>
-          <a:bodyPr>
-            <a:normAutofit/>
-          </a:bodyPr>
-          <a:lstStyle/>
-          <a:p>
-            <a:pPr>
-              <a:buFont typeface="Arial" panose="020B0604020202020204" pitchFamily="34" charset="0"/>
-              <a:buChar char="•"/>
-            </a:pPr>
-            <a:r>
-              <a:rPr lang="en-US" sz="2000" dirty="0"/>
-              <a:t>Develop specifications detailing expectations for each dataset</a:t>
-            </a:r>
-          </a:p>
-          <a:p>
-            <a:pPr>
-              <a:buFont typeface="Arial" panose="020B0604020202020204" pitchFamily="34" charset="0"/>
-              <a:buChar char="•"/>
-            </a:pPr>
-            <a:r>
-              <a:rPr lang="en-US" sz="2000" dirty="0"/>
-              <a:t>Demonstrate that data traces from the orbital simulation and telemetry are verifiable with runtime verification (RV)</a:t>
-            </a:r>
-          </a:p>
-        </p:txBody>
-      </p:sp>
-      <p:pic>
-        <p:nvPicPr>
-          <p:cNvPr id="9" name="Picture 8" descr="Graphical user interface, application&#10;&#10;Description automatically generated">
-            <a:extLst>
-              <a:ext uri="{FF2B5EF4-FFF2-40B4-BE49-F238E27FC236}">
-                <a16:creationId xmlns:a16="http://schemas.microsoft.com/office/drawing/2014/main" id="{8A101A58-D946-45E1-985E-2A74755B06DF}"/>
-              </a:ext>
-            </a:extLst>
-          </p:cNvPr>
-          <p:cNvPicPr>
-            <a:picLocks noChangeAspect="1"/>
-          </p:cNvPicPr>
-          <p:nvPr/>
-        </p:nvPicPr>
-        <p:blipFill rotWithShape="1">
-          <a:blip r:embed="rId2" cstate="print">
-            <a:extLst>
-              <a:ext uri="{28A0092B-C50C-407E-A947-70E740481C1C}">
-                <a14:useLocalDpi xmlns:a14="http://schemas.microsoft.com/office/drawing/2010/main" val="0"/>
-              </a:ext>
-            </a:extLst>
-          </a:blip>
-          <a:srcRect l="4005" r="4755"/>
-          <a:stretch/>
-        </p:blipFill>
-        <p:spPr>
-          <a:xfrm>
-            <a:off x="598172" y="2498775"/>
-            <a:ext cx="3523691" cy="1817171"/>
-          </a:xfrm>
-          <a:prstGeom prst="rect">
-            <a:avLst/>
-          </a:prstGeom>
-        </p:spPr>
-      </p:pic>
-      <p:pic>
-        <p:nvPicPr>
-          <p:cNvPr id="10" name="Picture 9">
-            <a:extLst>
-              <a:ext uri="{FF2B5EF4-FFF2-40B4-BE49-F238E27FC236}">
-                <a16:creationId xmlns:a16="http://schemas.microsoft.com/office/drawing/2014/main" id="{A6BA9A3C-AFF0-4298-9EE7-80E4B101568E}"/>
-              </a:ext>
-            </a:extLst>
-          </p:cNvPr>
-          <p:cNvPicPr>
-            <a:picLocks noChangeAspect="1"/>
-          </p:cNvPicPr>
-          <p:nvPr/>
-        </p:nvPicPr>
-        <p:blipFill rotWithShape="1">
-          <a:blip r:embed="rId3" cstate="screen">
-            <a:extLst>
-              <a:ext uri="{28A0092B-C50C-407E-A947-70E740481C1C}">
-                <a14:useLocalDpi xmlns:a14="http://schemas.microsoft.com/office/drawing/2010/main"/>
-              </a:ext>
-            </a:extLst>
-          </a:blip>
-          <a:srcRect/>
-          <a:stretch/>
-        </p:blipFill>
-        <p:spPr>
-          <a:xfrm>
-            <a:off x="4769895" y="3140152"/>
-            <a:ext cx="4115020" cy="534419"/>
-          </a:xfrm>
-          <a:prstGeom prst="rect">
-            <a:avLst/>
-          </a:prstGeom>
-        </p:spPr>
-      </p:pic>
-      <p:pic>
-        <p:nvPicPr>
-          <p:cNvPr id="13" name="Picture 12">
-            <a:extLst>
-              <a:ext uri="{FF2B5EF4-FFF2-40B4-BE49-F238E27FC236}">
-                <a16:creationId xmlns:a16="http://schemas.microsoft.com/office/drawing/2014/main" id="{1B5B2485-8369-4BD4-8BFC-DA068FF7AB60}"/>
-              </a:ext>
-            </a:extLst>
-          </p:cNvPr>
-          <p:cNvPicPr>
-            <a:picLocks noChangeAspect="1"/>
-          </p:cNvPicPr>
-          <p:nvPr/>
-        </p:nvPicPr>
-        <p:blipFill rotWithShape="1">
-          <a:blip r:embed="rId4" cstate="screen">
-            <a:extLst>
-              <a:ext uri="{28A0092B-C50C-407E-A947-70E740481C1C}">
-                <a14:useLocalDpi xmlns:a14="http://schemas.microsoft.com/office/drawing/2010/main"/>
-              </a:ext>
-            </a:extLst>
-          </a:blip>
-          <a:srcRect/>
-          <a:stretch/>
-        </p:blipFill>
-        <p:spPr>
-          <a:xfrm>
-            <a:off x="0" y="0"/>
-            <a:ext cx="1738725" cy="320040"/>
-          </a:xfrm>
-          <a:prstGeom prst="rect">
-            <a:avLst/>
-          </a:prstGeom>
-        </p:spPr>
-      </p:pic>
-      <p:pic>
-        <p:nvPicPr>
-          <p:cNvPr id="14" name="Picture 13">
-            <a:extLst>
-              <a:ext uri="{FF2B5EF4-FFF2-40B4-BE49-F238E27FC236}">
-                <a16:creationId xmlns:a16="http://schemas.microsoft.com/office/drawing/2014/main" id="{6C966120-E4A8-4442-B6C8-06288D6DC37C}"/>
-              </a:ext>
-            </a:extLst>
-          </p:cNvPr>
-          <p:cNvPicPr>
-            <a:picLocks noChangeAspect="1"/>
-          </p:cNvPicPr>
-          <p:nvPr/>
-        </p:nvPicPr>
-        <p:blipFill rotWithShape="1">
-          <a:blip r:embed="rId5" cstate="screen">
-            <a:extLst>
-              <a:ext uri="{28A0092B-C50C-407E-A947-70E740481C1C}">
-                <a14:useLocalDpi xmlns:a14="http://schemas.microsoft.com/office/drawing/2010/main"/>
-              </a:ext>
-            </a:extLst>
-          </a:blip>
-          <a:srcRect/>
-          <a:stretch/>
-        </p:blipFill>
-        <p:spPr>
-          <a:xfrm>
-            <a:off x="0" y="331015"/>
-            <a:ext cx="1737360" cy="413296"/>
-          </a:xfrm>
-          <a:prstGeom prst="rect">
-            <a:avLst/>
-          </a:prstGeom>
-        </p:spPr>
-      </p:pic>
-    </p:spTree>
-    <p:extLst>
-      <p:ext uri="{BB962C8B-B14F-4D97-AF65-F5344CB8AC3E}">
-        <p14:creationId xmlns:p14="http://schemas.microsoft.com/office/powerpoint/2010/main" val="3416203728"/>
-      </p:ext>
-    </p:extLst>
-  </p:cSld>
-  <p:clrMapOvr>
-    <a:masterClrMapping/>
-  </p:clrMapOvr>
-</p:sld>
-</file>
-
-<file path=ppt/slides/slide8.xml><?xml version="1.0" encoding="utf-8"?>
-<p:sld xmlns:a="http://schemas.openxmlformats.org/drawingml/2006/main" xmlns:r="http://schemas.openxmlformats.org/officeDocument/2006/relationships" xmlns:p="http://schemas.openxmlformats.org/presentationml/2006/main">
-  <p:cSld>
-    <p:spTree>
-      <p:nvGrpSpPr>
-        <p:cNvPr id="1" name=""/>
-        <p:cNvGrpSpPr/>
-        <p:nvPr/>
-      </p:nvGrpSpPr>
-      <p:grpSpPr>
-        <a:xfrm>
-          <a:off x="0" y="0"/>
-          <a:ext cx="0" cy="0"/>
-          <a:chOff x="0" y="0"/>
-          <a:chExt cx="0" cy="0"/>
-        </a:xfrm>
-      </p:grpSpPr>
-      <p:sp>
-        <p:nvSpPr>
-          <p:cNvPr id="4" name="Title 1">
-            <a:extLst>
-              <a:ext uri="{FF2B5EF4-FFF2-40B4-BE49-F238E27FC236}">
-                <a16:creationId xmlns:a16="http://schemas.microsoft.com/office/drawing/2014/main" id="{2CFCF1F6-E26F-4763-8D05-21853A09EFBF}"/>
-              </a:ext>
-            </a:extLst>
-          </p:cNvPr>
-          <p:cNvSpPr>
-            <a:spLocks noGrp="1"/>
-          </p:cNvSpPr>
-          <p:nvPr>
-            <p:ph type="title"/>
-          </p:nvPr>
-        </p:nvSpPr>
-        <p:spPr>
-          <a:xfrm>
-            <a:off x="2271133" y="91903"/>
-            <a:ext cx="4601732" cy="535142"/>
-          </a:xfrm>
-        </p:spPr>
-        <p:txBody>
-          <a:bodyPr>
-            <a:normAutofit fontScale="90000"/>
-          </a:bodyPr>
-          <a:lstStyle/>
-          <a:p>
-            <a:r>
-              <a:rPr lang="en-US" sz="2400" dirty="0"/>
-              <a:t>Mission-Bounded Linear Temporal Logic</a:t>
-            </a:r>
-            <a:r>
-              <a:rPr lang="en-US" sz="2400" baseline="30000" dirty="0"/>
-              <a:t>3</a:t>
-            </a:r>
-          </a:p>
-        </p:txBody>
-      </p:sp>
-      <p:sp>
-        <p:nvSpPr>
-          <p:cNvPr id="5" name="Rectangle 4">
-            <a:extLst>
-              <a:ext uri="{FF2B5EF4-FFF2-40B4-BE49-F238E27FC236}">
-                <a16:creationId xmlns:a16="http://schemas.microsoft.com/office/drawing/2014/main" id="{C1BFA22C-8BE9-4425-8F55-807A53F2C637}"/>
-              </a:ext>
-            </a:extLst>
-          </p:cNvPr>
-          <p:cNvSpPr/>
-          <p:nvPr/>
-        </p:nvSpPr>
-        <p:spPr>
-          <a:xfrm>
-            <a:off x="0" y="1114425"/>
-            <a:ext cx="9144000" cy="195943"/>
-          </a:xfrm>
-          <a:prstGeom prst="rect">
-            <a:avLst/>
-          </a:prstGeom>
-          <a:solidFill>
-            <a:schemeClr val="bg1"/>
-          </a:solidFill>
-          <a:ln>
-            <a:noFill/>
-          </a:ln>
-        </p:spPr>
-        <p:style>
-          <a:lnRef idx="2">
-            <a:schemeClr val="accent1">
-              <a:shade val="50000"/>
-            </a:schemeClr>
-          </a:lnRef>
-          <a:fillRef idx="1">
-            <a:schemeClr val="accent1"/>
-          </a:fillRef>
-          <a:effectRef idx="0">
-            <a:schemeClr val="accent1"/>
-          </a:effectRef>
-          <a:fontRef idx="minor">
-            <a:schemeClr val="lt1"/>
-          </a:fontRef>
-        </p:style>
-        <p:txBody>
-          <a:bodyPr rtlCol="0" anchor="ctr"/>
-          <a:lstStyle/>
-          <a:p>
-            <a:pPr algn="ctr"/>
-            <a:endParaRPr lang="en-US" sz="1350"/>
-          </a:p>
-        </p:txBody>
-      </p:sp>
-      <p:sp>
-        <p:nvSpPr>
-          <p:cNvPr id="3" name="Content Placeholder 2">
-            <a:extLst>
-              <a:ext uri="{FF2B5EF4-FFF2-40B4-BE49-F238E27FC236}">
-                <a16:creationId xmlns:a16="http://schemas.microsoft.com/office/drawing/2014/main" id="{2D04CCD1-563E-4627-8163-F2DD40EFEE03}"/>
-              </a:ext>
-            </a:extLst>
-          </p:cNvPr>
-          <p:cNvSpPr>
-            <a:spLocks noGrp="1"/>
-          </p:cNvSpPr>
-          <p:nvPr>
-            <p:ph idx="1"/>
-          </p:nvPr>
-        </p:nvSpPr>
-        <p:spPr>
-          <a:xfrm>
-            <a:off x="284480" y="870735"/>
-            <a:ext cx="8971280" cy="1302249"/>
-          </a:xfrm>
-        </p:spPr>
-        <p:txBody>
-          <a:bodyPr/>
-          <a:lstStyle/>
-          <a:p>
-            <a:pPr marL="0" indent="0">
-              <a:buNone/>
-            </a:pPr>
-            <a:r>
-              <a:rPr lang="en-US" sz="1800" dirty="0"/>
-              <a:t>Mission-Time Temporal Logic (MLTL) reasons about integer-bounded timelines:</a:t>
-            </a:r>
-          </a:p>
-          <a:p>
-            <a:pPr>
-              <a:buFont typeface="Arial" panose="020B0604020202020204" pitchFamily="34" charset="0"/>
-              <a:buChar char="•"/>
-            </a:pPr>
-            <a:r>
-              <a:rPr lang="en-US" sz="1800" dirty="0"/>
-              <a:t>finite set of atomic propositions { p q }</a:t>
-            </a:r>
-          </a:p>
-          <a:p>
-            <a:pPr>
-              <a:buFont typeface="Arial" panose="020B0604020202020204" pitchFamily="34" charset="0"/>
-              <a:buChar char="•"/>
-            </a:pPr>
-            <a:r>
-              <a:rPr lang="en-US" sz="1800" dirty="0"/>
-              <a:t>Boolean connectives:      ,      ,     ,  </a:t>
-            </a:r>
-          </a:p>
-          <a:p>
-            <a:pPr>
-              <a:buFont typeface="Arial" panose="020B0604020202020204" pitchFamily="34" charset="0"/>
-              <a:buChar char="•"/>
-            </a:pPr>
-            <a:r>
-              <a:rPr lang="en-US" sz="1800" dirty="0"/>
-              <a:t>Temporal connectives with time bounds</a:t>
-            </a:r>
-          </a:p>
-        </p:txBody>
-      </p:sp>
-      <p:pic>
-        <p:nvPicPr>
-          <p:cNvPr id="6" name="Picture 5">
-            <a:extLst>
-              <a:ext uri="{FF2B5EF4-FFF2-40B4-BE49-F238E27FC236}">
-                <a16:creationId xmlns:a16="http://schemas.microsoft.com/office/drawing/2014/main" id="{1B7EA449-279E-40BD-96A8-4A4749F7EBC7}"/>
-              </a:ext>
-            </a:extLst>
-          </p:cNvPr>
-          <p:cNvPicPr>
-            <a:picLocks noChangeAspect="1"/>
-          </p:cNvPicPr>
-          <p:nvPr/>
-        </p:nvPicPr>
-        <p:blipFill rotWithShape="1">
-          <a:blip r:embed="rId2"/>
-          <a:srcRect l="4467" t="19326" r="5703" b="28689"/>
-          <a:stretch/>
-        </p:blipFill>
-        <p:spPr>
-          <a:xfrm>
-            <a:off x="1944283" y="2414076"/>
-            <a:ext cx="5255433" cy="1710728"/>
-          </a:xfrm>
-          <a:prstGeom prst="rect">
-            <a:avLst/>
-          </a:prstGeom>
-        </p:spPr>
-      </p:pic>
-      <p:sp>
-        <p:nvSpPr>
-          <p:cNvPr id="7" name="Rectangle 6">
-            <a:extLst>
-              <a:ext uri="{FF2B5EF4-FFF2-40B4-BE49-F238E27FC236}">
-                <a16:creationId xmlns:a16="http://schemas.microsoft.com/office/drawing/2014/main" id="{14F246A8-0F4F-46F6-B508-E3BEBAE9C1B3}"/>
-              </a:ext>
-            </a:extLst>
-          </p:cNvPr>
-          <p:cNvSpPr/>
-          <p:nvPr/>
-        </p:nvSpPr>
-        <p:spPr>
-          <a:xfrm>
-            <a:off x="984177" y="4348752"/>
-            <a:ext cx="3207544" cy="34289"/>
-          </a:xfrm>
-          <a:prstGeom prst="rect">
-            <a:avLst/>
-          </a:prstGeom>
-          <a:solidFill>
-            <a:schemeClr val="bg1"/>
-          </a:solidFill>
-          <a:ln>
-            <a:noFill/>
-          </a:ln>
-        </p:spPr>
-        <p:style>
-          <a:lnRef idx="2">
-            <a:schemeClr val="accent1">
-              <a:shade val="50000"/>
-            </a:schemeClr>
-          </a:lnRef>
-          <a:fillRef idx="1">
-            <a:schemeClr val="accent1"/>
-          </a:fillRef>
-          <a:effectRef idx="0">
-            <a:schemeClr val="accent1"/>
-          </a:effectRef>
-          <a:fontRef idx="minor">
-            <a:schemeClr val="lt1"/>
-          </a:fontRef>
-        </p:style>
-        <p:txBody>
-          <a:bodyPr rtlCol="0" anchor="ctr"/>
-          <a:lstStyle/>
-          <a:p>
-            <a:pPr algn="ctr"/>
-            <a:endParaRPr lang="en-US" sz="1350"/>
-          </a:p>
-        </p:txBody>
-      </p:sp>
-      <p:sp>
-        <p:nvSpPr>
-          <p:cNvPr id="11" name="Rectangle 10">
-            <a:extLst>
-              <a:ext uri="{FF2B5EF4-FFF2-40B4-BE49-F238E27FC236}">
-                <a16:creationId xmlns:a16="http://schemas.microsoft.com/office/drawing/2014/main" id="{CED4C335-9E10-47F2-A65D-7552DAB9F7BA}"/>
-              </a:ext>
-            </a:extLst>
-          </p:cNvPr>
-          <p:cNvSpPr/>
-          <p:nvPr/>
-        </p:nvSpPr>
-        <p:spPr>
-          <a:xfrm>
-            <a:off x="984177" y="4299209"/>
-            <a:ext cx="2822399" cy="105138"/>
-          </a:xfrm>
-          <a:prstGeom prst="rect">
-            <a:avLst/>
-          </a:prstGeom>
-          <a:solidFill>
-            <a:schemeClr val="bg1"/>
-          </a:solidFill>
-          <a:ln>
-            <a:noFill/>
-          </a:ln>
-        </p:spPr>
-        <p:style>
-          <a:lnRef idx="2">
-            <a:schemeClr val="accent1">
-              <a:shade val="50000"/>
-            </a:schemeClr>
-          </a:lnRef>
-          <a:fillRef idx="1">
-            <a:schemeClr val="accent1"/>
-          </a:fillRef>
-          <a:effectRef idx="0">
-            <a:schemeClr val="accent1"/>
-          </a:effectRef>
-          <a:fontRef idx="minor">
-            <a:schemeClr val="lt1"/>
-          </a:fontRef>
-        </p:style>
-        <p:txBody>
-          <a:bodyPr rtlCol="0" anchor="ctr"/>
-          <a:lstStyle/>
-          <a:p>
-            <a:pPr algn="ctr"/>
-            <a:endParaRPr lang="en-US" sz="1350"/>
-          </a:p>
-        </p:txBody>
-      </p:sp>
-      <p:sp>
-        <p:nvSpPr>
-          <p:cNvPr id="12" name="TextBox 11">
-            <a:extLst>
-              <a:ext uri="{FF2B5EF4-FFF2-40B4-BE49-F238E27FC236}">
-                <a16:creationId xmlns:a16="http://schemas.microsoft.com/office/drawing/2014/main" id="{F3B9EC1D-CC50-45BA-9CB2-F79BC174919E}"/>
-              </a:ext>
-            </a:extLst>
-          </p:cNvPr>
-          <p:cNvSpPr txBox="1"/>
-          <p:nvPr/>
-        </p:nvSpPr>
-        <p:spPr>
-          <a:xfrm>
-            <a:off x="675979" y="4365896"/>
-            <a:ext cx="8229593" cy="461665"/>
-          </a:xfrm>
-          <a:prstGeom prst="rect">
-            <a:avLst/>
-          </a:prstGeom>
-          <a:noFill/>
-        </p:spPr>
-        <p:txBody>
-          <a:bodyPr wrap="square" rtlCol="0">
-            <a:spAutoFit/>
-          </a:bodyPr>
-          <a:lstStyle/>
-          <a:p>
-            <a:r>
-              <a:rPr lang="en-US" sz="1200" dirty="0"/>
-              <a:t>3. T. </a:t>
-            </a:r>
-            <a:r>
-              <a:rPr lang="en-US" sz="1200" dirty="0" err="1"/>
-              <a:t>Reinbacher</a:t>
-            </a:r>
-            <a:r>
-              <a:rPr lang="en-US" sz="1200" dirty="0"/>
-              <a:t>, K.Y. Rozier, J. Schumann. “Temporal-Logic Based Runtime Observer Pairs for System Health Management of Real-Time Systems.” TACAS 2014.</a:t>
-            </a:r>
-          </a:p>
-        </p:txBody>
-      </p:sp>
-      <p:pic>
-        <p:nvPicPr>
-          <p:cNvPr id="13" name="Picture 12">
-            <a:extLst>
-              <a:ext uri="{FF2B5EF4-FFF2-40B4-BE49-F238E27FC236}">
-                <a16:creationId xmlns:a16="http://schemas.microsoft.com/office/drawing/2014/main" id="{51FB666B-EF71-4EBB-9640-FF3DF3596AC0}"/>
-              </a:ext>
-            </a:extLst>
-          </p:cNvPr>
-          <p:cNvPicPr>
-            <a:picLocks noChangeAspect="1"/>
-          </p:cNvPicPr>
-          <p:nvPr/>
-        </p:nvPicPr>
-        <p:blipFill rotWithShape="1">
-          <a:blip r:embed="rId3"/>
-          <a:srcRect l="31015" t="38194" r="66797" b="57381"/>
-          <a:stretch/>
-        </p:blipFill>
-        <p:spPr>
-          <a:xfrm>
-            <a:off x="2971913" y="1554058"/>
-            <a:ext cx="200025" cy="227528"/>
-          </a:xfrm>
-          <a:prstGeom prst="rect">
-            <a:avLst/>
-          </a:prstGeom>
-        </p:spPr>
-      </p:pic>
-      <p:pic>
-        <p:nvPicPr>
-          <p:cNvPr id="14" name="Picture 13">
-            <a:extLst>
-              <a:ext uri="{FF2B5EF4-FFF2-40B4-BE49-F238E27FC236}">
-                <a16:creationId xmlns:a16="http://schemas.microsoft.com/office/drawing/2014/main" id="{64590208-4B09-46A0-B834-E656B8D94B0E}"/>
-              </a:ext>
-            </a:extLst>
-          </p:cNvPr>
-          <p:cNvPicPr>
-            <a:picLocks noChangeAspect="1"/>
-          </p:cNvPicPr>
-          <p:nvPr/>
-        </p:nvPicPr>
-        <p:blipFill rotWithShape="1">
-          <a:blip r:embed="rId3"/>
-          <a:srcRect l="40223" t="37083" r="56953" b="56456"/>
-          <a:stretch/>
-        </p:blipFill>
-        <p:spPr>
-          <a:xfrm>
-            <a:off x="3347882" y="1511465"/>
-            <a:ext cx="258218" cy="332291"/>
-          </a:xfrm>
-          <a:prstGeom prst="rect">
-            <a:avLst/>
-          </a:prstGeom>
-        </p:spPr>
-      </p:pic>
-      <p:pic>
-        <p:nvPicPr>
-          <p:cNvPr id="15" name="Picture 14">
-            <a:extLst>
-              <a:ext uri="{FF2B5EF4-FFF2-40B4-BE49-F238E27FC236}">
-                <a16:creationId xmlns:a16="http://schemas.microsoft.com/office/drawing/2014/main" id="{112E5746-709A-4CA2-B9E3-9F948F7A4BAC}"/>
-              </a:ext>
-            </a:extLst>
-          </p:cNvPr>
-          <p:cNvPicPr>
-            <a:picLocks noChangeAspect="1"/>
-          </p:cNvPicPr>
-          <p:nvPr/>
-        </p:nvPicPr>
-        <p:blipFill rotWithShape="1">
-          <a:blip r:embed="rId3"/>
-          <a:srcRect l="51786" t="36896" r="45390" b="56643"/>
-          <a:stretch/>
-        </p:blipFill>
-        <p:spPr>
-          <a:xfrm>
-            <a:off x="3801000" y="1501676"/>
-            <a:ext cx="258218" cy="332291"/>
-          </a:xfrm>
-          <a:prstGeom prst="rect">
-            <a:avLst/>
-          </a:prstGeom>
-        </p:spPr>
-      </p:pic>
-      <p:cxnSp>
-        <p:nvCxnSpPr>
-          <p:cNvPr id="16" name="Straight Arrow Connector 15">
-            <a:extLst>
-              <a:ext uri="{FF2B5EF4-FFF2-40B4-BE49-F238E27FC236}">
-                <a16:creationId xmlns:a16="http://schemas.microsoft.com/office/drawing/2014/main" id="{5A6BCADE-3E30-45B2-BA99-65F4A72EB997}"/>
-              </a:ext>
-            </a:extLst>
-          </p:cNvPr>
-          <p:cNvCxnSpPr>
-            <a:cxnSpLocks/>
-          </p:cNvCxnSpPr>
-          <p:nvPr/>
-        </p:nvCxnSpPr>
-        <p:spPr>
-          <a:xfrm>
-            <a:off x="4201204" y="1708461"/>
-            <a:ext cx="244316" cy="0"/>
-          </a:xfrm>
-          <a:prstGeom prst="straightConnector1">
-            <a:avLst/>
-          </a:prstGeom>
-          <a:ln w="19050">
-            <a:solidFill>
-              <a:schemeClr val="tx1"/>
-            </a:solidFill>
-            <a:headEnd type="none" w="med" len="med"/>
-            <a:tailEnd type="arrow" w="med" len="med"/>
-          </a:ln>
-        </p:spPr>
-        <p:style>
-          <a:lnRef idx="1">
-            <a:schemeClr val="accent1"/>
-          </a:lnRef>
-          <a:fillRef idx="0">
-            <a:schemeClr val="accent1"/>
-          </a:fillRef>
-          <a:effectRef idx="0">
-            <a:schemeClr val="accent1"/>
-          </a:effectRef>
-          <a:fontRef idx="minor">
-            <a:schemeClr val="tx1"/>
-          </a:fontRef>
-        </p:style>
-      </p:cxnSp>
-      <p:pic>
-        <p:nvPicPr>
-          <p:cNvPr id="17" name="Picture 16">
-            <a:extLst>
-              <a:ext uri="{FF2B5EF4-FFF2-40B4-BE49-F238E27FC236}">
-                <a16:creationId xmlns:a16="http://schemas.microsoft.com/office/drawing/2014/main" id="{F973B115-5514-452B-9B95-D18A4AD5A8F7}"/>
-              </a:ext>
-            </a:extLst>
-          </p:cNvPr>
-          <p:cNvPicPr>
-            <a:picLocks noChangeAspect="1"/>
-          </p:cNvPicPr>
-          <p:nvPr/>
-        </p:nvPicPr>
-        <p:blipFill rotWithShape="1">
-          <a:blip r:embed="rId4" cstate="screen">
-            <a:extLst>
-              <a:ext uri="{28A0092B-C50C-407E-A947-70E740481C1C}">
-                <a14:useLocalDpi xmlns:a14="http://schemas.microsoft.com/office/drawing/2010/main"/>
-              </a:ext>
-            </a:extLst>
-          </a:blip>
-          <a:srcRect/>
-          <a:stretch/>
-        </p:blipFill>
-        <p:spPr>
-          <a:xfrm>
-            <a:off x="0" y="0"/>
-            <a:ext cx="1738725" cy="320040"/>
-          </a:xfrm>
-          <a:prstGeom prst="rect">
-            <a:avLst/>
-          </a:prstGeom>
-        </p:spPr>
-      </p:pic>
-      <p:pic>
-        <p:nvPicPr>
-          <p:cNvPr id="20" name="Picture 19">
-            <a:extLst>
-              <a:ext uri="{FF2B5EF4-FFF2-40B4-BE49-F238E27FC236}">
-                <a16:creationId xmlns:a16="http://schemas.microsoft.com/office/drawing/2014/main" id="{36EB7BE6-0147-481E-BFA2-82CEDBF5D08B}"/>
-              </a:ext>
-            </a:extLst>
-          </p:cNvPr>
-          <p:cNvPicPr>
-            <a:picLocks noChangeAspect="1"/>
-          </p:cNvPicPr>
-          <p:nvPr/>
-        </p:nvPicPr>
-        <p:blipFill rotWithShape="1">
-          <a:blip r:embed="rId5" cstate="screen">
-            <a:extLst>
-              <a:ext uri="{28A0092B-C50C-407E-A947-70E740481C1C}">
-                <a14:useLocalDpi xmlns:a14="http://schemas.microsoft.com/office/drawing/2010/main"/>
-              </a:ext>
-            </a:extLst>
-          </a:blip>
-          <a:srcRect/>
-          <a:stretch/>
-        </p:blipFill>
-        <p:spPr>
-          <a:xfrm>
-            <a:off x="0" y="331015"/>
-            <a:ext cx="1737360" cy="413296"/>
-          </a:xfrm>
-          <a:prstGeom prst="rect">
-            <a:avLst/>
-          </a:prstGeom>
-        </p:spPr>
-      </p:pic>
-    </p:spTree>
-    <p:extLst>
-      <p:ext uri="{BB962C8B-B14F-4D97-AF65-F5344CB8AC3E}">
-        <p14:creationId xmlns:p14="http://schemas.microsoft.com/office/powerpoint/2010/main" val="394537034"/>
-      </p:ext>
-    </p:extLst>
-  </p:cSld>
-  <p:clrMapOvr>
-    <a:masterClrMapping/>
-  </p:clrMapOvr>
-</p:sld>
-</file>
-
-<file path=ppt/slides/slide9.xml><?xml version="1.0" encoding="utf-8"?>
-<p:sld xmlns:a="http://schemas.openxmlformats.org/drawingml/2006/main" xmlns:r="http://schemas.openxmlformats.org/officeDocument/2006/relationships" xmlns:p="http://schemas.openxmlformats.org/presentationml/2006/main">
-  <p:cSld>
-    <p:spTree>
-      <p:nvGrpSpPr>
-        <p:cNvPr id="1" name=""/>
-        <p:cNvGrpSpPr/>
-        <p:nvPr/>
-      </p:nvGrpSpPr>
-      <p:grpSpPr>
-        <a:xfrm>
-          <a:off x="0" y="0"/>
-          <a:ext cx="0" cy="0"/>
-          <a:chOff x="0" y="0"/>
-          <a:chExt cx="0" cy="0"/>
-        </a:xfrm>
-      </p:grpSpPr>
-      <p:sp>
-        <p:nvSpPr>
-          <p:cNvPr id="4" name="Rectangle 3">
-            <a:extLst>
-              <a:ext uri="{FF2B5EF4-FFF2-40B4-BE49-F238E27FC236}">
-                <a16:creationId xmlns:a16="http://schemas.microsoft.com/office/drawing/2014/main" id="{F1567BB6-6D6C-4EBC-9C7D-F392256D9A21}"/>
-              </a:ext>
-            </a:extLst>
-          </p:cNvPr>
-          <p:cNvSpPr/>
-          <p:nvPr/>
-        </p:nvSpPr>
-        <p:spPr>
-          <a:xfrm>
-            <a:off x="547099" y="1109610"/>
-            <a:ext cx="8298951" cy="470042"/>
-          </a:xfrm>
-          <a:prstGeom prst="rect">
-            <a:avLst/>
-          </a:prstGeom>
-          <a:solidFill>
-            <a:schemeClr val="bg1"/>
-          </a:solidFill>
-          <a:ln>
-            <a:noFill/>
-          </a:ln>
-        </p:spPr>
-        <p:style>
-          <a:lnRef idx="2">
-            <a:schemeClr val="accent1">
-              <a:shade val="50000"/>
-            </a:schemeClr>
-          </a:lnRef>
-          <a:fillRef idx="1">
-            <a:schemeClr val="accent1"/>
-          </a:fillRef>
-          <a:effectRef idx="0">
-            <a:schemeClr val="accent1"/>
-          </a:effectRef>
-          <a:fontRef idx="minor">
-            <a:schemeClr val="lt1"/>
-          </a:fontRef>
-        </p:style>
-        <p:txBody>
-          <a:bodyPr rtlCol="0" anchor="ctr"/>
-          <a:lstStyle/>
-          <a:p>
-            <a:pPr algn="ctr"/>
-            <a:endParaRPr lang="en-US" sz="1350"/>
-          </a:p>
-        </p:txBody>
-      </p:sp>
-      <p:pic>
-        <p:nvPicPr>
-          <p:cNvPr id="1026" name="Picture 2">
-            <a:extLst>
-              <a:ext uri="{FF2B5EF4-FFF2-40B4-BE49-F238E27FC236}">
-                <a16:creationId xmlns:a16="http://schemas.microsoft.com/office/drawing/2014/main" id="{48040356-4016-4257-952F-CF9B387B6CE5}"/>
-              </a:ext>
-            </a:extLst>
-          </p:cNvPr>
-          <p:cNvPicPr>
-            <a:picLocks noChangeAspect="1" noChangeArrowheads="1"/>
-          </p:cNvPicPr>
-          <p:nvPr/>
-        </p:nvPicPr>
-        <p:blipFill>
-          <a:blip r:embed="rId2">
-            <a:extLst>
-              <a:ext uri="{28A0092B-C50C-407E-A947-70E740481C1C}">
-                <a14:useLocalDpi xmlns:a14="http://schemas.microsoft.com/office/drawing/2010/main" val="0"/>
-              </a:ext>
-            </a:extLst>
-          </a:blip>
-          <a:srcRect/>
-          <a:stretch>
-            <a:fillRect/>
-          </a:stretch>
-        </p:blipFill>
-        <p:spPr bwMode="auto">
-          <a:xfrm>
-            <a:off x="2237830" y="1000299"/>
-            <a:ext cx="4668340" cy="3608378"/>
-          </a:xfrm>
-          <a:prstGeom prst="rect">
-            <a:avLst/>
-          </a:prstGeom>
-          <a:noFill/>
-          <a:extLst>
-            <a:ext uri="{909E8E84-426E-40DD-AFC4-6F175D3DCCD1}">
-              <a14:hiddenFill xmlns:a14="http://schemas.microsoft.com/office/drawing/2010/main">
-                <a:solidFill>
-                  <a:srgbClr val="FFFFFF"/>
-                </a:solidFill>
-              </a14:hiddenFill>
-            </a:ext>
-          </a:extLst>
-        </p:spPr>
-      </p:pic>
-      <p:sp>
-        <p:nvSpPr>
-          <p:cNvPr id="6" name="Title 1">
-            <a:extLst>
-              <a:ext uri="{FF2B5EF4-FFF2-40B4-BE49-F238E27FC236}">
-                <a16:creationId xmlns:a16="http://schemas.microsoft.com/office/drawing/2014/main" id="{FDD25400-847C-4713-8138-06A16405BB46}"/>
-              </a:ext>
-            </a:extLst>
-          </p:cNvPr>
-          <p:cNvSpPr>
-            <a:spLocks noGrp="1"/>
-          </p:cNvSpPr>
-          <p:nvPr>
-            <p:ph type="title"/>
-          </p:nvPr>
-        </p:nvSpPr>
-        <p:spPr>
-          <a:xfrm>
-            <a:off x="1915159" y="111027"/>
-            <a:ext cx="5313680" cy="535142"/>
-          </a:xfrm>
-        </p:spPr>
-        <p:txBody>
-          <a:bodyPr>
-            <a:normAutofit fontScale="90000"/>
-          </a:bodyPr>
-          <a:lstStyle/>
-          <a:p>
-            <a:r>
-              <a:rPr lang="en-US" dirty="0"/>
-              <a:t>Realizable, Responsive, Unobtrusive Unit (R2U2)</a:t>
-            </a:r>
-          </a:p>
-        </p:txBody>
-      </p:sp>
-      <p:pic>
-        <p:nvPicPr>
-          <p:cNvPr id="7" name="Picture 6">
-            <a:extLst>
-              <a:ext uri="{FF2B5EF4-FFF2-40B4-BE49-F238E27FC236}">
-                <a16:creationId xmlns:a16="http://schemas.microsoft.com/office/drawing/2014/main" id="{FE5F1C58-ACB6-4702-8616-CBF02532B3E8}"/>
-              </a:ext>
-            </a:extLst>
-          </p:cNvPr>
-          <p:cNvPicPr>
-            <a:picLocks noChangeAspect="1"/>
-          </p:cNvPicPr>
-          <p:nvPr/>
-        </p:nvPicPr>
-        <p:blipFill rotWithShape="1">
-          <a:blip r:embed="rId3" cstate="screen">
-            <a:extLst>
-              <a:ext uri="{28A0092B-C50C-407E-A947-70E740481C1C}">
-                <a14:useLocalDpi xmlns:a14="http://schemas.microsoft.com/office/drawing/2010/main"/>
-              </a:ext>
-            </a:extLst>
-          </a:blip>
-          <a:srcRect/>
-          <a:stretch/>
-        </p:blipFill>
-        <p:spPr>
-          <a:xfrm>
-            <a:off x="0" y="0"/>
-            <a:ext cx="1738725" cy="320040"/>
-          </a:xfrm>
-          <a:prstGeom prst="rect">
-            <a:avLst/>
-          </a:prstGeom>
-        </p:spPr>
-      </p:pic>
-      <p:pic>
-        <p:nvPicPr>
-          <p:cNvPr id="8" name="Picture 7">
-            <a:extLst>
-              <a:ext uri="{FF2B5EF4-FFF2-40B4-BE49-F238E27FC236}">
-                <a16:creationId xmlns:a16="http://schemas.microsoft.com/office/drawing/2014/main" id="{2FCE15EC-B2AF-4427-B5E2-AF6496B35B9B}"/>
-              </a:ext>
-            </a:extLst>
-          </p:cNvPr>
-          <p:cNvPicPr>
-            <a:picLocks noChangeAspect="1"/>
-          </p:cNvPicPr>
-          <p:nvPr/>
-        </p:nvPicPr>
-        <p:blipFill rotWithShape="1">
-          <a:blip r:embed="rId4" cstate="screen">
-            <a:extLst>
-              <a:ext uri="{28A0092B-C50C-407E-A947-70E740481C1C}">
-                <a14:useLocalDpi xmlns:a14="http://schemas.microsoft.com/office/drawing/2010/main"/>
-              </a:ext>
-            </a:extLst>
-          </a:blip>
-          <a:srcRect/>
-          <a:stretch/>
-        </p:blipFill>
-        <p:spPr>
-          <a:xfrm>
-            <a:off x="0" y="331015"/>
-            <a:ext cx="1737360" cy="413296"/>
-          </a:xfrm>
-          <a:prstGeom prst="rect">
-            <a:avLst/>
-          </a:prstGeom>
-        </p:spPr>
-      </p:pic>
-    </p:spTree>
-    <p:extLst>
-      <p:ext uri="{BB962C8B-B14F-4D97-AF65-F5344CB8AC3E}">
-        <p14:creationId xmlns:p14="http://schemas.microsoft.com/office/powerpoint/2010/main" val="3767475104"/>
+        <p14:creationId xmlns:p14="http://schemas.microsoft.com/office/powerpoint/2010/main" val="435680828"/>
       </p:ext>
     </p:extLst>
   </p:cSld>
@@ -12887,6 +12895,15 @@
 </file>
 
 <file path=customXml/item1.xml><?xml version="1.0" encoding="utf-8"?>
+<?mso-contentType ?>
+<FormTemplates xmlns="http://schemas.microsoft.com/sharepoint/v3/contenttype/forms">
+  <Display>DocumentLibraryForm</Display>
+  <Edit>DocumentLibraryForm</Edit>
+  <New>DocumentLibraryForm</New>
+</FormTemplates>
+</file>
+
+<file path=customXml/item2.xml><?xml version="1.0" encoding="utf-8"?>
 <ct:contentTypeSchema xmlns:ct="http://schemas.microsoft.com/office/2006/metadata/contentType" xmlns:ma="http://schemas.microsoft.com/office/2006/metadata/properties/metaAttributes" ct:_="" ma:_="" ma:contentTypeName="Document" ma:contentTypeID="0x01010068EB2D5380FE2F4D930C6B565C2D1F91" ma:contentTypeVersion="11" ma:contentTypeDescription="Create a new document." ma:contentTypeScope="" ma:versionID="7bb4524a6491913e10d18d3264613d60">
   <xsd:schema xmlns:xsd="http://www.w3.org/2001/XMLSchema" xmlns:xs="http://www.w3.org/2001/XMLSchema" xmlns:p="http://schemas.microsoft.com/office/2006/metadata/properties" xmlns:ns2="f68cf9e0-88e1-4f3b-adb3-cd048a316fce" xmlns:ns3="45189c86-d200-4f8e-8ba3-644445031606" targetNamespace="http://schemas.microsoft.com/office/2006/metadata/properties" ma:root="true" ma:fieldsID="fe491e7097e791f756d1677c32534ef1" ns2:_="" ns3:_="">
     <xsd:import namespace="f68cf9e0-88e1-4f3b-adb3-cd048a316fce"/>
@@ -13097,15 +13114,6 @@
 </ct:contentTypeSchema>
 </file>
 
-<file path=customXml/item2.xml><?xml version="1.0" encoding="utf-8"?>
-<?mso-contentType ?>
-<FormTemplates xmlns="http://schemas.microsoft.com/sharepoint/v3/contenttype/forms">
-  <Display>DocumentLibraryForm</Display>
-  <Edit>DocumentLibraryForm</Edit>
-  <New>DocumentLibraryForm</New>
-</FormTemplates>
-</file>
-
 <file path=customXml/item3.xml><?xml version="1.0" encoding="utf-8"?>
 <p:properties xmlns:p="http://schemas.microsoft.com/office/2006/metadata/properties" xmlns:xsi="http://www.w3.org/2001/XMLSchema-instance">
   <documentManagement/>
@@ -13113,6 +13121,14 @@
 </file>
 
 <file path=customXml/itemProps1.xml><?xml version="1.0" encoding="utf-8"?>
+<ds:datastoreItem xmlns:ds="http://schemas.openxmlformats.org/officeDocument/2006/customXml" ds:itemID="{53F3348E-F4F4-4BE8-8083-AA7D450E2FAD}">
+  <ds:schemaRefs>
+    <ds:schemaRef ds:uri="http://schemas.microsoft.com/sharepoint/v3/contenttype/forms"/>
+  </ds:schemaRefs>
+</ds:datastoreItem>
+</file>
+
+<file path=customXml/itemProps2.xml><?xml version="1.0" encoding="utf-8"?>
 <ds:datastoreItem xmlns:ds="http://schemas.openxmlformats.org/officeDocument/2006/customXml" ds:itemID="{E561E29E-EE55-4BBB-A007-996871FAB725}">
   <ds:schemaRefs>
     <ds:schemaRef ds:uri="http://schemas.microsoft.com/office/2006/metadata/contentType"/>
@@ -13127,14 +13143,6 @@
     <ds:schemaRef ds:uri="http://purl.org/dc/elements/1.1/"/>
     <ds:schemaRef ds:uri="http://purl.org/dc/terms/"/>
     <ds:schemaRef ds:uri="http://schemas.microsoft.com/internal/obd"/>
-  </ds:schemaRefs>
-</ds:datastoreItem>
-</file>
-
-<file path=customXml/itemProps2.xml><?xml version="1.0" encoding="utf-8"?>
-<ds:datastoreItem xmlns:ds="http://schemas.openxmlformats.org/officeDocument/2006/customXml" ds:itemID="{53F3348E-F4F4-4BE8-8083-AA7D450E2FAD}">
-  <ds:schemaRefs>
-    <ds:schemaRef ds:uri="http://schemas.microsoft.com/sharepoint/v3/contenttype/forms"/>
   </ds:schemaRefs>
 </ds:datastoreItem>
 </file>
